--- a/MicroSat/Configuraciones_Bandeja_Inferior.pptx
+++ b/MicroSat/Configuraciones_Bandeja_Inferior.pptx
@@ -246,7 +246,7 @@
           <a:p>
             <a:fld id="{9366FF3E-5370-4FD1-BC0B-AFD5BB1DA4AA}" type="datetimeFigureOut">
               <a:rPr lang="en-GB" smtClean="0"/>
-              <a:t>21/04/2021</a:t>
+              <a:t>22/04/2021</a:t>
             </a:fld>
             <a:endParaRPr lang="en-GB"/>
           </a:p>
@@ -416,7 +416,7 @@
           <a:p>
             <a:fld id="{9366FF3E-5370-4FD1-BC0B-AFD5BB1DA4AA}" type="datetimeFigureOut">
               <a:rPr lang="en-GB" smtClean="0"/>
-              <a:t>21/04/2021</a:t>
+              <a:t>22/04/2021</a:t>
             </a:fld>
             <a:endParaRPr lang="en-GB"/>
           </a:p>
@@ -596,7 +596,7 @@
           <a:p>
             <a:fld id="{9366FF3E-5370-4FD1-BC0B-AFD5BB1DA4AA}" type="datetimeFigureOut">
               <a:rPr lang="en-GB" smtClean="0"/>
-              <a:t>21/04/2021</a:t>
+              <a:t>22/04/2021</a:t>
             </a:fld>
             <a:endParaRPr lang="en-GB"/>
           </a:p>
@@ -766,7 +766,7 @@
           <a:p>
             <a:fld id="{9366FF3E-5370-4FD1-BC0B-AFD5BB1DA4AA}" type="datetimeFigureOut">
               <a:rPr lang="en-GB" smtClean="0"/>
-              <a:t>21/04/2021</a:t>
+              <a:t>22/04/2021</a:t>
             </a:fld>
             <a:endParaRPr lang="en-GB"/>
           </a:p>
@@ -1012,7 +1012,7 @@
           <a:p>
             <a:fld id="{9366FF3E-5370-4FD1-BC0B-AFD5BB1DA4AA}" type="datetimeFigureOut">
               <a:rPr lang="en-GB" smtClean="0"/>
-              <a:t>21/04/2021</a:t>
+              <a:t>22/04/2021</a:t>
             </a:fld>
             <a:endParaRPr lang="en-GB"/>
           </a:p>
@@ -1244,7 +1244,7 @@
           <a:p>
             <a:fld id="{9366FF3E-5370-4FD1-BC0B-AFD5BB1DA4AA}" type="datetimeFigureOut">
               <a:rPr lang="en-GB" smtClean="0"/>
-              <a:t>21/04/2021</a:t>
+              <a:t>22/04/2021</a:t>
             </a:fld>
             <a:endParaRPr lang="en-GB"/>
           </a:p>
@@ -1611,7 +1611,7 @@
           <a:p>
             <a:fld id="{9366FF3E-5370-4FD1-BC0B-AFD5BB1DA4AA}" type="datetimeFigureOut">
               <a:rPr lang="en-GB" smtClean="0"/>
-              <a:t>21/04/2021</a:t>
+              <a:t>22/04/2021</a:t>
             </a:fld>
             <a:endParaRPr lang="en-GB"/>
           </a:p>
@@ -1729,7 +1729,7 @@
           <a:p>
             <a:fld id="{9366FF3E-5370-4FD1-BC0B-AFD5BB1DA4AA}" type="datetimeFigureOut">
               <a:rPr lang="en-GB" smtClean="0"/>
-              <a:t>21/04/2021</a:t>
+              <a:t>22/04/2021</a:t>
             </a:fld>
             <a:endParaRPr lang="en-GB"/>
           </a:p>
@@ -1824,7 +1824,7 @@
           <a:p>
             <a:fld id="{9366FF3E-5370-4FD1-BC0B-AFD5BB1DA4AA}" type="datetimeFigureOut">
               <a:rPr lang="en-GB" smtClean="0"/>
-              <a:t>21/04/2021</a:t>
+              <a:t>22/04/2021</a:t>
             </a:fld>
             <a:endParaRPr lang="en-GB"/>
           </a:p>
@@ -2101,7 +2101,7 @@
           <a:p>
             <a:fld id="{9366FF3E-5370-4FD1-BC0B-AFD5BB1DA4AA}" type="datetimeFigureOut">
               <a:rPr lang="en-GB" smtClean="0"/>
-              <a:t>21/04/2021</a:t>
+              <a:t>22/04/2021</a:t>
             </a:fld>
             <a:endParaRPr lang="en-GB"/>
           </a:p>
@@ -2358,7 +2358,7 @@
           <a:p>
             <a:fld id="{9366FF3E-5370-4FD1-BC0B-AFD5BB1DA4AA}" type="datetimeFigureOut">
               <a:rPr lang="en-GB" smtClean="0"/>
-              <a:t>21/04/2021</a:t>
+              <a:t>22/04/2021</a:t>
             </a:fld>
             <a:endParaRPr lang="en-GB"/>
           </a:p>
@@ -2571,7 +2571,7 @@
           <a:p>
             <a:fld id="{9366FF3E-5370-4FD1-BC0B-AFD5BB1DA4AA}" type="datetimeFigureOut">
               <a:rPr lang="en-GB" smtClean="0"/>
-              <a:t>21/04/2021</a:t>
+              <a:t>22/04/2021</a:t>
             </a:fld>
             <a:endParaRPr lang="en-GB"/>
           </a:p>

--- a/MicroSat/Configuraciones_Bandeja_Inferior.pptx
+++ b/MicroSat/Configuraciones_Bandeja_Inferior.pptx
@@ -6,9 +6,10 @@
   </p:sldMasterIdLst>
   <p:sldIdLst>
     <p:sldId id="256" r:id="rId2"/>
-    <p:sldId id="260" r:id="rId3"/>
-    <p:sldId id="258" r:id="rId4"/>
-    <p:sldId id="259" r:id="rId5"/>
+    <p:sldId id="261" r:id="rId3"/>
+    <p:sldId id="260" r:id="rId4"/>
+    <p:sldId id="258" r:id="rId5"/>
+    <p:sldId id="259" r:id="rId6"/>
   </p:sldIdLst>
   <p:sldSz cx="12192000" cy="7559675"/>
   <p:notesSz cx="6858000" cy="9144000"/>
@@ -246,7 +247,7 @@
           <a:p>
             <a:fld id="{9366FF3E-5370-4FD1-BC0B-AFD5BB1DA4AA}" type="datetimeFigureOut">
               <a:rPr lang="en-GB" smtClean="0"/>
-              <a:t>22/04/2021</a:t>
+              <a:t>23/04/2021</a:t>
             </a:fld>
             <a:endParaRPr lang="en-GB"/>
           </a:p>
@@ -416,7 +417,7 @@
           <a:p>
             <a:fld id="{9366FF3E-5370-4FD1-BC0B-AFD5BB1DA4AA}" type="datetimeFigureOut">
               <a:rPr lang="en-GB" smtClean="0"/>
-              <a:t>22/04/2021</a:t>
+              <a:t>23/04/2021</a:t>
             </a:fld>
             <a:endParaRPr lang="en-GB"/>
           </a:p>
@@ -596,7 +597,7 @@
           <a:p>
             <a:fld id="{9366FF3E-5370-4FD1-BC0B-AFD5BB1DA4AA}" type="datetimeFigureOut">
               <a:rPr lang="en-GB" smtClean="0"/>
-              <a:t>22/04/2021</a:t>
+              <a:t>23/04/2021</a:t>
             </a:fld>
             <a:endParaRPr lang="en-GB"/>
           </a:p>
@@ -766,7 +767,7 @@
           <a:p>
             <a:fld id="{9366FF3E-5370-4FD1-BC0B-AFD5BB1DA4AA}" type="datetimeFigureOut">
               <a:rPr lang="en-GB" smtClean="0"/>
-              <a:t>22/04/2021</a:t>
+              <a:t>23/04/2021</a:t>
             </a:fld>
             <a:endParaRPr lang="en-GB"/>
           </a:p>
@@ -1012,7 +1013,7 @@
           <a:p>
             <a:fld id="{9366FF3E-5370-4FD1-BC0B-AFD5BB1DA4AA}" type="datetimeFigureOut">
               <a:rPr lang="en-GB" smtClean="0"/>
-              <a:t>22/04/2021</a:t>
+              <a:t>23/04/2021</a:t>
             </a:fld>
             <a:endParaRPr lang="en-GB"/>
           </a:p>
@@ -1244,7 +1245,7 @@
           <a:p>
             <a:fld id="{9366FF3E-5370-4FD1-BC0B-AFD5BB1DA4AA}" type="datetimeFigureOut">
               <a:rPr lang="en-GB" smtClean="0"/>
-              <a:t>22/04/2021</a:t>
+              <a:t>23/04/2021</a:t>
             </a:fld>
             <a:endParaRPr lang="en-GB"/>
           </a:p>
@@ -1611,7 +1612,7 @@
           <a:p>
             <a:fld id="{9366FF3E-5370-4FD1-BC0B-AFD5BB1DA4AA}" type="datetimeFigureOut">
               <a:rPr lang="en-GB" smtClean="0"/>
-              <a:t>22/04/2021</a:t>
+              <a:t>23/04/2021</a:t>
             </a:fld>
             <a:endParaRPr lang="en-GB"/>
           </a:p>
@@ -1729,7 +1730,7 @@
           <a:p>
             <a:fld id="{9366FF3E-5370-4FD1-BC0B-AFD5BB1DA4AA}" type="datetimeFigureOut">
               <a:rPr lang="en-GB" smtClean="0"/>
-              <a:t>22/04/2021</a:t>
+              <a:t>23/04/2021</a:t>
             </a:fld>
             <a:endParaRPr lang="en-GB"/>
           </a:p>
@@ -1824,7 +1825,7 @@
           <a:p>
             <a:fld id="{9366FF3E-5370-4FD1-BC0B-AFD5BB1DA4AA}" type="datetimeFigureOut">
               <a:rPr lang="en-GB" smtClean="0"/>
-              <a:t>22/04/2021</a:t>
+              <a:t>23/04/2021</a:t>
             </a:fld>
             <a:endParaRPr lang="en-GB"/>
           </a:p>
@@ -2101,7 +2102,7 @@
           <a:p>
             <a:fld id="{9366FF3E-5370-4FD1-BC0B-AFD5BB1DA4AA}" type="datetimeFigureOut">
               <a:rPr lang="en-GB" smtClean="0"/>
-              <a:t>22/04/2021</a:t>
+              <a:t>23/04/2021</a:t>
             </a:fld>
             <a:endParaRPr lang="en-GB"/>
           </a:p>
@@ -2358,7 +2359,7 @@
           <a:p>
             <a:fld id="{9366FF3E-5370-4FD1-BC0B-AFD5BB1DA4AA}" type="datetimeFigureOut">
               <a:rPr lang="en-GB" smtClean="0"/>
-              <a:t>22/04/2021</a:t>
+              <a:t>23/04/2021</a:t>
             </a:fld>
             <a:endParaRPr lang="en-GB"/>
           </a:p>
@@ -2571,7 +2572,7 @@
           <a:p>
             <a:fld id="{9366FF3E-5370-4FD1-BC0B-AFD5BB1DA4AA}" type="datetimeFigureOut">
               <a:rPr lang="en-GB" smtClean="0"/>
-              <a:t>22/04/2021</a:t>
+              <a:t>23/04/2021</a:t>
             </a:fld>
             <a:endParaRPr lang="en-GB"/>
           </a:p>
@@ -4796,6 +4797,2020 @@
         </p:blipFill>
         <p:spPr>
           <a:xfrm>
+            <a:off x="967636" y="663331"/>
+            <a:ext cx="6111941" cy="6089635"/>
+          </a:xfrm>
+          <a:prstGeom prst="rect">
+            <a:avLst/>
+          </a:prstGeom>
+        </p:spPr>
+      </p:pic>
+      <p:cxnSp>
+        <p:nvCxnSpPr>
+          <p:cNvPr id="7" name="Straight Connector 6">
+            <a:extLst>
+              <a:ext uri="{FF2B5EF4-FFF2-40B4-BE49-F238E27FC236}">
+                <a16:creationId xmlns:a16="http://schemas.microsoft.com/office/drawing/2014/main" id="{A6649049-CD0A-4F62-8FB8-4DA2664982BD}"/>
+              </a:ext>
+            </a:extLst>
+          </p:cNvPr>
+          <p:cNvCxnSpPr/>
+          <p:nvPr/>
+        </p:nvCxnSpPr>
+        <p:spPr>
+          <a:xfrm>
+            <a:off x="-144261" y="3693883"/>
+            <a:ext cx="8985379" cy="0"/>
+          </a:xfrm>
+          <a:prstGeom prst="line">
+            <a:avLst/>
+          </a:prstGeom>
+          <a:ln w="38100">
+            <a:solidFill>
+              <a:schemeClr val="accent3">
+                <a:lumMod val="60000"/>
+                <a:lumOff val="40000"/>
+              </a:schemeClr>
+            </a:solidFill>
+            <a:prstDash val="dash"/>
+          </a:ln>
+        </p:spPr>
+        <p:style>
+          <a:lnRef idx="1">
+            <a:schemeClr val="accent1"/>
+          </a:lnRef>
+          <a:fillRef idx="0">
+            <a:schemeClr val="accent1"/>
+          </a:fillRef>
+          <a:effectRef idx="0">
+            <a:schemeClr val="accent1"/>
+          </a:effectRef>
+          <a:fontRef idx="minor">
+            <a:schemeClr val="tx1"/>
+          </a:fontRef>
+        </p:style>
+      </p:cxnSp>
+      <p:cxnSp>
+        <p:nvCxnSpPr>
+          <p:cNvPr id="8" name="Straight Connector 7">
+            <a:extLst>
+              <a:ext uri="{FF2B5EF4-FFF2-40B4-BE49-F238E27FC236}">
+                <a16:creationId xmlns:a16="http://schemas.microsoft.com/office/drawing/2014/main" id="{A7056B64-3D22-484D-A6DC-5C75C6F9101F}"/>
+              </a:ext>
+            </a:extLst>
+          </p:cNvPr>
+          <p:cNvCxnSpPr>
+            <a:cxnSpLocks/>
+          </p:cNvCxnSpPr>
+          <p:nvPr/>
+        </p:nvCxnSpPr>
+        <p:spPr>
+          <a:xfrm>
+            <a:off x="4023605" y="199413"/>
+            <a:ext cx="0" cy="8985600"/>
+          </a:xfrm>
+          <a:prstGeom prst="line">
+            <a:avLst/>
+          </a:prstGeom>
+          <a:ln w="38100">
+            <a:solidFill>
+              <a:schemeClr val="accent3">
+                <a:lumMod val="60000"/>
+                <a:lumOff val="40000"/>
+              </a:schemeClr>
+            </a:solidFill>
+            <a:prstDash val="dash"/>
+          </a:ln>
+        </p:spPr>
+        <p:style>
+          <a:lnRef idx="1">
+            <a:schemeClr val="accent1"/>
+          </a:lnRef>
+          <a:fillRef idx="0">
+            <a:schemeClr val="accent1"/>
+          </a:fillRef>
+          <a:effectRef idx="0">
+            <a:schemeClr val="accent1"/>
+          </a:effectRef>
+          <a:fontRef idx="minor">
+            <a:schemeClr val="tx1"/>
+          </a:fontRef>
+        </p:style>
+      </p:cxnSp>
+      <p:cxnSp>
+        <p:nvCxnSpPr>
+          <p:cNvPr id="11" name="Straight Connector 10">
+            <a:extLst>
+              <a:ext uri="{FF2B5EF4-FFF2-40B4-BE49-F238E27FC236}">
+                <a16:creationId xmlns:a16="http://schemas.microsoft.com/office/drawing/2014/main" id="{33DAB511-69CD-4848-94C5-E0DA57A9C395}"/>
+              </a:ext>
+            </a:extLst>
+          </p:cNvPr>
+          <p:cNvCxnSpPr>
+            <a:cxnSpLocks/>
+          </p:cNvCxnSpPr>
+          <p:nvPr/>
+        </p:nvCxnSpPr>
+        <p:spPr>
+          <a:xfrm flipV="1">
+            <a:off x="1175953" y="795630"/>
+            <a:ext cx="1160411" cy="1149212"/>
+          </a:xfrm>
+          <a:prstGeom prst="line">
+            <a:avLst/>
+          </a:prstGeom>
+          <a:ln w="57150">
+            <a:solidFill>
+              <a:srgbClr val="FF0000"/>
+            </a:solidFill>
+          </a:ln>
+        </p:spPr>
+        <p:style>
+          <a:lnRef idx="1">
+            <a:schemeClr val="accent1"/>
+          </a:lnRef>
+          <a:fillRef idx="0">
+            <a:schemeClr val="accent1"/>
+          </a:fillRef>
+          <a:effectRef idx="0">
+            <a:schemeClr val="accent1"/>
+          </a:effectRef>
+          <a:fontRef idx="minor">
+            <a:schemeClr val="tx1"/>
+          </a:fontRef>
+        </p:style>
+      </p:cxnSp>
+      <p:cxnSp>
+        <p:nvCxnSpPr>
+          <p:cNvPr id="16" name="Straight Connector 15">
+            <a:extLst>
+              <a:ext uri="{FF2B5EF4-FFF2-40B4-BE49-F238E27FC236}">
+                <a16:creationId xmlns:a16="http://schemas.microsoft.com/office/drawing/2014/main" id="{67733E0A-50EE-43E6-82FA-A8BA354A352C}"/>
+              </a:ext>
+            </a:extLst>
+          </p:cNvPr>
+          <p:cNvCxnSpPr>
+            <a:cxnSpLocks/>
+          </p:cNvCxnSpPr>
+          <p:nvPr/>
+        </p:nvCxnSpPr>
+        <p:spPr>
+          <a:xfrm flipV="1">
+            <a:off x="1175953" y="769063"/>
+            <a:ext cx="2309458" cy="2320521"/>
+          </a:xfrm>
+          <a:prstGeom prst="line">
+            <a:avLst/>
+          </a:prstGeom>
+          <a:ln w="57150">
+            <a:solidFill>
+              <a:srgbClr val="FF0000"/>
+            </a:solidFill>
+          </a:ln>
+        </p:spPr>
+        <p:style>
+          <a:lnRef idx="1">
+            <a:schemeClr val="accent1"/>
+          </a:lnRef>
+          <a:fillRef idx="0">
+            <a:schemeClr val="accent1"/>
+          </a:fillRef>
+          <a:effectRef idx="0">
+            <a:schemeClr val="accent1"/>
+          </a:effectRef>
+          <a:fontRef idx="minor">
+            <a:schemeClr val="tx1"/>
+          </a:fontRef>
+        </p:style>
+      </p:cxnSp>
+      <p:cxnSp>
+        <p:nvCxnSpPr>
+          <p:cNvPr id="18" name="Straight Connector 17">
+            <a:extLst>
+              <a:ext uri="{FF2B5EF4-FFF2-40B4-BE49-F238E27FC236}">
+                <a16:creationId xmlns:a16="http://schemas.microsoft.com/office/drawing/2014/main" id="{7816D579-3B96-4C0D-8362-F0AE37831E54}"/>
+              </a:ext>
+            </a:extLst>
+          </p:cNvPr>
+          <p:cNvCxnSpPr>
+            <a:cxnSpLocks/>
+          </p:cNvCxnSpPr>
+          <p:nvPr/>
+        </p:nvCxnSpPr>
+        <p:spPr>
+          <a:xfrm flipV="1">
+            <a:off x="1142623" y="783195"/>
+            <a:ext cx="3480718" cy="3493078"/>
+          </a:xfrm>
+          <a:prstGeom prst="line">
+            <a:avLst/>
+          </a:prstGeom>
+          <a:ln w="57150">
+            <a:solidFill>
+              <a:srgbClr val="FF0000"/>
+            </a:solidFill>
+          </a:ln>
+        </p:spPr>
+        <p:style>
+          <a:lnRef idx="1">
+            <a:schemeClr val="accent1"/>
+          </a:lnRef>
+          <a:fillRef idx="0">
+            <a:schemeClr val="accent1"/>
+          </a:fillRef>
+          <a:effectRef idx="0">
+            <a:schemeClr val="accent1"/>
+          </a:effectRef>
+          <a:fontRef idx="minor">
+            <a:schemeClr val="tx1"/>
+          </a:fontRef>
+        </p:style>
+      </p:cxnSp>
+      <p:cxnSp>
+        <p:nvCxnSpPr>
+          <p:cNvPr id="21" name="Straight Connector 20">
+            <a:extLst>
+              <a:ext uri="{FF2B5EF4-FFF2-40B4-BE49-F238E27FC236}">
+                <a16:creationId xmlns:a16="http://schemas.microsoft.com/office/drawing/2014/main" id="{1CAA8143-5FF2-4B81-A235-D36BC84D2FF7}"/>
+              </a:ext>
+            </a:extLst>
+          </p:cNvPr>
+          <p:cNvCxnSpPr>
+            <a:cxnSpLocks/>
+          </p:cNvCxnSpPr>
+          <p:nvPr/>
+        </p:nvCxnSpPr>
+        <p:spPr>
+          <a:xfrm flipV="1">
+            <a:off x="1142623" y="788592"/>
+            <a:ext cx="4622973" cy="4578440"/>
+          </a:xfrm>
+          <a:prstGeom prst="line">
+            <a:avLst/>
+          </a:prstGeom>
+          <a:ln w="57150">
+            <a:solidFill>
+              <a:srgbClr val="FF0000"/>
+            </a:solidFill>
+          </a:ln>
+        </p:spPr>
+        <p:style>
+          <a:lnRef idx="1">
+            <a:schemeClr val="accent1"/>
+          </a:lnRef>
+          <a:fillRef idx="0">
+            <a:schemeClr val="accent1"/>
+          </a:fillRef>
+          <a:effectRef idx="0">
+            <a:schemeClr val="accent1"/>
+          </a:effectRef>
+          <a:fontRef idx="minor">
+            <a:schemeClr val="tx1"/>
+          </a:fontRef>
+        </p:style>
+      </p:cxnSp>
+      <p:cxnSp>
+        <p:nvCxnSpPr>
+          <p:cNvPr id="23" name="Straight Connector 22">
+            <a:extLst>
+              <a:ext uri="{FF2B5EF4-FFF2-40B4-BE49-F238E27FC236}">
+                <a16:creationId xmlns:a16="http://schemas.microsoft.com/office/drawing/2014/main" id="{AA877DA4-8ACE-4A4E-BA13-9CF0E4ABC4AF}"/>
+              </a:ext>
+            </a:extLst>
+          </p:cNvPr>
+          <p:cNvCxnSpPr>
+            <a:cxnSpLocks/>
+          </p:cNvCxnSpPr>
+          <p:nvPr/>
+        </p:nvCxnSpPr>
+        <p:spPr>
+          <a:xfrm flipV="1">
+            <a:off x="1142624" y="788595"/>
+            <a:ext cx="5740089" cy="5710950"/>
+          </a:xfrm>
+          <a:prstGeom prst="line">
+            <a:avLst/>
+          </a:prstGeom>
+          <a:ln w="57150">
+            <a:solidFill>
+              <a:srgbClr val="FF0000"/>
+            </a:solidFill>
+          </a:ln>
+        </p:spPr>
+        <p:style>
+          <a:lnRef idx="1">
+            <a:schemeClr val="accent1"/>
+          </a:lnRef>
+          <a:fillRef idx="0">
+            <a:schemeClr val="accent1"/>
+          </a:fillRef>
+          <a:effectRef idx="0">
+            <a:schemeClr val="accent1"/>
+          </a:effectRef>
+          <a:fontRef idx="minor">
+            <a:schemeClr val="tx1"/>
+          </a:fontRef>
+        </p:style>
+      </p:cxnSp>
+      <p:cxnSp>
+        <p:nvCxnSpPr>
+          <p:cNvPr id="25" name="Straight Connector 24">
+            <a:extLst>
+              <a:ext uri="{FF2B5EF4-FFF2-40B4-BE49-F238E27FC236}">
+                <a16:creationId xmlns:a16="http://schemas.microsoft.com/office/drawing/2014/main" id="{3C4121AE-8FB4-440D-BA75-6AABCBF9C113}"/>
+              </a:ext>
+            </a:extLst>
+          </p:cNvPr>
+          <p:cNvCxnSpPr>
+            <a:cxnSpLocks/>
+          </p:cNvCxnSpPr>
+          <p:nvPr/>
+        </p:nvCxnSpPr>
+        <p:spPr>
+          <a:xfrm flipV="1">
+            <a:off x="2290139" y="1909828"/>
+            <a:ext cx="4617871" cy="4589717"/>
+          </a:xfrm>
+          <a:prstGeom prst="line">
+            <a:avLst/>
+          </a:prstGeom>
+          <a:ln w="57150">
+            <a:solidFill>
+              <a:srgbClr val="FF0000"/>
+            </a:solidFill>
+          </a:ln>
+        </p:spPr>
+        <p:style>
+          <a:lnRef idx="1">
+            <a:schemeClr val="accent1"/>
+          </a:lnRef>
+          <a:fillRef idx="0">
+            <a:schemeClr val="accent1"/>
+          </a:fillRef>
+          <a:effectRef idx="0">
+            <a:schemeClr val="accent1"/>
+          </a:effectRef>
+          <a:fontRef idx="minor">
+            <a:schemeClr val="tx1"/>
+          </a:fontRef>
+        </p:style>
+      </p:cxnSp>
+      <p:cxnSp>
+        <p:nvCxnSpPr>
+          <p:cNvPr id="26" name="Straight Connector 25">
+            <a:extLst>
+              <a:ext uri="{FF2B5EF4-FFF2-40B4-BE49-F238E27FC236}">
+                <a16:creationId xmlns:a16="http://schemas.microsoft.com/office/drawing/2014/main" id="{E1157E9F-F7A7-4D32-82EE-B69D9F8B2678}"/>
+              </a:ext>
+            </a:extLst>
+          </p:cNvPr>
+          <p:cNvCxnSpPr>
+            <a:cxnSpLocks/>
+          </p:cNvCxnSpPr>
+          <p:nvPr/>
+        </p:nvCxnSpPr>
+        <p:spPr>
+          <a:xfrm flipV="1">
+            <a:off x="3424840" y="3072203"/>
+            <a:ext cx="3441011" cy="3436071"/>
+          </a:xfrm>
+          <a:prstGeom prst="line">
+            <a:avLst/>
+          </a:prstGeom>
+          <a:ln w="57150">
+            <a:solidFill>
+              <a:srgbClr val="FF0000"/>
+            </a:solidFill>
+          </a:ln>
+        </p:spPr>
+        <p:style>
+          <a:lnRef idx="1">
+            <a:schemeClr val="accent1"/>
+          </a:lnRef>
+          <a:fillRef idx="0">
+            <a:schemeClr val="accent1"/>
+          </a:fillRef>
+          <a:effectRef idx="0">
+            <a:schemeClr val="accent1"/>
+          </a:effectRef>
+          <a:fontRef idx="minor">
+            <a:schemeClr val="tx1"/>
+          </a:fontRef>
+        </p:style>
+      </p:cxnSp>
+      <p:cxnSp>
+        <p:nvCxnSpPr>
+          <p:cNvPr id="27" name="Straight Connector 26">
+            <a:extLst>
+              <a:ext uri="{FF2B5EF4-FFF2-40B4-BE49-F238E27FC236}">
+                <a16:creationId xmlns:a16="http://schemas.microsoft.com/office/drawing/2014/main" id="{80CCEBB0-1E6F-449D-95A3-A0FE196771C3}"/>
+              </a:ext>
+            </a:extLst>
+          </p:cNvPr>
+          <p:cNvCxnSpPr>
+            <a:cxnSpLocks/>
+          </p:cNvCxnSpPr>
+          <p:nvPr/>
+        </p:nvCxnSpPr>
+        <p:spPr>
+          <a:xfrm flipV="1">
+            <a:off x="5701942" y="5367032"/>
+            <a:ext cx="1133596" cy="1141242"/>
+          </a:xfrm>
+          <a:prstGeom prst="line">
+            <a:avLst/>
+          </a:prstGeom>
+          <a:ln w="57150">
+            <a:solidFill>
+              <a:srgbClr val="FF0000"/>
+            </a:solidFill>
+          </a:ln>
+        </p:spPr>
+        <p:style>
+          <a:lnRef idx="1">
+            <a:schemeClr val="accent1"/>
+          </a:lnRef>
+          <a:fillRef idx="0">
+            <a:schemeClr val="accent1"/>
+          </a:fillRef>
+          <a:effectRef idx="0">
+            <a:schemeClr val="accent1"/>
+          </a:effectRef>
+          <a:fontRef idx="minor">
+            <a:schemeClr val="tx1"/>
+          </a:fontRef>
+        </p:style>
+      </p:cxnSp>
+      <p:cxnSp>
+        <p:nvCxnSpPr>
+          <p:cNvPr id="28" name="Straight Connector 27">
+            <a:extLst>
+              <a:ext uri="{FF2B5EF4-FFF2-40B4-BE49-F238E27FC236}">
+                <a16:creationId xmlns:a16="http://schemas.microsoft.com/office/drawing/2014/main" id="{B1A5C0C5-383B-44C2-AA4D-2AA1FDFE43F6}"/>
+              </a:ext>
+            </a:extLst>
+          </p:cNvPr>
+          <p:cNvCxnSpPr>
+            <a:cxnSpLocks/>
+          </p:cNvCxnSpPr>
+          <p:nvPr/>
+        </p:nvCxnSpPr>
+        <p:spPr>
+          <a:xfrm flipV="1">
+            <a:off x="4600068" y="4231883"/>
+            <a:ext cx="2277423" cy="2245450"/>
+          </a:xfrm>
+          <a:prstGeom prst="line">
+            <a:avLst/>
+          </a:prstGeom>
+          <a:ln w="57150">
+            <a:solidFill>
+              <a:srgbClr val="FF0000"/>
+            </a:solidFill>
+          </a:ln>
+        </p:spPr>
+        <p:style>
+          <a:lnRef idx="1">
+            <a:schemeClr val="accent1"/>
+          </a:lnRef>
+          <a:fillRef idx="0">
+            <a:schemeClr val="accent1"/>
+          </a:fillRef>
+          <a:effectRef idx="0">
+            <a:schemeClr val="accent1"/>
+          </a:effectRef>
+          <a:fontRef idx="minor">
+            <a:schemeClr val="tx1"/>
+          </a:fontRef>
+        </p:style>
+      </p:cxnSp>
+      <p:grpSp>
+        <p:nvGrpSpPr>
+          <p:cNvPr id="38" name="Group 37">
+            <a:extLst>
+              <a:ext uri="{FF2B5EF4-FFF2-40B4-BE49-F238E27FC236}">
+                <a16:creationId xmlns:a16="http://schemas.microsoft.com/office/drawing/2014/main" id="{E255C07C-5229-4674-9939-D6B425537B8C}"/>
+              </a:ext>
+            </a:extLst>
+          </p:cNvPr>
+          <p:cNvGrpSpPr/>
+          <p:nvPr/>
+        </p:nvGrpSpPr>
+        <p:grpSpPr>
+          <a:xfrm rot="16200000">
+            <a:off x="1191472" y="755790"/>
+            <a:ext cx="5711674" cy="5793302"/>
+            <a:chOff x="3195140" y="404070"/>
+            <a:chExt cx="5711674" cy="5793302"/>
+          </a:xfrm>
+        </p:grpSpPr>
+        <p:cxnSp>
+          <p:nvCxnSpPr>
+            <p:cNvPr id="29" name="Straight Connector 28">
+              <a:extLst>
+                <a:ext uri="{FF2B5EF4-FFF2-40B4-BE49-F238E27FC236}">
+                  <a16:creationId xmlns:a16="http://schemas.microsoft.com/office/drawing/2014/main" id="{32E0868D-03BF-4481-B173-6C524D868E8E}"/>
+                </a:ext>
+              </a:extLst>
+            </p:cNvPr>
+            <p:cNvCxnSpPr>
+              <a:cxnSpLocks/>
+            </p:cNvCxnSpPr>
+            <p:nvPr/>
+          </p:nvCxnSpPr>
+          <p:spPr>
+            <a:xfrm rot="5400000" flipH="1" flipV="1">
+              <a:off x="3205101" y="443170"/>
+              <a:ext cx="1163909" cy="1166371"/>
+            </a:xfrm>
+            <a:prstGeom prst="line">
+              <a:avLst/>
+            </a:prstGeom>
+            <a:ln w="57150">
+              <a:solidFill>
+                <a:srgbClr val="FF0000"/>
+              </a:solidFill>
+            </a:ln>
+          </p:spPr>
+          <p:style>
+            <a:lnRef idx="1">
+              <a:schemeClr val="accent1"/>
+            </a:lnRef>
+            <a:fillRef idx="0">
+              <a:schemeClr val="accent1"/>
+            </a:fillRef>
+            <a:effectRef idx="0">
+              <a:schemeClr val="accent1"/>
+            </a:effectRef>
+            <a:fontRef idx="minor">
+              <a:schemeClr val="tx1"/>
+            </a:fontRef>
+          </p:style>
+        </p:cxnSp>
+        <p:cxnSp>
+          <p:nvCxnSpPr>
+            <p:cNvPr id="30" name="Straight Connector 29">
+              <a:extLst>
+                <a:ext uri="{FF2B5EF4-FFF2-40B4-BE49-F238E27FC236}">
+                  <a16:creationId xmlns:a16="http://schemas.microsoft.com/office/drawing/2014/main" id="{5876B4D9-5BBC-4823-A5E3-A63FFC6DDE9C}"/>
+                </a:ext>
+              </a:extLst>
+            </p:cNvPr>
+            <p:cNvCxnSpPr>
+              <a:cxnSpLocks/>
+            </p:cNvCxnSpPr>
+            <p:nvPr/>
+          </p:nvCxnSpPr>
+          <p:spPr>
+            <a:xfrm rot="5400000" flipH="1" flipV="1">
+              <a:off x="3237314" y="468757"/>
+              <a:ext cx="2245537" cy="2238653"/>
+            </a:xfrm>
+            <a:prstGeom prst="line">
+              <a:avLst/>
+            </a:prstGeom>
+            <a:ln w="57150">
+              <a:solidFill>
+                <a:srgbClr val="FF0000"/>
+              </a:solidFill>
+            </a:ln>
+          </p:spPr>
+          <p:style>
+            <a:lnRef idx="1">
+              <a:schemeClr val="accent1"/>
+            </a:lnRef>
+            <a:fillRef idx="0">
+              <a:schemeClr val="accent1"/>
+            </a:fillRef>
+            <a:effectRef idx="0">
+              <a:schemeClr val="accent1"/>
+            </a:effectRef>
+            <a:fontRef idx="minor">
+              <a:schemeClr val="tx1"/>
+            </a:fontRef>
+          </p:style>
+        </p:cxnSp>
+        <p:cxnSp>
+          <p:nvCxnSpPr>
+            <p:cNvPr id="31" name="Straight Connector 30">
+              <a:extLst>
+                <a:ext uri="{FF2B5EF4-FFF2-40B4-BE49-F238E27FC236}">
+                  <a16:creationId xmlns:a16="http://schemas.microsoft.com/office/drawing/2014/main" id="{DD8D3090-F5E2-4599-9A6C-FA879E57DB92}"/>
+                </a:ext>
+              </a:extLst>
+            </p:cNvPr>
+            <p:cNvCxnSpPr>
+              <a:cxnSpLocks/>
+            </p:cNvCxnSpPr>
+            <p:nvPr/>
+          </p:nvCxnSpPr>
+          <p:spPr>
+            <a:xfrm rot="5400000" flipH="1" flipV="1">
+              <a:off x="3213195" y="386016"/>
+              <a:ext cx="3481341" cy="3517450"/>
+            </a:xfrm>
+            <a:prstGeom prst="line">
+              <a:avLst/>
+            </a:prstGeom>
+            <a:ln w="57150">
+              <a:solidFill>
+                <a:srgbClr val="FF0000"/>
+              </a:solidFill>
+            </a:ln>
+          </p:spPr>
+          <p:style>
+            <a:lnRef idx="1">
+              <a:schemeClr val="accent1"/>
+            </a:lnRef>
+            <a:fillRef idx="0">
+              <a:schemeClr val="accent1"/>
+            </a:fillRef>
+            <a:effectRef idx="0">
+              <a:schemeClr val="accent1"/>
+            </a:effectRef>
+            <a:fontRef idx="minor">
+              <a:schemeClr val="tx1"/>
+            </a:fontRef>
+          </p:style>
+        </p:cxnSp>
+        <p:cxnSp>
+          <p:nvCxnSpPr>
+            <p:cNvPr id="32" name="Straight Connector 31">
+              <a:extLst>
+                <a:ext uri="{FF2B5EF4-FFF2-40B4-BE49-F238E27FC236}">
+                  <a16:creationId xmlns:a16="http://schemas.microsoft.com/office/drawing/2014/main" id="{36DBA2F0-DD2A-4781-839B-7652628B054A}"/>
+                </a:ext>
+              </a:extLst>
+            </p:cNvPr>
+            <p:cNvCxnSpPr>
+              <a:cxnSpLocks/>
+            </p:cNvCxnSpPr>
+            <p:nvPr/>
+          </p:nvCxnSpPr>
+          <p:spPr>
+            <a:xfrm rot="5400000" flipH="1" flipV="1">
+              <a:off x="3204376" y="464809"/>
+              <a:ext cx="4553693" cy="4554705"/>
+            </a:xfrm>
+            <a:prstGeom prst="line">
+              <a:avLst/>
+            </a:prstGeom>
+            <a:ln w="57150">
+              <a:solidFill>
+                <a:srgbClr val="FF0000"/>
+              </a:solidFill>
+            </a:ln>
+          </p:spPr>
+          <p:style>
+            <a:lnRef idx="1">
+              <a:schemeClr val="accent1"/>
+            </a:lnRef>
+            <a:fillRef idx="0">
+              <a:schemeClr val="accent1"/>
+            </a:fillRef>
+            <a:effectRef idx="0">
+              <a:schemeClr val="accent1"/>
+            </a:effectRef>
+            <a:fontRef idx="minor">
+              <a:schemeClr val="tx1"/>
+            </a:fontRef>
+          </p:style>
+        </p:cxnSp>
+        <p:cxnSp>
+          <p:nvCxnSpPr>
+            <p:cNvPr id="33" name="Straight Connector 32">
+              <a:extLst>
+                <a:ext uri="{FF2B5EF4-FFF2-40B4-BE49-F238E27FC236}">
+                  <a16:creationId xmlns:a16="http://schemas.microsoft.com/office/drawing/2014/main" id="{B2FBAB20-05F2-4C0B-91B0-95A5D6263952}"/>
+                </a:ext>
+              </a:extLst>
+            </p:cNvPr>
+            <p:cNvCxnSpPr>
+              <a:cxnSpLocks/>
+            </p:cNvCxnSpPr>
+            <p:nvPr/>
+          </p:nvCxnSpPr>
+          <p:spPr>
+            <a:xfrm rot="5400000" flipH="1" flipV="1">
+              <a:off x="3218750" y="566972"/>
+              <a:ext cx="5540324" cy="5587543"/>
+            </a:xfrm>
+            <a:prstGeom prst="line">
+              <a:avLst/>
+            </a:prstGeom>
+            <a:ln w="57150">
+              <a:solidFill>
+                <a:srgbClr val="FF0000"/>
+              </a:solidFill>
+            </a:ln>
+          </p:spPr>
+          <p:style>
+            <a:lnRef idx="1">
+              <a:schemeClr val="accent1"/>
+            </a:lnRef>
+            <a:fillRef idx="0">
+              <a:schemeClr val="accent1"/>
+            </a:fillRef>
+            <a:effectRef idx="0">
+              <a:schemeClr val="accent1"/>
+            </a:effectRef>
+            <a:fontRef idx="minor">
+              <a:schemeClr val="tx1"/>
+            </a:fontRef>
+          </p:style>
+        </p:cxnSp>
+        <p:cxnSp>
+          <p:nvCxnSpPr>
+            <p:cNvPr id="34" name="Straight Connector 33">
+              <a:extLst>
+                <a:ext uri="{FF2B5EF4-FFF2-40B4-BE49-F238E27FC236}">
+                  <a16:creationId xmlns:a16="http://schemas.microsoft.com/office/drawing/2014/main" id="{B0C20E65-6E4D-4E4F-8BCF-80DE6A433CE2}"/>
+                </a:ext>
+              </a:extLst>
+            </p:cNvPr>
+            <p:cNvCxnSpPr>
+              <a:cxnSpLocks/>
+            </p:cNvCxnSpPr>
+            <p:nvPr/>
+          </p:nvCxnSpPr>
+          <p:spPr>
+            <a:xfrm rot="5400000" flipH="1" flipV="1">
+              <a:off x="4355061" y="1579876"/>
+              <a:ext cx="4533077" cy="4568983"/>
+            </a:xfrm>
+            <a:prstGeom prst="line">
+              <a:avLst/>
+            </a:prstGeom>
+            <a:ln w="57150">
+              <a:solidFill>
+                <a:srgbClr val="FF0000"/>
+              </a:solidFill>
+            </a:ln>
+          </p:spPr>
+          <p:style>
+            <a:lnRef idx="1">
+              <a:schemeClr val="accent1"/>
+            </a:lnRef>
+            <a:fillRef idx="0">
+              <a:schemeClr val="accent1"/>
+            </a:fillRef>
+            <a:effectRef idx="0">
+              <a:schemeClr val="accent1"/>
+            </a:effectRef>
+            <a:fontRef idx="minor">
+              <a:schemeClr val="tx1"/>
+            </a:fontRef>
+          </p:style>
+        </p:cxnSp>
+        <p:cxnSp>
+          <p:nvCxnSpPr>
+            <p:cNvPr id="35" name="Straight Connector 34">
+              <a:extLst>
+                <a:ext uri="{FF2B5EF4-FFF2-40B4-BE49-F238E27FC236}">
+                  <a16:creationId xmlns:a16="http://schemas.microsoft.com/office/drawing/2014/main" id="{5CB72D3A-815D-422A-BBA4-4418894F983B}"/>
+                </a:ext>
+              </a:extLst>
+            </p:cNvPr>
+            <p:cNvCxnSpPr>
+              <a:cxnSpLocks/>
+            </p:cNvCxnSpPr>
+            <p:nvPr/>
+          </p:nvCxnSpPr>
+          <p:spPr>
+            <a:xfrm rot="5400000" flipH="1" flipV="1">
+              <a:off x="5467385" y="2715001"/>
+              <a:ext cx="3442853" cy="3434558"/>
+            </a:xfrm>
+            <a:prstGeom prst="line">
+              <a:avLst/>
+            </a:prstGeom>
+            <a:ln w="57150">
+              <a:solidFill>
+                <a:srgbClr val="FF0000"/>
+              </a:solidFill>
+            </a:ln>
+          </p:spPr>
+          <p:style>
+            <a:lnRef idx="1">
+              <a:schemeClr val="accent1"/>
+            </a:lnRef>
+            <a:fillRef idx="0">
+              <a:schemeClr val="accent1"/>
+            </a:fillRef>
+            <a:effectRef idx="0">
+              <a:schemeClr val="accent1"/>
+            </a:effectRef>
+            <a:fontRef idx="minor">
+              <a:schemeClr val="tx1"/>
+            </a:fontRef>
+          </p:style>
+        </p:cxnSp>
+        <p:cxnSp>
+          <p:nvCxnSpPr>
+            <p:cNvPr id="36" name="Straight Connector 35">
+              <a:extLst>
+                <a:ext uri="{FF2B5EF4-FFF2-40B4-BE49-F238E27FC236}">
+                  <a16:creationId xmlns:a16="http://schemas.microsoft.com/office/drawing/2014/main" id="{BC52501F-62FF-428A-BA83-D782AE8F88B0}"/>
+                </a:ext>
+              </a:extLst>
+            </p:cNvPr>
+            <p:cNvCxnSpPr>
+              <a:cxnSpLocks/>
+            </p:cNvCxnSpPr>
+            <p:nvPr/>
+          </p:nvCxnSpPr>
+          <p:spPr>
+            <a:xfrm rot="5400000" flipH="1" flipV="1">
+              <a:off x="7691010" y="4981568"/>
+              <a:ext cx="1220364" cy="1211244"/>
+            </a:xfrm>
+            <a:prstGeom prst="line">
+              <a:avLst/>
+            </a:prstGeom>
+            <a:ln w="57150">
+              <a:solidFill>
+                <a:srgbClr val="FF0000"/>
+              </a:solidFill>
+            </a:ln>
+          </p:spPr>
+          <p:style>
+            <a:lnRef idx="1">
+              <a:schemeClr val="accent1"/>
+            </a:lnRef>
+            <a:fillRef idx="0">
+              <a:schemeClr val="accent1"/>
+            </a:fillRef>
+            <a:effectRef idx="0">
+              <a:schemeClr val="accent1"/>
+            </a:effectRef>
+            <a:fontRef idx="minor">
+              <a:schemeClr val="tx1"/>
+            </a:fontRef>
+          </p:style>
+        </p:cxnSp>
+        <p:cxnSp>
+          <p:nvCxnSpPr>
+            <p:cNvPr id="37" name="Straight Connector 36">
+              <a:extLst>
+                <a:ext uri="{FF2B5EF4-FFF2-40B4-BE49-F238E27FC236}">
+                  <a16:creationId xmlns:a16="http://schemas.microsoft.com/office/drawing/2014/main" id="{789F326C-8DF8-4FB5-97BC-D1774FA38580}"/>
+                </a:ext>
+              </a:extLst>
+            </p:cNvPr>
+            <p:cNvCxnSpPr>
+              <a:cxnSpLocks/>
+            </p:cNvCxnSpPr>
+            <p:nvPr/>
+          </p:nvCxnSpPr>
+          <p:spPr>
+            <a:xfrm rot="5400000" flipH="1" flipV="1">
+              <a:off x="6613253" y="3915269"/>
+              <a:ext cx="2229988" cy="2246887"/>
+            </a:xfrm>
+            <a:prstGeom prst="line">
+              <a:avLst/>
+            </a:prstGeom>
+            <a:ln w="57150">
+              <a:solidFill>
+                <a:srgbClr val="FF0000"/>
+              </a:solidFill>
+            </a:ln>
+          </p:spPr>
+          <p:style>
+            <a:lnRef idx="1">
+              <a:schemeClr val="accent1"/>
+            </a:lnRef>
+            <a:fillRef idx="0">
+              <a:schemeClr val="accent1"/>
+            </a:fillRef>
+            <a:effectRef idx="0">
+              <a:schemeClr val="accent1"/>
+            </a:effectRef>
+            <a:fontRef idx="minor">
+              <a:schemeClr val="tx1"/>
+            </a:fontRef>
+          </p:style>
+        </p:cxnSp>
+      </p:grpSp>
+      <p:sp>
+        <p:nvSpPr>
+          <p:cNvPr id="39" name="Oval 38">
+            <a:extLst>
+              <a:ext uri="{FF2B5EF4-FFF2-40B4-BE49-F238E27FC236}">
+                <a16:creationId xmlns:a16="http://schemas.microsoft.com/office/drawing/2014/main" id="{07B915AA-EEDF-4DA2-B7E5-4E257517422F}"/>
+              </a:ext>
+            </a:extLst>
+          </p:cNvPr>
+          <p:cNvSpPr/>
+          <p:nvPr/>
+        </p:nvSpPr>
+        <p:spPr>
+          <a:xfrm>
+            <a:off x="3929105" y="1300153"/>
+            <a:ext cx="199489" cy="218469"/>
+          </a:xfrm>
+          <a:prstGeom prst="ellipse">
+            <a:avLst/>
+          </a:prstGeom>
+          <a:solidFill>
+            <a:srgbClr val="FFFF00"/>
+          </a:solidFill>
+          <a:ln>
+            <a:solidFill>
+              <a:srgbClr val="FFFF00"/>
+            </a:solidFill>
+          </a:ln>
+        </p:spPr>
+        <p:style>
+          <a:lnRef idx="2">
+            <a:schemeClr val="accent1">
+              <a:shade val="50000"/>
+            </a:schemeClr>
+          </a:lnRef>
+          <a:fillRef idx="1">
+            <a:schemeClr val="accent1"/>
+          </a:fillRef>
+          <a:effectRef idx="0">
+            <a:schemeClr val="accent1"/>
+          </a:effectRef>
+          <a:fontRef idx="minor">
+            <a:schemeClr val="lt1"/>
+          </a:fontRef>
+        </p:style>
+        <p:txBody>
+          <a:bodyPr rtlCol="0" anchor="ctr"/>
+          <a:lstStyle/>
+          <a:p>
+            <a:pPr algn="ctr"/>
+            <a:endParaRPr lang="en-GB"/>
+          </a:p>
+        </p:txBody>
+      </p:sp>
+      <p:sp>
+        <p:nvSpPr>
+          <p:cNvPr id="40" name="Oval 39">
+            <a:extLst>
+              <a:ext uri="{FF2B5EF4-FFF2-40B4-BE49-F238E27FC236}">
+                <a16:creationId xmlns:a16="http://schemas.microsoft.com/office/drawing/2014/main" id="{508DF61C-79E0-4907-89D5-C07DC18A6AF8}"/>
+              </a:ext>
+            </a:extLst>
+          </p:cNvPr>
+          <p:cNvSpPr/>
+          <p:nvPr/>
+        </p:nvSpPr>
+        <p:spPr>
+          <a:xfrm>
+            <a:off x="6191691" y="3553497"/>
+            <a:ext cx="199489" cy="218469"/>
+          </a:xfrm>
+          <a:prstGeom prst="ellipse">
+            <a:avLst/>
+          </a:prstGeom>
+          <a:solidFill>
+            <a:srgbClr val="FFFF00"/>
+          </a:solidFill>
+          <a:ln>
+            <a:solidFill>
+              <a:srgbClr val="FFFF00"/>
+            </a:solidFill>
+          </a:ln>
+        </p:spPr>
+        <p:style>
+          <a:lnRef idx="2">
+            <a:schemeClr val="accent1">
+              <a:shade val="50000"/>
+            </a:schemeClr>
+          </a:lnRef>
+          <a:fillRef idx="1">
+            <a:schemeClr val="accent1"/>
+          </a:fillRef>
+          <a:effectRef idx="0">
+            <a:schemeClr val="accent1"/>
+          </a:effectRef>
+          <a:fontRef idx="minor">
+            <a:schemeClr val="lt1"/>
+          </a:fontRef>
+        </p:style>
+        <p:txBody>
+          <a:bodyPr rtlCol="0" anchor="ctr"/>
+          <a:lstStyle/>
+          <a:p>
+            <a:pPr algn="ctr"/>
+            <a:endParaRPr lang="en-GB"/>
+          </a:p>
+        </p:txBody>
+      </p:sp>
+      <p:sp>
+        <p:nvSpPr>
+          <p:cNvPr id="41" name="Oval 40">
+            <a:extLst>
+              <a:ext uri="{FF2B5EF4-FFF2-40B4-BE49-F238E27FC236}">
+                <a16:creationId xmlns:a16="http://schemas.microsoft.com/office/drawing/2014/main" id="{75B773B1-9848-4EC6-A1B9-4CECC9B0DF7A}"/>
+              </a:ext>
+            </a:extLst>
+          </p:cNvPr>
+          <p:cNvSpPr/>
+          <p:nvPr/>
+        </p:nvSpPr>
+        <p:spPr>
+          <a:xfrm>
+            <a:off x="3929008" y="5770908"/>
+            <a:ext cx="199489" cy="218469"/>
+          </a:xfrm>
+          <a:prstGeom prst="ellipse">
+            <a:avLst/>
+          </a:prstGeom>
+          <a:solidFill>
+            <a:srgbClr val="FFFF00"/>
+          </a:solidFill>
+          <a:ln>
+            <a:solidFill>
+              <a:srgbClr val="FFFF00"/>
+            </a:solidFill>
+          </a:ln>
+        </p:spPr>
+        <p:style>
+          <a:lnRef idx="2">
+            <a:schemeClr val="accent1">
+              <a:shade val="50000"/>
+            </a:schemeClr>
+          </a:lnRef>
+          <a:fillRef idx="1">
+            <a:schemeClr val="accent1"/>
+          </a:fillRef>
+          <a:effectRef idx="0">
+            <a:schemeClr val="accent1"/>
+          </a:effectRef>
+          <a:fontRef idx="minor">
+            <a:schemeClr val="lt1"/>
+          </a:fontRef>
+        </p:style>
+        <p:txBody>
+          <a:bodyPr rtlCol="0" anchor="ctr"/>
+          <a:lstStyle/>
+          <a:p>
+            <a:pPr algn="ctr"/>
+            <a:endParaRPr lang="en-GB"/>
+          </a:p>
+        </p:txBody>
+      </p:sp>
+      <p:sp>
+        <p:nvSpPr>
+          <p:cNvPr id="42" name="Oval 41">
+            <a:extLst>
+              <a:ext uri="{FF2B5EF4-FFF2-40B4-BE49-F238E27FC236}">
+                <a16:creationId xmlns:a16="http://schemas.microsoft.com/office/drawing/2014/main" id="{0D06B149-518F-4ECC-B143-5F2312EAE5D5}"/>
+              </a:ext>
+            </a:extLst>
+          </p:cNvPr>
+          <p:cNvSpPr/>
+          <p:nvPr/>
+        </p:nvSpPr>
+        <p:spPr>
+          <a:xfrm>
+            <a:off x="1678629" y="3553498"/>
+            <a:ext cx="199489" cy="218469"/>
+          </a:xfrm>
+          <a:prstGeom prst="ellipse">
+            <a:avLst/>
+          </a:prstGeom>
+          <a:solidFill>
+            <a:srgbClr val="FFFF00"/>
+          </a:solidFill>
+          <a:ln>
+            <a:solidFill>
+              <a:srgbClr val="FFFF00"/>
+            </a:solidFill>
+          </a:ln>
+        </p:spPr>
+        <p:style>
+          <a:lnRef idx="2">
+            <a:schemeClr val="accent1">
+              <a:shade val="50000"/>
+            </a:schemeClr>
+          </a:lnRef>
+          <a:fillRef idx="1">
+            <a:schemeClr val="accent1"/>
+          </a:fillRef>
+          <a:effectRef idx="0">
+            <a:schemeClr val="accent1"/>
+          </a:effectRef>
+          <a:fontRef idx="minor">
+            <a:schemeClr val="lt1"/>
+          </a:fontRef>
+        </p:style>
+        <p:txBody>
+          <a:bodyPr rtlCol="0" anchor="ctr"/>
+          <a:lstStyle/>
+          <a:p>
+            <a:pPr algn="ctr"/>
+            <a:endParaRPr lang="en-GB"/>
+          </a:p>
+        </p:txBody>
+      </p:sp>
+      <p:sp>
+        <p:nvSpPr>
+          <p:cNvPr id="43" name="Oval 42">
+            <a:extLst>
+              <a:ext uri="{FF2B5EF4-FFF2-40B4-BE49-F238E27FC236}">
+                <a16:creationId xmlns:a16="http://schemas.microsoft.com/office/drawing/2014/main" id="{04E7AEE6-F6AA-4ABC-8A4E-48763FA244A4}"/>
+              </a:ext>
+            </a:extLst>
+          </p:cNvPr>
+          <p:cNvSpPr/>
+          <p:nvPr/>
+        </p:nvSpPr>
+        <p:spPr>
+          <a:xfrm>
+            <a:off x="2218104" y="5184899"/>
+            <a:ext cx="199489" cy="218469"/>
+          </a:xfrm>
+          <a:prstGeom prst="ellipse">
+            <a:avLst/>
+          </a:prstGeom>
+          <a:solidFill>
+            <a:srgbClr val="FFFF00"/>
+          </a:solidFill>
+          <a:ln>
+            <a:solidFill>
+              <a:srgbClr val="FFFF00"/>
+            </a:solidFill>
+          </a:ln>
+        </p:spPr>
+        <p:style>
+          <a:lnRef idx="2">
+            <a:schemeClr val="accent1">
+              <a:shade val="50000"/>
+            </a:schemeClr>
+          </a:lnRef>
+          <a:fillRef idx="1">
+            <a:schemeClr val="accent1"/>
+          </a:fillRef>
+          <a:effectRef idx="0">
+            <a:schemeClr val="accent1"/>
+          </a:effectRef>
+          <a:fontRef idx="minor">
+            <a:schemeClr val="lt1"/>
+          </a:fontRef>
+        </p:style>
+        <p:txBody>
+          <a:bodyPr rtlCol="0" anchor="ctr"/>
+          <a:lstStyle/>
+          <a:p>
+            <a:pPr algn="ctr"/>
+            <a:endParaRPr lang="en-GB"/>
+          </a:p>
+        </p:txBody>
+      </p:sp>
+      <p:sp>
+        <p:nvSpPr>
+          <p:cNvPr id="44" name="Oval 43">
+            <a:extLst>
+              <a:ext uri="{FF2B5EF4-FFF2-40B4-BE49-F238E27FC236}">
+                <a16:creationId xmlns:a16="http://schemas.microsoft.com/office/drawing/2014/main" id="{3A1D314B-53D6-4545-A63F-2BB09FAC31CD}"/>
+              </a:ext>
+            </a:extLst>
+          </p:cNvPr>
+          <p:cNvSpPr/>
+          <p:nvPr/>
+        </p:nvSpPr>
+        <p:spPr>
+          <a:xfrm>
+            <a:off x="2248145" y="1829953"/>
+            <a:ext cx="199489" cy="218469"/>
+          </a:xfrm>
+          <a:prstGeom prst="ellipse">
+            <a:avLst/>
+          </a:prstGeom>
+          <a:solidFill>
+            <a:srgbClr val="FFFF00"/>
+          </a:solidFill>
+          <a:ln>
+            <a:solidFill>
+              <a:srgbClr val="FFFF00"/>
+            </a:solidFill>
+          </a:ln>
+        </p:spPr>
+        <p:style>
+          <a:lnRef idx="2">
+            <a:schemeClr val="accent1">
+              <a:shade val="50000"/>
+            </a:schemeClr>
+          </a:lnRef>
+          <a:fillRef idx="1">
+            <a:schemeClr val="accent1"/>
+          </a:fillRef>
+          <a:effectRef idx="0">
+            <a:schemeClr val="accent1"/>
+          </a:effectRef>
+          <a:fontRef idx="minor">
+            <a:schemeClr val="lt1"/>
+          </a:fontRef>
+        </p:style>
+        <p:txBody>
+          <a:bodyPr rtlCol="0" anchor="ctr"/>
+          <a:lstStyle/>
+          <a:p>
+            <a:pPr algn="ctr"/>
+            <a:endParaRPr lang="en-GB"/>
+          </a:p>
+        </p:txBody>
+      </p:sp>
+      <p:sp>
+        <p:nvSpPr>
+          <p:cNvPr id="45" name="Oval 44">
+            <a:extLst>
+              <a:ext uri="{FF2B5EF4-FFF2-40B4-BE49-F238E27FC236}">
+                <a16:creationId xmlns:a16="http://schemas.microsoft.com/office/drawing/2014/main" id="{05B6981E-74AC-46F4-9F25-BD43AD793F8C}"/>
+              </a:ext>
+            </a:extLst>
+          </p:cNvPr>
+          <p:cNvSpPr/>
+          <p:nvPr/>
+        </p:nvSpPr>
+        <p:spPr>
+          <a:xfrm>
+            <a:off x="5632341" y="5162695"/>
+            <a:ext cx="199489" cy="218469"/>
+          </a:xfrm>
+          <a:prstGeom prst="ellipse">
+            <a:avLst/>
+          </a:prstGeom>
+          <a:solidFill>
+            <a:srgbClr val="FFFF00"/>
+          </a:solidFill>
+          <a:ln>
+            <a:solidFill>
+              <a:srgbClr val="FFFF00"/>
+            </a:solidFill>
+          </a:ln>
+        </p:spPr>
+        <p:style>
+          <a:lnRef idx="2">
+            <a:schemeClr val="accent1">
+              <a:shade val="50000"/>
+            </a:schemeClr>
+          </a:lnRef>
+          <a:fillRef idx="1">
+            <a:schemeClr val="accent1"/>
+          </a:fillRef>
+          <a:effectRef idx="0">
+            <a:schemeClr val="accent1"/>
+          </a:effectRef>
+          <a:fontRef idx="minor">
+            <a:schemeClr val="lt1"/>
+          </a:fontRef>
+        </p:style>
+        <p:txBody>
+          <a:bodyPr rtlCol="0" anchor="ctr"/>
+          <a:lstStyle/>
+          <a:p>
+            <a:pPr algn="ctr"/>
+            <a:endParaRPr lang="en-GB"/>
+          </a:p>
+        </p:txBody>
+      </p:sp>
+      <p:sp>
+        <p:nvSpPr>
+          <p:cNvPr id="46" name="Oval 45">
+            <a:extLst>
+              <a:ext uri="{FF2B5EF4-FFF2-40B4-BE49-F238E27FC236}">
+                <a16:creationId xmlns:a16="http://schemas.microsoft.com/office/drawing/2014/main" id="{51D8EA36-64F6-4207-ADF2-FFB2D759682D}"/>
+              </a:ext>
+            </a:extLst>
+          </p:cNvPr>
+          <p:cNvSpPr/>
+          <p:nvPr/>
+        </p:nvSpPr>
+        <p:spPr>
+          <a:xfrm>
+            <a:off x="5662382" y="1807749"/>
+            <a:ext cx="199489" cy="218469"/>
+          </a:xfrm>
+          <a:prstGeom prst="ellipse">
+            <a:avLst/>
+          </a:prstGeom>
+          <a:solidFill>
+            <a:srgbClr val="FFFF00"/>
+          </a:solidFill>
+          <a:ln>
+            <a:solidFill>
+              <a:srgbClr val="FFFF00"/>
+            </a:solidFill>
+          </a:ln>
+        </p:spPr>
+        <p:style>
+          <a:lnRef idx="2">
+            <a:schemeClr val="accent1">
+              <a:shade val="50000"/>
+            </a:schemeClr>
+          </a:lnRef>
+          <a:fillRef idx="1">
+            <a:schemeClr val="accent1"/>
+          </a:fillRef>
+          <a:effectRef idx="0">
+            <a:schemeClr val="accent1"/>
+          </a:effectRef>
+          <a:fontRef idx="minor">
+            <a:schemeClr val="lt1"/>
+          </a:fontRef>
+        </p:style>
+        <p:txBody>
+          <a:bodyPr rtlCol="0" anchor="ctr"/>
+          <a:lstStyle/>
+          <a:p>
+            <a:pPr algn="ctr"/>
+            <a:endParaRPr lang="en-GB"/>
+          </a:p>
+        </p:txBody>
+      </p:sp>
+      <p:sp>
+        <p:nvSpPr>
+          <p:cNvPr id="47" name="Oval 46">
+            <a:extLst>
+              <a:ext uri="{FF2B5EF4-FFF2-40B4-BE49-F238E27FC236}">
+                <a16:creationId xmlns:a16="http://schemas.microsoft.com/office/drawing/2014/main" id="{DAFEE0E5-C9FA-4B82-BE9D-16FBFE5D5B1B}"/>
+              </a:ext>
+            </a:extLst>
+          </p:cNvPr>
+          <p:cNvSpPr/>
+          <p:nvPr/>
+        </p:nvSpPr>
+        <p:spPr>
+          <a:xfrm>
+            <a:off x="2820719" y="2381151"/>
+            <a:ext cx="199489" cy="218469"/>
+          </a:xfrm>
+          <a:prstGeom prst="ellipse">
+            <a:avLst/>
+          </a:prstGeom>
+          <a:solidFill>
+            <a:srgbClr val="FF00FF"/>
+          </a:solidFill>
+          <a:ln>
+            <a:noFill/>
+          </a:ln>
+        </p:spPr>
+        <p:style>
+          <a:lnRef idx="2">
+            <a:schemeClr val="accent1">
+              <a:shade val="50000"/>
+            </a:schemeClr>
+          </a:lnRef>
+          <a:fillRef idx="1">
+            <a:schemeClr val="accent1"/>
+          </a:fillRef>
+          <a:effectRef idx="0">
+            <a:schemeClr val="accent1"/>
+          </a:effectRef>
+          <a:fontRef idx="minor">
+            <a:schemeClr val="lt1"/>
+          </a:fontRef>
+        </p:style>
+        <p:txBody>
+          <a:bodyPr rtlCol="0" anchor="ctr"/>
+          <a:lstStyle/>
+          <a:p>
+            <a:pPr algn="ctr"/>
+            <a:endParaRPr lang="en-GB"/>
+          </a:p>
+        </p:txBody>
+      </p:sp>
+      <p:sp>
+        <p:nvSpPr>
+          <p:cNvPr id="48" name="Oval 47">
+            <a:extLst>
+              <a:ext uri="{FF2B5EF4-FFF2-40B4-BE49-F238E27FC236}">
+                <a16:creationId xmlns:a16="http://schemas.microsoft.com/office/drawing/2014/main" id="{9297ED62-F9D5-46B2-9322-32864358E40A}"/>
+              </a:ext>
+            </a:extLst>
+          </p:cNvPr>
+          <p:cNvSpPr/>
+          <p:nvPr/>
+        </p:nvSpPr>
+        <p:spPr>
+          <a:xfrm>
+            <a:off x="2817704" y="4615090"/>
+            <a:ext cx="199489" cy="218469"/>
+          </a:xfrm>
+          <a:prstGeom prst="ellipse">
+            <a:avLst/>
+          </a:prstGeom>
+          <a:solidFill>
+            <a:srgbClr val="FF00FF"/>
+          </a:solidFill>
+          <a:ln>
+            <a:noFill/>
+          </a:ln>
+        </p:spPr>
+        <p:style>
+          <a:lnRef idx="2">
+            <a:schemeClr val="accent1">
+              <a:shade val="50000"/>
+            </a:schemeClr>
+          </a:lnRef>
+          <a:fillRef idx="1">
+            <a:schemeClr val="accent1"/>
+          </a:fillRef>
+          <a:effectRef idx="0">
+            <a:schemeClr val="accent1"/>
+          </a:effectRef>
+          <a:fontRef idx="minor">
+            <a:schemeClr val="lt1"/>
+          </a:fontRef>
+        </p:style>
+        <p:txBody>
+          <a:bodyPr rtlCol="0" anchor="ctr"/>
+          <a:lstStyle/>
+          <a:p>
+            <a:pPr algn="ctr"/>
+            <a:endParaRPr lang="en-GB"/>
+          </a:p>
+        </p:txBody>
+      </p:sp>
+      <p:sp>
+        <p:nvSpPr>
+          <p:cNvPr id="49" name="Oval 48">
+            <a:extLst>
+              <a:ext uri="{FF2B5EF4-FFF2-40B4-BE49-F238E27FC236}">
+                <a16:creationId xmlns:a16="http://schemas.microsoft.com/office/drawing/2014/main" id="{34CE9B1D-21EA-4640-9ACC-20A79A2CD6B2}"/>
+              </a:ext>
+            </a:extLst>
+          </p:cNvPr>
+          <p:cNvSpPr/>
+          <p:nvPr/>
+        </p:nvSpPr>
+        <p:spPr>
+          <a:xfrm>
+            <a:off x="5069522" y="4672179"/>
+            <a:ext cx="199489" cy="218469"/>
+          </a:xfrm>
+          <a:prstGeom prst="ellipse">
+            <a:avLst/>
+          </a:prstGeom>
+          <a:solidFill>
+            <a:srgbClr val="FF00FF"/>
+          </a:solidFill>
+          <a:ln>
+            <a:noFill/>
+          </a:ln>
+        </p:spPr>
+        <p:style>
+          <a:lnRef idx="2">
+            <a:schemeClr val="accent1">
+              <a:shade val="50000"/>
+            </a:schemeClr>
+          </a:lnRef>
+          <a:fillRef idx="1">
+            <a:schemeClr val="accent1"/>
+          </a:fillRef>
+          <a:effectRef idx="0">
+            <a:schemeClr val="accent1"/>
+          </a:effectRef>
+          <a:fontRef idx="minor">
+            <a:schemeClr val="lt1"/>
+          </a:fontRef>
+        </p:style>
+        <p:txBody>
+          <a:bodyPr rtlCol="0" anchor="ctr"/>
+          <a:lstStyle/>
+          <a:p>
+            <a:pPr algn="ctr"/>
+            <a:endParaRPr lang="en-GB"/>
+          </a:p>
+        </p:txBody>
+      </p:sp>
+      <p:sp>
+        <p:nvSpPr>
+          <p:cNvPr id="50" name="Oval 49">
+            <a:extLst>
+              <a:ext uri="{FF2B5EF4-FFF2-40B4-BE49-F238E27FC236}">
+                <a16:creationId xmlns:a16="http://schemas.microsoft.com/office/drawing/2014/main" id="{322091F7-000F-46D8-9D88-43B0F89D15C3}"/>
+              </a:ext>
+            </a:extLst>
+          </p:cNvPr>
+          <p:cNvSpPr/>
+          <p:nvPr/>
+        </p:nvSpPr>
+        <p:spPr>
+          <a:xfrm>
+            <a:off x="5062542" y="2394399"/>
+            <a:ext cx="199489" cy="218469"/>
+          </a:xfrm>
+          <a:prstGeom prst="ellipse">
+            <a:avLst/>
+          </a:prstGeom>
+          <a:solidFill>
+            <a:srgbClr val="FF00FF"/>
+          </a:solidFill>
+          <a:ln>
+            <a:noFill/>
+          </a:ln>
+        </p:spPr>
+        <p:style>
+          <a:lnRef idx="2">
+            <a:schemeClr val="accent1">
+              <a:shade val="50000"/>
+            </a:schemeClr>
+          </a:lnRef>
+          <a:fillRef idx="1">
+            <a:schemeClr val="accent1"/>
+          </a:fillRef>
+          <a:effectRef idx="0">
+            <a:schemeClr val="accent1"/>
+          </a:effectRef>
+          <a:fontRef idx="minor">
+            <a:schemeClr val="lt1"/>
+          </a:fontRef>
+        </p:style>
+        <p:txBody>
+          <a:bodyPr rtlCol="0" anchor="ctr"/>
+          <a:lstStyle/>
+          <a:p>
+            <a:pPr algn="ctr"/>
+            <a:endParaRPr lang="en-GB"/>
+          </a:p>
+        </p:txBody>
+      </p:sp>
+      <p:sp>
+        <p:nvSpPr>
+          <p:cNvPr id="51" name="TextBox 50">
+            <a:extLst>
+              <a:ext uri="{FF2B5EF4-FFF2-40B4-BE49-F238E27FC236}">
+                <a16:creationId xmlns:a16="http://schemas.microsoft.com/office/drawing/2014/main" id="{8E33A5DC-82C6-4735-90B0-6DB57BEE2904}"/>
+              </a:ext>
+            </a:extLst>
+          </p:cNvPr>
+          <p:cNvSpPr txBox="1"/>
+          <p:nvPr/>
+        </p:nvSpPr>
+        <p:spPr>
+          <a:xfrm>
+            <a:off x="10040050" y="446906"/>
+            <a:ext cx="1837626" cy="923330"/>
+          </a:xfrm>
+          <a:prstGeom prst="rect">
+            <a:avLst/>
+          </a:prstGeom>
+          <a:noFill/>
+        </p:spPr>
+        <p:txBody>
+          <a:bodyPr wrap="square" rtlCol="0">
+            <a:spAutoFit/>
+          </a:bodyPr>
+          <a:lstStyle/>
+          <a:p>
+            <a:r>
+              <a:rPr lang="en-GB" b="1" dirty="0"/>
+              <a:t>9 RIGIDIZADORES/DIAGONAL</a:t>
+            </a:r>
+          </a:p>
+        </p:txBody>
+      </p:sp>
+      <p:sp>
+        <p:nvSpPr>
+          <p:cNvPr id="52" name="Oval 51">
+            <a:extLst>
+              <a:ext uri="{FF2B5EF4-FFF2-40B4-BE49-F238E27FC236}">
+                <a16:creationId xmlns:a16="http://schemas.microsoft.com/office/drawing/2014/main" id="{5AA40694-3297-4AA4-9E86-A14B46128570}"/>
+              </a:ext>
+            </a:extLst>
+          </p:cNvPr>
+          <p:cNvSpPr/>
+          <p:nvPr/>
+        </p:nvSpPr>
+        <p:spPr>
+          <a:xfrm>
+            <a:off x="10127917" y="1385957"/>
+            <a:ext cx="199489" cy="218469"/>
+          </a:xfrm>
+          <a:prstGeom prst="ellipse">
+            <a:avLst/>
+          </a:prstGeom>
+          <a:solidFill>
+            <a:srgbClr val="FFFF00"/>
+          </a:solidFill>
+          <a:ln>
+            <a:solidFill>
+              <a:srgbClr val="FFFF00"/>
+            </a:solidFill>
+          </a:ln>
+        </p:spPr>
+        <p:style>
+          <a:lnRef idx="2">
+            <a:schemeClr val="accent1">
+              <a:shade val="50000"/>
+            </a:schemeClr>
+          </a:lnRef>
+          <a:fillRef idx="1">
+            <a:schemeClr val="accent1"/>
+          </a:fillRef>
+          <a:effectRef idx="0">
+            <a:schemeClr val="accent1"/>
+          </a:effectRef>
+          <a:fontRef idx="minor">
+            <a:schemeClr val="lt1"/>
+          </a:fontRef>
+        </p:style>
+        <p:txBody>
+          <a:bodyPr rtlCol="0" anchor="ctr"/>
+          <a:lstStyle/>
+          <a:p>
+            <a:pPr algn="ctr"/>
+            <a:endParaRPr lang="en-GB"/>
+          </a:p>
+        </p:txBody>
+      </p:sp>
+      <p:sp>
+        <p:nvSpPr>
+          <p:cNvPr id="53" name="Oval 52">
+            <a:extLst>
+              <a:ext uri="{FF2B5EF4-FFF2-40B4-BE49-F238E27FC236}">
+                <a16:creationId xmlns:a16="http://schemas.microsoft.com/office/drawing/2014/main" id="{B5378228-C65C-42D2-9D84-32CFD05D6503}"/>
+              </a:ext>
+            </a:extLst>
+          </p:cNvPr>
+          <p:cNvSpPr/>
+          <p:nvPr/>
+        </p:nvSpPr>
+        <p:spPr>
+          <a:xfrm>
+            <a:off x="10127916" y="1830375"/>
+            <a:ext cx="199489" cy="218469"/>
+          </a:xfrm>
+          <a:prstGeom prst="ellipse">
+            <a:avLst/>
+          </a:prstGeom>
+          <a:solidFill>
+            <a:srgbClr val="FF00FF"/>
+          </a:solidFill>
+          <a:ln>
+            <a:noFill/>
+          </a:ln>
+        </p:spPr>
+        <p:style>
+          <a:lnRef idx="2">
+            <a:schemeClr val="accent1">
+              <a:shade val="50000"/>
+            </a:schemeClr>
+          </a:lnRef>
+          <a:fillRef idx="1">
+            <a:schemeClr val="accent1"/>
+          </a:fillRef>
+          <a:effectRef idx="0">
+            <a:schemeClr val="accent1"/>
+          </a:effectRef>
+          <a:fontRef idx="minor">
+            <a:schemeClr val="lt1"/>
+          </a:fontRef>
+        </p:style>
+        <p:txBody>
+          <a:bodyPr rtlCol="0" anchor="ctr"/>
+          <a:lstStyle/>
+          <a:p>
+            <a:pPr algn="ctr"/>
+            <a:endParaRPr lang="en-GB"/>
+          </a:p>
+        </p:txBody>
+      </p:sp>
+      <p:sp>
+        <p:nvSpPr>
+          <p:cNvPr id="54" name="TextBox 53">
+            <a:extLst>
+              <a:ext uri="{FF2B5EF4-FFF2-40B4-BE49-F238E27FC236}">
+                <a16:creationId xmlns:a16="http://schemas.microsoft.com/office/drawing/2014/main" id="{F31A6FD1-F80A-42CF-82DB-DE7BB742696B}"/>
+              </a:ext>
+            </a:extLst>
+          </p:cNvPr>
+          <p:cNvSpPr txBox="1"/>
+          <p:nvPr/>
+        </p:nvSpPr>
+        <p:spPr>
+          <a:xfrm>
+            <a:off x="10398449" y="1350078"/>
+            <a:ext cx="1000595" cy="369332"/>
+          </a:xfrm>
+          <a:prstGeom prst="rect">
+            <a:avLst/>
+          </a:prstGeom>
+          <a:noFill/>
+        </p:spPr>
+        <p:txBody>
+          <a:bodyPr wrap="none" rtlCol="0">
+            <a:spAutoFit/>
+          </a:bodyPr>
+          <a:lstStyle/>
+          <a:p>
+            <a:r>
+              <a:rPr lang="en-GB" dirty="0"/>
+              <a:t>8 CBUSH</a:t>
+            </a:r>
+          </a:p>
+        </p:txBody>
+      </p:sp>
+      <p:sp>
+        <p:nvSpPr>
+          <p:cNvPr id="55" name="TextBox 54">
+            <a:extLst>
+              <a:ext uri="{FF2B5EF4-FFF2-40B4-BE49-F238E27FC236}">
+                <a16:creationId xmlns:a16="http://schemas.microsoft.com/office/drawing/2014/main" id="{1139CF58-73FC-4745-B311-4617C605A1A1}"/>
+              </a:ext>
+            </a:extLst>
+          </p:cNvPr>
+          <p:cNvSpPr txBox="1"/>
+          <p:nvPr/>
+        </p:nvSpPr>
+        <p:spPr>
+          <a:xfrm>
+            <a:off x="10398448" y="1740370"/>
+            <a:ext cx="833883" cy="369332"/>
+          </a:xfrm>
+          <a:prstGeom prst="rect">
+            <a:avLst/>
+          </a:prstGeom>
+          <a:noFill/>
+        </p:spPr>
+        <p:txBody>
+          <a:bodyPr wrap="none" rtlCol="0">
+            <a:spAutoFit/>
+          </a:bodyPr>
+          <a:lstStyle/>
+          <a:p>
+            <a:r>
+              <a:rPr lang="en-GB" dirty="0"/>
+              <a:t>4 RBE2</a:t>
+            </a:r>
+          </a:p>
+        </p:txBody>
+      </p:sp>
+      <p:sp>
+        <p:nvSpPr>
+          <p:cNvPr id="56" name="Oval 55">
+            <a:extLst>
+              <a:ext uri="{FF2B5EF4-FFF2-40B4-BE49-F238E27FC236}">
+                <a16:creationId xmlns:a16="http://schemas.microsoft.com/office/drawing/2014/main" id="{E16D6865-D146-4700-87C0-F3E8636ABADD}"/>
+              </a:ext>
+            </a:extLst>
+          </p:cNvPr>
+          <p:cNvSpPr/>
+          <p:nvPr/>
+        </p:nvSpPr>
+        <p:spPr>
+          <a:xfrm>
+            <a:off x="1701636" y="4653073"/>
+            <a:ext cx="199489" cy="218469"/>
+          </a:xfrm>
+          <a:prstGeom prst="ellipse">
+            <a:avLst/>
+          </a:prstGeom>
+          <a:solidFill>
+            <a:srgbClr val="FFFF00"/>
+          </a:solidFill>
+          <a:ln>
+            <a:solidFill>
+              <a:srgbClr val="FFFF00"/>
+            </a:solidFill>
+          </a:ln>
+        </p:spPr>
+        <p:style>
+          <a:lnRef idx="2">
+            <a:schemeClr val="accent1">
+              <a:shade val="50000"/>
+            </a:schemeClr>
+          </a:lnRef>
+          <a:fillRef idx="1">
+            <a:schemeClr val="accent1"/>
+          </a:fillRef>
+          <a:effectRef idx="0">
+            <a:schemeClr val="accent1"/>
+          </a:effectRef>
+          <a:fontRef idx="minor">
+            <a:schemeClr val="lt1"/>
+          </a:fontRef>
+        </p:style>
+        <p:txBody>
+          <a:bodyPr rtlCol="0" anchor="ctr"/>
+          <a:lstStyle/>
+          <a:p>
+            <a:pPr algn="ctr"/>
+            <a:endParaRPr lang="en-GB"/>
+          </a:p>
+        </p:txBody>
+      </p:sp>
+      <p:sp>
+        <p:nvSpPr>
+          <p:cNvPr id="57" name="Oval 56">
+            <a:extLst>
+              <a:ext uri="{FF2B5EF4-FFF2-40B4-BE49-F238E27FC236}">
+                <a16:creationId xmlns:a16="http://schemas.microsoft.com/office/drawing/2014/main" id="{489C5677-8FD6-4FAB-9B93-BD9E01C028F5}"/>
+              </a:ext>
+            </a:extLst>
+          </p:cNvPr>
+          <p:cNvSpPr/>
+          <p:nvPr/>
+        </p:nvSpPr>
+        <p:spPr>
+          <a:xfrm>
+            <a:off x="1673198" y="2405139"/>
+            <a:ext cx="199489" cy="218469"/>
+          </a:xfrm>
+          <a:prstGeom prst="ellipse">
+            <a:avLst/>
+          </a:prstGeom>
+          <a:solidFill>
+            <a:srgbClr val="FFFF00"/>
+          </a:solidFill>
+          <a:ln>
+            <a:solidFill>
+              <a:srgbClr val="FFFF00"/>
+            </a:solidFill>
+          </a:ln>
+        </p:spPr>
+        <p:style>
+          <a:lnRef idx="2">
+            <a:schemeClr val="accent1">
+              <a:shade val="50000"/>
+            </a:schemeClr>
+          </a:lnRef>
+          <a:fillRef idx="1">
+            <a:schemeClr val="accent1"/>
+          </a:fillRef>
+          <a:effectRef idx="0">
+            <a:schemeClr val="accent1"/>
+          </a:effectRef>
+          <a:fontRef idx="minor">
+            <a:schemeClr val="lt1"/>
+          </a:fontRef>
+        </p:style>
+        <p:txBody>
+          <a:bodyPr rtlCol="0" anchor="ctr"/>
+          <a:lstStyle/>
+          <a:p>
+            <a:pPr algn="ctr"/>
+            <a:endParaRPr lang="en-GB"/>
+          </a:p>
+        </p:txBody>
+      </p:sp>
+      <p:sp>
+        <p:nvSpPr>
+          <p:cNvPr id="58" name="Oval 57">
+            <a:extLst>
+              <a:ext uri="{FF2B5EF4-FFF2-40B4-BE49-F238E27FC236}">
+                <a16:creationId xmlns:a16="http://schemas.microsoft.com/office/drawing/2014/main" id="{677FF8ED-F51C-4B8A-AEFC-717A62E3C399}"/>
+              </a:ext>
+            </a:extLst>
+          </p:cNvPr>
+          <p:cNvSpPr/>
+          <p:nvPr/>
+        </p:nvSpPr>
+        <p:spPr>
+          <a:xfrm>
+            <a:off x="6204045" y="2363552"/>
+            <a:ext cx="199489" cy="218469"/>
+          </a:xfrm>
+          <a:prstGeom prst="ellipse">
+            <a:avLst/>
+          </a:prstGeom>
+          <a:solidFill>
+            <a:srgbClr val="FFFF00"/>
+          </a:solidFill>
+          <a:ln>
+            <a:solidFill>
+              <a:srgbClr val="FFFF00"/>
+            </a:solidFill>
+          </a:ln>
+        </p:spPr>
+        <p:style>
+          <a:lnRef idx="2">
+            <a:schemeClr val="accent1">
+              <a:shade val="50000"/>
+            </a:schemeClr>
+          </a:lnRef>
+          <a:fillRef idx="1">
+            <a:schemeClr val="accent1"/>
+          </a:fillRef>
+          <a:effectRef idx="0">
+            <a:schemeClr val="accent1"/>
+          </a:effectRef>
+          <a:fontRef idx="minor">
+            <a:schemeClr val="lt1"/>
+          </a:fontRef>
+        </p:style>
+        <p:txBody>
+          <a:bodyPr rtlCol="0" anchor="ctr"/>
+          <a:lstStyle/>
+          <a:p>
+            <a:pPr algn="ctr"/>
+            <a:endParaRPr lang="en-GB"/>
+          </a:p>
+        </p:txBody>
+      </p:sp>
+      <p:sp>
+        <p:nvSpPr>
+          <p:cNvPr id="59" name="Oval 58">
+            <a:extLst>
+              <a:ext uri="{FF2B5EF4-FFF2-40B4-BE49-F238E27FC236}">
+                <a16:creationId xmlns:a16="http://schemas.microsoft.com/office/drawing/2014/main" id="{6976389E-8172-4406-BCE0-8564CE19D8D3}"/>
+              </a:ext>
+            </a:extLst>
+          </p:cNvPr>
+          <p:cNvSpPr/>
+          <p:nvPr/>
+        </p:nvSpPr>
+        <p:spPr>
+          <a:xfrm>
+            <a:off x="6195168" y="4669218"/>
+            <a:ext cx="199489" cy="218469"/>
+          </a:xfrm>
+          <a:prstGeom prst="ellipse">
+            <a:avLst/>
+          </a:prstGeom>
+          <a:solidFill>
+            <a:srgbClr val="FFFF00"/>
+          </a:solidFill>
+          <a:ln>
+            <a:solidFill>
+              <a:srgbClr val="FFFF00"/>
+            </a:solidFill>
+          </a:ln>
+        </p:spPr>
+        <p:style>
+          <a:lnRef idx="2">
+            <a:schemeClr val="accent1">
+              <a:shade val="50000"/>
+            </a:schemeClr>
+          </a:lnRef>
+          <a:fillRef idx="1">
+            <a:schemeClr val="accent1"/>
+          </a:fillRef>
+          <a:effectRef idx="0">
+            <a:schemeClr val="accent1"/>
+          </a:effectRef>
+          <a:fontRef idx="minor">
+            <a:schemeClr val="lt1"/>
+          </a:fontRef>
+        </p:style>
+        <p:txBody>
+          <a:bodyPr rtlCol="0" anchor="ctr"/>
+          <a:lstStyle/>
+          <a:p>
+            <a:pPr algn="ctr"/>
+            <a:endParaRPr lang="en-GB"/>
+          </a:p>
+        </p:txBody>
+      </p:sp>
+    </p:spTree>
+    <p:extLst>
+      <p:ext uri="{BB962C8B-B14F-4D97-AF65-F5344CB8AC3E}">
+        <p14:creationId xmlns:p14="http://schemas.microsoft.com/office/powerpoint/2010/main" val="1839349308"/>
+      </p:ext>
+    </p:extLst>
+  </p:cSld>
+  <p:clrMapOvr>
+    <a:masterClrMapping/>
+  </p:clrMapOvr>
+</p:sld>
+</file>
+
+<file path=ppt/slides/slide3.xml><?xml version="1.0" encoding="utf-8"?>
+<p:sld xmlns:a="http://schemas.openxmlformats.org/drawingml/2006/main" xmlns:r="http://schemas.openxmlformats.org/officeDocument/2006/relationships" xmlns:p="http://schemas.openxmlformats.org/presentationml/2006/main">
+  <p:cSld>
+    <p:spTree>
+      <p:nvGrpSpPr>
+        <p:cNvPr id="1" name=""/>
+        <p:cNvGrpSpPr/>
+        <p:nvPr/>
+      </p:nvGrpSpPr>
+      <p:grpSpPr>
+        <a:xfrm>
+          <a:off x="0" y="0"/>
+          <a:ext cx="0" cy="0"/>
+          <a:chOff x="0" y="0"/>
+          <a:chExt cx="0" cy="0"/>
+        </a:xfrm>
+      </p:grpSpPr>
+      <p:pic>
+        <p:nvPicPr>
+          <p:cNvPr id="5" name="Picture 4">
+            <a:extLst>
+              <a:ext uri="{FF2B5EF4-FFF2-40B4-BE49-F238E27FC236}">
+                <a16:creationId xmlns:a16="http://schemas.microsoft.com/office/drawing/2014/main" id="{B26EC95D-3D34-4CC9-8C63-E88923594B18}"/>
+              </a:ext>
+            </a:extLst>
+          </p:cNvPr>
+          <p:cNvPicPr>
+            <a:picLocks noChangeAspect="1"/>
+          </p:cNvPicPr>
+          <p:nvPr/>
+        </p:nvPicPr>
+        <p:blipFill>
+          <a:blip r:embed="rId2"/>
+          <a:stretch>
+            <a:fillRect/>
+          </a:stretch>
+        </p:blipFill>
+        <p:spPr>
+          <a:xfrm>
             <a:off x="1103609" y="735020"/>
             <a:ext cx="6111941" cy="6089635"/>
           </a:xfrm>
@@ -6637,7 +8652,7 @@
 </p:sld>
 </file>
 
-<file path=ppt/slides/slide3.xml><?xml version="1.0" encoding="utf-8"?>
+<file path=ppt/slides/slide4.xml><?xml version="1.0" encoding="utf-8"?>
 <p:sld xmlns:a="http://schemas.openxmlformats.org/drawingml/2006/main" xmlns:r="http://schemas.openxmlformats.org/officeDocument/2006/relationships" xmlns:p="http://schemas.openxmlformats.org/presentationml/2006/main">
   <p:cSld>
     <p:spTree>
@@ -8945,7 +10960,7 @@
 </p:sld>
 </file>
 
-<file path=ppt/slides/slide4.xml><?xml version="1.0" encoding="utf-8"?>
+<file path=ppt/slides/slide5.xml><?xml version="1.0" encoding="utf-8"?>
 <p:sld xmlns:a="http://schemas.openxmlformats.org/drawingml/2006/main" xmlns:r="http://schemas.openxmlformats.org/officeDocument/2006/relationships" xmlns:p="http://schemas.openxmlformats.org/presentationml/2006/main">
   <p:cSld>
     <p:spTree>

--- a/MicroSat/Configuraciones_Bandeja_Inferior.pptx
+++ b/MicroSat/Configuraciones_Bandeja_Inferior.pptx
@@ -6,10 +6,13 @@
   </p:sldMasterIdLst>
   <p:sldIdLst>
     <p:sldId id="256" r:id="rId2"/>
-    <p:sldId id="261" r:id="rId3"/>
-    <p:sldId id="260" r:id="rId4"/>
-    <p:sldId id="258" r:id="rId5"/>
-    <p:sldId id="259" r:id="rId6"/>
+    <p:sldId id="262" r:id="rId3"/>
+    <p:sldId id="264" r:id="rId4"/>
+    <p:sldId id="261" r:id="rId5"/>
+    <p:sldId id="263" r:id="rId6"/>
+    <p:sldId id="260" r:id="rId7"/>
+    <p:sldId id="258" r:id="rId8"/>
+    <p:sldId id="259" r:id="rId9"/>
   </p:sldIdLst>
   <p:sldSz cx="12192000" cy="7559675"/>
   <p:notesSz cx="6858000" cy="9144000"/>
@@ -4426,7 +4429,7 @@
           <a:lstStyle/>
           <a:p>
             <a:pPr algn="ctr"/>
-            <a:endParaRPr lang="en-GB"/>
+            <a:endParaRPr lang="en-GB" dirty="0"/>
           </a:p>
         </p:txBody>
       </p:sp>
@@ -5760,6 +5763,3672 @@
         </p:nvSpPr>
         <p:spPr>
           <a:xfrm>
+            <a:off x="6144897" y="3577903"/>
+            <a:ext cx="199489" cy="218469"/>
+          </a:xfrm>
+          <a:prstGeom prst="ellipse">
+            <a:avLst/>
+          </a:prstGeom>
+          <a:solidFill>
+            <a:srgbClr val="FFFF00"/>
+          </a:solidFill>
+          <a:ln>
+            <a:solidFill>
+              <a:srgbClr val="FFFF00"/>
+            </a:solidFill>
+          </a:ln>
+        </p:spPr>
+        <p:style>
+          <a:lnRef idx="2">
+            <a:schemeClr val="accent1">
+              <a:shade val="50000"/>
+            </a:schemeClr>
+          </a:lnRef>
+          <a:fillRef idx="1">
+            <a:schemeClr val="accent1"/>
+          </a:fillRef>
+          <a:effectRef idx="0">
+            <a:schemeClr val="accent1"/>
+          </a:effectRef>
+          <a:fontRef idx="minor">
+            <a:schemeClr val="lt1"/>
+          </a:fontRef>
+        </p:style>
+        <p:txBody>
+          <a:bodyPr rtlCol="0" anchor="ctr"/>
+          <a:lstStyle/>
+          <a:p>
+            <a:pPr algn="ctr"/>
+            <a:endParaRPr lang="en-GB"/>
+          </a:p>
+        </p:txBody>
+      </p:sp>
+      <p:sp>
+        <p:nvSpPr>
+          <p:cNvPr id="41" name="Oval 40">
+            <a:extLst>
+              <a:ext uri="{FF2B5EF4-FFF2-40B4-BE49-F238E27FC236}">
+                <a16:creationId xmlns:a16="http://schemas.microsoft.com/office/drawing/2014/main" id="{75B773B1-9848-4EC6-A1B9-4CECC9B0DF7A}"/>
+              </a:ext>
+            </a:extLst>
+          </p:cNvPr>
+          <p:cNvSpPr/>
+          <p:nvPr/>
+        </p:nvSpPr>
+        <p:spPr>
+          <a:xfrm>
+            <a:off x="3929008" y="5770908"/>
+            <a:ext cx="199489" cy="218469"/>
+          </a:xfrm>
+          <a:prstGeom prst="ellipse">
+            <a:avLst/>
+          </a:prstGeom>
+          <a:solidFill>
+            <a:srgbClr val="FFFF00"/>
+          </a:solidFill>
+          <a:ln>
+            <a:solidFill>
+              <a:srgbClr val="FFFF00"/>
+            </a:solidFill>
+          </a:ln>
+        </p:spPr>
+        <p:style>
+          <a:lnRef idx="2">
+            <a:schemeClr val="accent1">
+              <a:shade val="50000"/>
+            </a:schemeClr>
+          </a:lnRef>
+          <a:fillRef idx="1">
+            <a:schemeClr val="accent1"/>
+          </a:fillRef>
+          <a:effectRef idx="0">
+            <a:schemeClr val="accent1"/>
+          </a:effectRef>
+          <a:fontRef idx="minor">
+            <a:schemeClr val="lt1"/>
+          </a:fontRef>
+        </p:style>
+        <p:txBody>
+          <a:bodyPr rtlCol="0" anchor="ctr"/>
+          <a:lstStyle/>
+          <a:p>
+            <a:pPr algn="ctr"/>
+            <a:endParaRPr lang="en-GB"/>
+          </a:p>
+        </p:txBody>
+      </p:sp>
+      <p:sp>
+        <p:nvSpPr>
+          <p:cNvPr id="42" name="Oval 41">
+            <a:extLst>
+              <a:ext uri="{FF2B5EF4-FFF2-40B4-BE49-F238E27FC236}">
+                <a16:creationId xmlns:a16="http://schemas.microsoft.com/office/drawing/2014/main" id="{0D06B149-518F-4ECC-B143-5F2312EAE5D5}"/>
+              </a:ext>
+            </a:extLst>
+          </p:cNvPr>
+          <p:cNvSpPr/>
+          <p:nvPr/>
+        </p:nvSpPr>
+        <p:spPr>
+          <a:xfrm>
+            <a:off x="1678629" y="3553498"/>
+            <a:ext cx="199489" cy="218469"/>
+          </a:xfrm>
+          <a:prstGeom prst="ellipse">
+            <a:avLst/>
+          </a:prstGeom>
+          <a:solidFill>
+            <a:srgbClr val="FFFF00"/>
+          </a:solidFill>
+          <a:ln>
+            <a:solidFill>
+              <a:srgbClr val="FFFF00"/>
+            </a:solidFill>
+          </a:ln>
+        </p:spPr>
+        <p:style>
+          <a:lnRef idx="2">
+            <a:schemeClr val="accent1">
+              <a:shade val="50000"/>
+            </a:schemeClr>
+          </a:lnRef>
+          <a:fillRef idx="1">
+            <a:schemeClr val="accent1"/>
+          </a:fillRef>
+          <a:effectRef idx="0">
+            <a:schemeClr val="accent1"/>
+          </a:effectRef>
+          <a:fontRef idx="minor">
+            <a:schemeClr val="lt1"/>
+          </a:fontRef>
+        </p:style>
+        <p:txBody>
+          <a:bodyPr rtlCol="0" anchor="ctr"/>
+          <a:lstStyle/>
+          <a:p>
+            <a:pPr algn="ctr"/>
+            <a:endParaRPr lang="en-GB"/>
+          </a:p>
+        </p:txBody>
+      </p:sp>
+      <p:sp>
+        <p:nvSpPr>
+          <p:cNvPr id="43" name="Oval 42">
+            <a:extLst>
+              <a:ext uri="{FF2B5EF4-FFF2-40B4-BE49-F238E27FC236}">
+                <a16:creationId xmlns:a16="http://schemas.microsoft.com/office/drawing/2014/main" id="{04E7AEE6-F6AA-4ABC-8A4E-48763FA244A4}"/>
+              </a:ext>
+            </a:extLst>
+          </p:cNvPr>
+          <p:cNvSpPr/>
+          <p:nvPr/>
+        </p:nvSpPr>
+        <p:spPr>
+          <a:xfrm>
+            <a:off x="2218104" y="5184899"/>
+            <a:ext cx="199489" cy="218469"/>
+          </a:xfrm>
+          <a:prstGeom prst="ellipse">
+            <a:avLst/>
+          </a:prstGeom>
+          <a:solidFill>
+            <a:srgbClr val="FFFF00"/>
+          </a:solidFill>
+          <a:ln>
+            <a:solidFill>
+              <a:srgbClr val="FFFF00"/>
+            </a:solidFill>
+          </a:ln>
+        </p:spPr>
+        <p:style>
+          <a:lnRef idx="2">
+            <a:schemeClr val="accent1">
+              <a:shade val="50000"/>
+            </a:schemeClr>
+          </a:lnRef>
+          <a:fillRef idx="1">
+            <a:schemeClr val="accent1"/>
+          </a:fillRef>
+          <a:effectRef idx="0">
+            <a:schemeClr val="accent1"/>
+          </a:effectRef>
+          <a:fontRef idx="minor">
+            <a:schemeClr val="lt1"/>
+          </a:fontRef>
+        </p:style>
+        <p:txBody>
+          <a:bodyPr rtlCol="0" anchor="ctr"/>
+          <a:lstStyle/>
+          <a:p>
+            <a:pPr algn="ctr"/>
+            <a:endParaRPr lang="en-GB"/>
+          </a:p>
+        </p:txBody>
+      </p:sp>
+      <p:sp>
+        <p:nvSpPr>
+          <p:cNvPr id="44" name="Oval 43">
+            <a:extLst>
+              <a:ext uri="{FF2B5EF4-FFF2-40B4-BE49-F238E27FC236}">
+                <a16:creationId xmlns:a16="http://schemas.microsoft.com/office/drawing/2014/main" id="{3A1D314B-53D6-4545-A63F-2BB09FAC31CD}"/>
+              </a:ext>
+            </a:extLst>
+          </p:cNvPr>
+          <p:cNvSpPr/>
+          <p:nvPr/>
+        </p:nvSpPr>
+        <p:spPr>
+          <a:xfrm>
+            <a:off x="2248145" y="1829953"/>
+            <a:ext cx="199489" cy="218469"/>
+          </a:xfrm>
+          <a:prstGeom prst="ellipse">
+            <a:avLst/>
+          </a:prstGeom>
+          <a:solidFill>
+            <a:srgbClr val="FFFF00"/>
+          </a:solidFill>
+          <a:ln>
+            <a:solidFill>
+              <a:srgbClr val="FFFF00"/>
+            </a:solidFill>
+          </a:ln>
+        </p:spPr>
+        <p:style>
+          <a:lnRef idx="2">
+            <a:schemeClr val="accent1">
+              <a:shade val="50000"/>
+            </a:schemeClr>
+          </a:lnRef>
+          <a:fillRef idx="1">
+            <a:schemeClr val="accent1"/>
+          </a:fillRef>
+          <a:effectRef idx="0">
+            <a:schemeClr val="accent1"/>
+          </a:effectRef>
+          <a:fontRef idx="minor">
+            <a:schemeClr val="lt1"/>
+          </a:fontRef>
+        </p:style>
+        <p:txBody>
+          <a:bodyPr rtlCol="0" anchor="ctr"/>
+          <a:lstStyle/>
+          <a:p>
+            <a:pPr algn="ctr"/>
+            <a:endParaRPr lang="en-GB"/>
+          </a:p>
+        </p:txBody>
+      </p:sp>
+      <p:sp>
+        <p:nvSpPr>
+          <p:cNvPr id="45" name="Oval 44">
+            <a:extLst>
+              <a:ext uri="{FF2B5EF4-FFF2-40B4-BE49-F238E27FC236}">
+                <a16:creationId xmlns:a16="http://schemas.microsoft.com/office/drawing/2014/main" id="{05B6981E-74AC-46F4-9F25-BD43AD793F8C}"/>
+              </a:ext>
+            </a:extLst>
+          </p:cNvPr>
+          <p:cNvSpPr/>
+          <p:nvPr/>
+        </p:nvSpPr>
+        <p:spPr>
+          <a:xfrm>
+            <a:off x="5632341" y="5162695"/>
+            <a:ext cx="199489" cy="218469"/>
+          </a:xfrm>
+          <a:prstGeom prst="ellipse">
+            <a:avLst/>
+          </a:prstGeom>
+          <a:solidFill>
+            <a:srgbClr val="FFFF00"/>
+          </a:solidFill>
+          <a:ln>
+            <a:solidFill>
+              <a:srgbClr val="FFFF00"/>
+            </a:solidFill>
+          </a:ln>
+        </p:spPr>
+        <p:style>
+          <a:lnRef idx="2">
+            <a:schemeClr val="accent1">
+              <a:shade val="50000"/>
+            </a:schemeClr>
+          </a:lnRef>
+          <a:fillRef idx="1">
+            <a:schemeClr val="accent1"/>
+          </a:fillRef>
+          <a:effectRef idx="0">
+            <a:schemeClr val="accent1"/>
+          </a:effectRef>
+          <a:fontRef idx="minor">
+            <a:schemeClr val="lt1"/>
+          </a:fontRef>
+        </p:style>
+        <p:txBody>
+          <a:bodyPr rtlCol="0" anchor="ctr"/>
+          <a:lstStyle/>
+          <a:p>
+            <a:pPr algn="ctr"/>
+            <a:endParaRPr lang="en-GB"/>
+          </a:p>
+        </p:txBody>
+      </p:sp>
+      <p:sp>
+        <p:nvSpPr>
+          <p:cNvPr id="46" name="Oval 45">
+            <a:extLst>
+              <a:ext uri="{FF2B5EF4-FFF2-40B4-BE49-F238E27FC236}">
+                <a16:creationId xmlns:a16="http://schemas.microsoft.com/office/drawing/2014/main" id="{51D8EA36-64F6-4207-ADF2-FFB2D759682D}"/>
+              </a:ext>
+            </a:extLst>
+          </p:cNvPr>
+          <p:cNvSpPr/>
+          <p:nvPr/>
+        </p:nvSpPr>
+        <p:spPr>
+          <a:xfrm>
+            <a:off x="5662382" y="1807749"/>
+            <a:ext cx="199489" cy="218469"/>
+          </a:xfrm>
+          <a:prstGeom prst="ellipse">
+            <a:avLst/>
+          </a:prstGeom>
+          <a:solidFill>
+            <a:srgbClr val="FFFF00"/>
+          </a:solidFill>
+          <a:ln>
+            <a:solidFill>
+              <a:srgbClr val="FFFF00"/>
+            </a:solidFill>
+          </a:ln>
+        </p:spPr>
+        <p:style>
+          <a:lnRef idx="2">
+            <a:schemeClr val="accent1">
+              <a:shade val="50000"/>
+            </a:schemeClr>
+          </a:lnRef>
+          <a:fillRef idx="1">
+            <a:schemeClr val="accent1"/>
+          </a:fillRef>
+          <a:effectRef idx="0">
+            <a:schemeClr val="accent1"/>
+          </a:effectRef>
+          <a:fontRef idx="minor">
+            <a:schemeClr val="lt1"/>
+          </a:fontRef>
+        </p:style>
+        <p:txBody>
+          <a:bodyPr rtlCol="0" anchor="ctr"/>
+          <a:lstStyle/>
+          <a:p>
+            <a:pPr algn="ctr"/>
+            <a:endParaRPr lang="en-GB"/>
+          </a:p>
+        </p:txBody>
+      </p:sp>
+      <p:sp>
+        <p:nvSpPr>
+          <p:cNvPr id="47" name="Oval 46">
+            <a:extLst>
+              <a:ext uri="{FF2B5EF4-FFF2-40B4-BE49-F238E27FC236}">
+                <a16:creationId xmlns:a16="http://schemas.microsoft.com/office/drawing/2014/main" id="{DAFEE0E5-C9FA-4B82-BE9D-16FBFE5D5B1B}"/>
+              </a:ext>
+            </a:extLst>
+          </p:cNvPr>
+          <p:cNvSpPr/>
+          <p:nvPr/>
+        </p:nvSpPr>
+        <p:spPr>
+          <a:xfrm>
+            <a:off x="1652200" y="2390758"/>
+            <a:ext cx="199489" cy="218469"/>
+          </a:xfrm>
+          <a:prstGeom prst="ellipse">
+            <a:avLst/>
+          </a:prstGeom>
+          <a:solidFill>
+            <a:srgbClr val="FF00FF"/>
+          </a:solidFill>
+          <a:ln>
+            <a:noFill/>
+          </a:ln>
+        </p:spPr>
+        <p:style>
+          <a:lnRef idx="2">
+            <a:schemeClr val="accent1">
+              <a:shade val="50000"/>
+            </a:schemeClr>
+          </a:lnRef>
+          <a:fillRef idx="1">
+            <a:schemeClr val="accent1"/>
+          </a:fillRef>
+          <a:effectRef idx="0">
+            <a:schemeClr val="accent1"/>
+          </a:effectRef>
+          <a:fontRef idx="minor">
+            <a:schemeClr val="lt1"/>
+          </a:fontRef>
+        </p:style>
+        <p:txBody>
+          <a:bodyPr rtlCol="0" anchor="ctr"/>
+          <a:lstStyle/>
+          <a:p>
+            <a:pPr algn="ctr"/>
+            <a:endParaRPr lang="en-GB"/>
+          </a:p>
+        </p:txBody>
+      </p:sp>
+      <p:sp>
+        <p:nvSpPr>
+          <p:cNvPr id="48" name="Oval 47">
+            <a:extLst>
+              <a:ext uri="{FF2B5EF4-FFF2-40B4-BE49-F238E27FC236}">
+                <a16:creationId xmlns:a16="http://schemas.microsoft.com/office/drawing/2014/main" id="{9297ED62-F9D5-46B2-9322-32864358E40A}"/>
+              </a:ext>
+            </a:extLst>
+          </p:cNvPr>
+          <p:cNvSpPr/>
+          <p:nvPr/>
+        </p:nvSpPr>
+        <p:spPr>
+          <a:xfrm>
+            <a:off x="1699708" y="4672179"/>
+            <a:ext cx="199489" cy="218469"/>
+          </a:xfrm>
+          <a:prstGeom prst="ellipse">
+            <a:avLst/>
+          </a:prstGeom>
+          <a:solidFill>
+            <a:srgbClr val="FF00FF"/>
+          </a:solidFill>
+          <a:ln>
+            <a:noFill/>
+          </a:ln>
+        </p:spPr>
+        <p:style>
+          <a:lnRef idx="2">
+            <a:schemeClr val="accent1">
+              <a:shade val="50000"/>
+            </a:schemeClr>
+          </a:lnRef>
+          <a:fillRef idx="1">
+            <a:schemeClr val="accent1"/>
+          </a:fillRef>
+          <a:effectRef idx="0">
+            <a:schemeClr val="accent1"/>
+          </a:effectRef>
+          <a:fontRef idx="minor">
+            <a:schemeClr val="lt1"/>
+          </a:fontRef>
+        </p:style>
+        <p:txBody>
+          <a:bodyPr rtlCol="0" anchor="ctr"/>
+          <a:lstStyle/>
+          <a:p>
+            <a:pPr algn="ctr"/>
+            <a:endParaRPr lang="en-GB" dirty="0"/>
+          </a:p>
+        </p:txBody>
+      </p:sp>
+      <p:sp>
+        <p:nvSpPr>
+          <p:cNvPr id="49" name="Oval 48">
+            <a:extLst>
+              <a:ext uri="{FF2B5EF4-FFF2-40B4-BE49-F238E27FC236}">
+                <a16:creationId xmlns:a16="http://schemas.microsoft.com/office/drawing/2014/main" id="{34CE9B1D-21EA-4640-9ACC-20A79A2CD6B2}"/>
+              </a:ext>
+            </a:extLst>
+          </p:cNvPr>
+          <p:cNvSpPr/>
+          <p:nvPr/>
+        </p:nvSpPr>
+        <p:spPr>
+          <a:xfrm>
+            <a:off x="6204045" y="4672179"/>
+            <a:ext cx="199489" cy="218469"/>
+          </a:xfrm>
+          <a:prstGeom prst="ellipse">
+            <a:avLst/>
+          </a:prstGeom>
+          <a:solidFill>
+            <a:srgbClr val="FF00FF"/>
+          </a:solidFill>
+          <a:ln>
+            <a:noFill/>
+          </a:ln>
+        </p:spPr>
+        <p:style>
+          <a:lnRef idx="2">
+            <a:schemeClr val="accent1">
+              <a:shade val="50000"/>
+            </a:schemeClr>
+          </a:lnRef>
+          <a:fillRef idx="1">
+            <a:schemeClr val="accent1"/>
+          </a:fillRef>
+          <a:effectRef idx="0">
+            <a:schemeClr val="accent1"/>
+          </a:effectRef>
+          <a:fontRef idx="minor">
+            <a:schemeClr val="lt1"/>
+          </a:fontRef>
+        </p:style>
+        <p:txBody>
+          <a:bodyPr rtlCol="0" anchor="ctr"/>
+          <a:lstStyle/>
+          <a:p>
+            <a:pPr algn="ctr"/>
+            <a:endParaRPr lang="en-GB"/>
+          </a:p>
+        </p:txBody>
+      </p:sp>
+      <p:sp>
+        <p:nvSpPr>
+          <p:cNvPr id="50" name="Oval 49">
+            <a:extLst>
+              <a:ext uri="{FF2B5EF4-FFF2-40B4-BE49-F238E27FC236}">
+                <a16:creationId xmlns:a16="http://schemas.microsoft.com/office/drawing/2014/main" id="{322091F7-000F-46D8-9D88-43B0F89D15C3}"/>
+              </a:ext>
+            </a:extLst>
+          </p:cNvPr>
+          <p:cNvSpPr/>
+          <p:nvPr/>
+        </p:nvSpPr>
+        <p:spPr>
+          <a:xfrm>
+            <a:off x="6209668" y="2374445"/>
+            <a:ext cx="199489" cy="218469"/>
+          </a:xfrm>
+          <a:prstGeom prst="ellipse">
+            <a:avLst/>
+          </a:prstGeom>
+          <a:solidFill>
+            <a:srgbClr val="FF00FF"/>
+          </a:solidFill>
+          <a:ln>
+            <a:noFill/>
+          </a:ln>
+        </p:spPr>
+        <p:style>
+          <a:lnRef idx="2">
+            <a:schemeClr val="accent1">
+              <a:shade val="50000"/>
+            </a:schemeClr>
+          </a:lnRef>
+          <a:fillRef idx="1">
+            <a:schemeClr val="accent1"/>
+          </a:fillRef>
+          <a:effectRef idx="0">
+            <a:schemeClr val="accent1"/>
+          </a:effectRef>
+          <a:fontRef idx="minor">
+            <a:schemeClr val="lt1"/>
+          </a:fontRef>
+        </p:style>
+        <p:txBody>
+          <a:bodyPr rtlCol="0" anchor="ctr"/>
+          <a:lstStyle/>
+          <a:p>
+            <a:pPr algn="ctr"/>
+            <a:endParaRPr lang="en-GB"/>
+          </a:p>
+        </p:txBody>
+      </p:sp>
+      <p:sp>
+        <p:nvSpPr>
+          <p:cNvPr id="51" name="TextBox 50">
+            <a:extLst>
+              <a:ext uri="{FF2B5EF4-FFF2-40B4-BE49-F238E27FC236}">
+                <a16:creationId xmlns:a16="http://schemas.microsoft.com/office/drawing/2014/main" id="{8E33A5DC-82C6-4735-90B0-6DB57BEE2904}"/>
+              </a:ext>
+            </a:extLst>
+          </p:cNvPr>
+          <p:cNvSpPr txBox="1"/>
+          <p:nvPr/>
+        </p:nvSpPr>
+        <p:spPr>
+          <a:xfrm>
+            <a:off x="10040050" y="446906"/>
+            <a:ext cx="1837626" cy="923330"/>
+          </a:xfrm>
+          <a:prstGeom prst="rect">
+            <a:avLst/>
+          </a:prstGeom>
+          <a:noFill/>
+        </p:spPr>
+        <p:txBody>
+          <a:bodyPr wrap="square" rtlCol="0">
+            <a:spAutoFit/>
+          </a:bodyPr>
+          <a:lstStyle/>
+          <a:p>
+            <a:r>
+              <a:rPr lang="en-GB" b="1" dirty="0"/>
+              <a:t>9 RIGIDIZADORES/DIAGONAL</a:t>
+            </a:r>
+          </a:p>
+        </p:txBody>
+      </p:sp>
+      <p:sp>
+        <p:nvSpPr>
+          <p:cNvPr id="52" name="Oval 51">
+            <a:extLst>
+              <a:ext uri="{FF2B5EF4-FFF2-40B4-BE49-F238E27FC236}">
+                <a16:creationId xmlns:a16="http://schemas.microsoft.com/office/drawing/2014/main" id="{5AA40694-3297-4AA4-9E86-A14B46128570}"/>
+              </a:ext>
+            </a:extLst>
+          </p:cNvPr>
+          <p:cNvSpPr/>
+          <p:nvPr/>
+        </p:nvSpPr>
+        <p:spPr>
+          <a:xfrm>
+            <a:off x="10127917" y="1385957"/>
+            <a:ext cx="199489" cy="218469"/>
+          </a:xfrm>
+          <a:prstGeom prst="ellipse">
+            <a:avLst/>
+          </a:prstGeom>
+          <a:solidFill>
+            <a:srgbClr val="FFFF00"/>
+          </a:solidFill>
+          <a:ln>
+            <a:solidFill>
+              <a:srgbClr val="FFFF00"/>
+            </a:solidFill>
+          </a:ln>
+        </p:spPr>
+        <p:style>
+          <a:lnRef idx="2">
+            <a:schemeClr val="accent1">
+              <a:shade val="50000"/>
+            </a:schemeClr>
+          </a:lnRef>
+          <a:fillRef idx="1">
+            <a:schemeClr val="accent1"/>
+          </a:fillRef>
+          <a:effectRef idx="0">
+            <a:schemeClr val="accent1"/>
+          </a:effectRef>
+          <a:fontRef idx="minor">
+            <a:schemeClr val="lt1"/>
+          </a:fontRef>
+        </p:style>
+        <p:txBody>
+          <a:bodyPr rtlCol="0" anchor="ctr"/>
+          <a:lstStyle/>
+          <a:p>
+            <a:pPr algn="ctr"/>
+            <a:endParaRPr lang="en-GB"/>
+          </a:p>
+        </p:txBody>
+      </p:sp>
+      <p:sp>
+        <p:nvSpPr>
+          <p:cNvPr id="53" name="Oval 52">
+            <a:extLst>
+              <a:ext uri="{FF2B5EF4-FFF2-40B4-BE49-F238E27FC236}">
+                <a16:creationId xmlns:a16="http://schemas.microsoft.com/office/drawing/2014/main" id="{B5378228-C65C-42D2-9D84-32CFD05D6503}"/>
+              </a:ext>
+            </a:extLst>
+          </p:cNvPr>
+          <p:cNvSpPr/>
+          <p:nvPr/>
+        </p:nvSpPr>
+        <p:spPr>
+          <a:xfrm>
+            <a:off x="10127916" y="1830375"/>
+            <a:ext cx="199489" cy="218469"/>
+          </a:xfrm>
+          <a:prstGeom prst="ellipse">
+            <a:avLst/>
+          </a:prstGeom>
+          <a:solidFill>
+            <a:srgbClr val="FF00FF"/>
+          </a:solidFill>
+          <a:ln>
+            <a:noFill/>
+          </a:ln>
+        </p:spPr>
+        <p:style>
+          <a:lnRef idx="2">
+            <a:schemeClr val="accent1">
+              <a:shade val="50000"/>
+            </a:schemeClr>
+          </a:lnRef>
+          <a:fillRef idx="1">
+            <a:schemeClr val="accent1"/>
+          </a:fillRef>
+          <a:effectRef idx="0">
+            <a:schemeClr val="accent1"/>
+          </a:effectRef>
+          <a:fontRef idx="minor">
+            <a:schemeClr val="lt1"/>
+          </a:fontRef>
+        </p:style>
+        <p:txBody>
+          <a:bodyPr rtlCol="0" anchor="ctr"/>
+          <a:lstStyle/>
+          <a:p>
+            <a:pPr algn="ctr"/>
+            <a:endParaRPr lang="en-GB"/>
+          </a:p>
+        </p:txBody>
+      </p:sp>
+      <p:sp>
+        <p:nvSpPr>
+          <p:cNvPr id="54" name="TextBox 53">
+            <a:extLst>
+              <a:ext uri="{FF2B5EF4-FFF2-40B4-BE49-F238E27FC236}">
+                <a16:creationId xmlns:a16="http://schemas.microsoft.com/office/drawing/2014/main" id="{F31A6FD1-F80A-42CF-82DB-DE7BB742696B}"/>
+              </a:ext>
+            </a:extLst>
+          </p:cNvPr>
+          <p:cNvSpPr txBox="1"/>
+          <p:nvPr/>
+        </p:nvSpPr>
+        <p:spPr>
+          <a:xfrm>
+            <a:off x="10398449" y="1350078"/>
+            <a:ext cx="1000595" cy="369332"/>
+          </a:xfrm>
+          <a:prstGeom prst="rect">
+            <a:avLst/>
+          </a:prstGeom>
+          <a:noFill/>
+        </p:spPr>
+        <p:txBody>
+          <a:bodyPr wrap="none" rtlCol="0">
+            <a:spAutoFit/>
+          </a:bodyPr>
+          <a:lstStyle/>
+          <a:p>
+            <a:r>
+              <a:rPr lang="en-GB" dirty="0"/>
+              <a:t>8 CBUSH</a:t>
+            </a:r>
+          </a:p>
+        </p:txBody>
+      </p:sp>
+      <p:sp>
+        <p:nvSpPr>
+          <p:cNvPr id="55" name="TextBox 54">
+            <a:extLst>
+              <a:ext uri="{FF2B5EF4-FFF2-40B4-BE49-F238E27FC236}">
+                <a16:creationId xmlns:a16="http://schemas.microsoft.com/office/drawing/2014/main" id="{1139CF58-73FC-4745-B311-4617C605A1A1}"/>
+              </a:ext>
+            </a:extLst>
+          </p:cNvPr>
+          <p:cNvSpPr txBox="1"/>
+          <p:nvPr/>
+        </p:nvSpPr>
+        <p:spPr>
+          <a:xfrm>
+            <a:off x="10398448" y="1740370"/>
+            <a:ext cx="833883" cy="369332"/>
+          </a:xfrm>
+          <a:prstGeom prst="rect">
+            <a:avLst/>
+          </a:prstGeom>
+          <a:noFill/>
+        </p:spPr>
+        <p:txBody>
+          <a:bodyPr wrap="none" rtlCol="0">
+            <a:spAutoFit/>
+          </a:bodyPr>
+          <a:lstStyle/>
+          <a:p>
+            <a:r>
+              <a:rPr lang="en-GB" dirty="0"/>
+              <a:t>4 RBE2</a:t>
+            </a:r>
+          </a:p>
+        </p:txBody>
+      </p:sp>
+      <p:sp>
+        <p:nvSpPr>
+          <p:cNvPr id="56" name="TextBox 55">
+            <a:extLst>
+              <a:ext uri="{FF2B5EF4-FFF2-40B4-BE49-F238E27FC236}">
+                <a16:creationId xmlns:a16="http://schemas.microsoft.com/office/drawing/2014/main" id="{A8DC66A6-763E-47B8-8219-62F5F2CF6653}"/>
+              </a:ext>
+            </a:extLst>
+          </p:cNvPr>
+          <p:cNvSpPr txBox="1"/>
+          <p:nvPr/>
+        </p:nvSpPr>
+        <p:spPr>
+          <a:xfrm>
+            <a:off x="5067830" y="199413"/>
+            <a:ext cx="2922686" cy="369332"/>
+          </a:xfrm>
+          <a:prstGeom prst="rect">
+            <a:avLst/>
+          </a:prstGeom>
+          <a:noFill/>
+        </p:spPr>
+        <p:txBody>
+          <a:bodyPr wrap="square" rtlCol="0">
+            <a:spAutoFit/>
+          </a:bodyPr>
+          <a:lstStyle/>
+          <a:p>
+            <a:r>
+              <a:rPr lang="en-GB" dirty="0"/>
+              <a:t>HE PROBADO  ESTO</a:t>
+            </a:r>
+          </a:p>
+        </p:txBody>
+      </p:sp>
+    </p:spTree>
+    <p:extLst>
+      <p:ext uri="{BB962C8B-B14F-4D97-AF65-F5344CB8AC3E}">
+        <p14:creationId xmlns:p14="http://schemas.microsoft.com/office/powerpoint/2010/main" val="3278568759"/>
+      </p:ext>
+    </p:extLst>
+  </p:cSld>
+  <p:clrMapOvr>
+    <a:masterClrMapping/>
+  </p:clrMapOvr>
+</p:sld>
+</file>
+
+<file path=ppt/slides/slide3.xml><?xml version="1.0" encoding="utf-8"?>
+<p:sld xmlns:a="http://schemas.openxmlformats.org/drawingml/2006/main" xmlns:r="http://schemas.openxmlformats.org/officeDocument/2006/relationships" xmlns:p="http://schemas.openxmlformats.org/presentationml/2006/main">
+  <p:cSld>
+    <p:spTree>
+      <p:nvGrpSpPr>
+        <p:cNvPr id="1" name=""/>
+        <p:cNvGrpSpPr/>
+        <p:nvPr/>
+      </p:nvGrpSpPr>
+      <p:grpSpPr>
+        <a:xfrm>
+          <a:off x="0" y="0"/>
+          <a:ext cx="0" cy="0"/>
+          <a:chOff x="0" y="0"/>
+          <a:chExt cx="0" cy="0"/>
+        </a:xfrm>
+      </p:grpSpPr>
+      <p:pic>
+        <p:nvPicPr>
+          <p:cNvPr id="5" name="Picture 4">
+            <a:extLst>
+              <a:ext uri="{FF2B5EF4-FFF2-40B4-BE49-F238E27FC236}">
+                <a16:creationId xmlns:a16="http://schemas.microsoft.com/office/drawing/2014/main" id="{B26EC95D-3D34-4CC9-8C63-E88923594B18}"/>
+              </a:ext>
+            </a:extLst>
+          </p:cNvPr>
+          <p:cNvPicPr>
+            <a:picLocks noChangeAspect="1"/>
+          </p:cNvPicPr>
+          <p:nvPr/>
+        </p:nvPicPr>
+        <p:blipFill>
+          <a:blip r:embed="rId2"/>
+          <a:stretch>
+            <a:fillRect/>
+          </a:stretch>
+        </p:blipFill>
+        <p:spPr>
+          <a:xfrm>
+            <a:off x="967636" y="663331"/>
+            <a:ext cx="6111941" cy="6089635"/>
+          </a:xfrm>
+          <a:prstGeom prst="rect">
+            <a:avLst/>
+          </a:prstGeom>
+        </p:spPr>
+      </p:pic>
+      <p:cxnSp>
+        <p:nvCxnSpPr>
+          <p:cNvPr id="7" name="Straight Connector 6">
+            <a:extLst>
+              <a:ext uri="{FF2B5EF4-FFF2-40B4-BE49-F238E27FC236}">
+                <a16:creationId xmlns:a16="http://schemas.microsoft.com/office/drawing/2014/main" id="{A6649049-CD0A-4F62-8FB8-4DA2664982BD}"/>
+              </a:ext>
+            </a:extLst>
+          </p:cNvPr>
+          <p:cNvCxnSpPr/>
+          <p:nvPr/>
+        </p:nvCxnSpPr>
+        <p:spPr>
+          <a:xfrm>
+            <a:off x="-144261" y="3693883"/>
+            <a:ext cx="8985379" cy="0"/>
+          </a:xfrm>
+          <a:prstGeom prst="line">
+            <a:avLst/>
+          </a:prstGeom>
+          <a:ln w="38100">
+            <a:solidFill>
+              <a:schemeClr val="accent3">
+                <a:lumMod val="60000"/>
+                <a:lumOff val="40000"/>
+              </a:schemeClr>
+            </a:solidFill>
+            <a:prstDash val="dash"/>
+          </a:ln>
+        </p:spPr>
+        <p:style>
+          <a:lnRef idx="1">
+            <a:schemeClr val="accent1"/>
+          </a:lnRef>
+          <a:fillRef idx="0">
+            <a:schemeClr val="accent1"/>
+          </a:fillRef>
+          <a:effectRef idx="0">
+            <a:schemeClr val="accent1"/>
+          </a:effectRef>
+          <a:fontRef idx="minor">
+            <a:schemeClr val="tx1"/>
+          </a:fontRef>
+        </p:style>
+      </p:cxnSp>
+      <p:cxnSp>
+        <p:nvCxnSpPr>
+          <p:cNvPr id="8" name="Straight Connector 7">
+            <a:extLst>
+              <a:ext uri="{FF2B5EF4-FFF2-40B4-BE49-F238E27FC236}">
+                <a16:creationId xmlns:a16="http://schemas.microsoft.com/office/drawing/2014/main" id="{A7056B64-3D22-484D-A6DC-5C75C6F9101F}"/>
+              </a:ext>
+            </a:extLst>
+          </p:cNvPr>
+          <p:cNvCxnSpPr>
+            <a:cxnSpLocks/>
+          </p:cNvCxnSpPr>
+          <p:nvPr/>
+        </p:nvCxnSpPr>
+        <p:spPr>
+          <a:xfrm>
+            <a:off x="4023605" y="199413"/>
+            <a:ext cx="0" cy="8985600"/>
+          </a:xfrm>
+          <a:prstGeom prst="line">
+            <a:avLst/>
+          </a:prstGeom>
+          <a:ln w="38100">
+            <a:solidFill>
+              <a:schemeClr val="accent3">
+                <a:lumMod val="60000"/>
+                <a:lumOff val="40000"/>
+              </a:schemeClr>
+            </a:solidFill>
+            <a:prstDash val="dash"/>
+          </a:ln>
+        </p:spPr>
+        <p:style>
+          <a:lnRef idx="1">
+            <a:schemeClr val="accent1"/>
+          </a:lnRef>
+          <a:fillRef idx="0">
+            <a:schemeClr val="accent1"/>
+          </a:fillRef>
+          <a:effectRef idx="0">
+            <a:schemeClr val="accent1"/>
+          </a:effectRef>
+          <a:fontRef idx="minor">
+            <a:schemeClr val="tx1"/>
+          </a:fontRef>
+        </p:style>
+      </p:cxnSp>
+      <p:cxnSp>
+        <p:nvCxnSpPr>
+          <p:cNvPr id="11" name="Straight Connector 10">
+            <a:extLst>
+              <a:ext uri="{FF2B5EF4-FFF2-40B4-BE49-F238E27FC236}">
+                <a16:creationId xmlns:a16="http://schemas.microsoft.com/office/drawing/2014/main" id="{33DAB511-69CD-4848-94C5-E0DA57A9C395}"/>
+              </a:ext>
+            </a:extLst>
+          </p:cNvPr>
+          <p:cNvCxnSpPr>
+            <a:cxnSpLocks/>
+          </p:cNvCxnSpPr>
+          <p:nvPr/>
+        </p:nvCxnSpPr>
+        <p:spPr>
+          <a:xfrm flipV="1">
+            <a:off x="1175953" y="795630"/>
+            <a:ext cx="1160411" cy="1149212"/>
+          </a:xfrm>
+          <a:prstGeom prst="line">
+            <a:avLst/>
+          </a:prstGeom>
+          <a:ln w="57150">
+            <a:solidFill>
+              <a:srgbClr val="FF0000"/>
+            </a:solidFill>
+          </a:ln>
+        </p:spPr>
+        <p:style>
+          <a:lnRef idx="1">
+            <a:schemeClr val="accent1"/>
+          </a:lnRef>
+          <a:fillRef idx="0">
+            <a:schemeClr val="accent1"/>
+          </a:fillRef>
+          <a:effectRef idx="0">
+            <a:schemeClr val="accent1"/>
+          </a:effectRef>
+          <a:fontRef idx="minor">
+            <a:schemeClr val="tx1"/>
+          </a:fontRef>
+        </p:style>
+      </p:cxnSp>
+      <p:cxnSp>
+        <p:nvCxnSpPr>
+          <p:cNvPr id="16" name="Straight Connector 15">
+            <a:extLst>
+              <a:ext uri="{FF2B5EF4-FFF2-40B4-BE49-F238E27FC236}">
+                <a16:creationId xmlns:a16="http://schemas.microsoft.com/office/drawing/2014/main" id="{67733E0A-50EE-43E6-82FA-A8BA354A352C}"/>
+              </a:ext>
+            </a:extLst>
+          </p:cNvPr>
+          <p:cNvCxnSpPr>
+            <a:cxnSpLocks/>
+          </p:cNvCxnSpPr>
+          <p:nvPr/>
+        </p:nvCxnSpPr>
+        <p:spPr>
+          <a:xfrm flipV="1">
+            <a:off x="1175953" y="769063"/>
+            <a:ext cx="2309458" cy="2320521"/>
+          </a:xfrm>
+          <a:prstGeom prst="line">
+            <a:avLst/>
+          </a:prstGeom>
+          <a:ln w="57150">
+            <a:solidFill>
+              <a:srgbClr val="FF0000"/>
+            </a:solidFill>
+          </a:ln>
+        </p:spPr>
+        <p:style>
+          <a:lnRef idx="1">
+            <a:schemeClr val="accent1"/>
+          </a:lnRef>
+          <a:fillRef idx="0">
+            <a:schemeClr val="accent1"/>
+          </a:fillRef>
+          <a:effectRef idx="0">
+            <a:schemeClr val="accent1"/>
+          </a:effectRef>
+          <a:fontRef idx="minor">
+            <a:schemeClr val="tx1"/>
+          </a:fontRef>
+        </p:style>
+      </p:cxnSp>
+      <p:cxnSp>
+        <p:nvCxnSpPr>
+          <p:cNvPr id="18" name="Straight Connector 17">
+            <a:extLst>
+              <a:ext uri="{FF2B5EF4-FFF2-40B4-BE49-F238E27FC236}">
+                <a16:creationId xmlns:a16="http://schemas.microsoft.com/office/drawing/2014/main" id="{7816D579-3B96-4C0D-8362-F0AE37831E54}"/>
+              </a:ext>
+            </a:extLst>
+          </p:cNvPr>
+          <p:cNvCxnSpPr>
+            <a:cxnSpLocks/>
+          </p:cNvCxnSpPr>
+          <p:nvPr/>
+        </p:nvCxnSpPr>
+        <p:spPr>
+          <a:xfrm flipV="1">
+            <a:off x="1142623" y="783195"/>
+            <a:ext cx="3480718" cy="3493078"/>
+          </a:xfrm>
+          <a:prstGeom prst="line">
+            <a:avLst/>
+          </a:prstGeom>
+          <a:ln w="57150">
+            <a:solidFill>
+              <a:srgbClr val="FF0000"/>
+            </a:solidFill>
+          </a:ln>
+        </p:spPr>
+        <p:style>
+          <a:lnRef idx="1">
+            <a:schemeClr val="accent1"/>
+          </a:lnRef>
+          <a:fillRef idx="0">
+            <a:schemeClr val="accent1"/>
+          </a:fillRef>
+          <a:effectRef idx="0">
+            <a:schemeClr val="accent1"/>
+          </a:effectRef>
+          <a:fontRef idx="minor">
+            <a:schemeClr val="tx1"/>
+          </a:fontRef>
+        </p:style>
+      </p:cxnSp>
+      <p:cxnSp>
+        <p:nvCxnSpPr>
+          <p:cNvPr id="21" name="Straight Connector 20">
+            <a:extLst>
+              <a:ext uri="{FF2B5EF4-FFF2-40B4-BE49-F238E27FC236}">
+                <a16:creationId xmlns:a16="http://schemas.microsoft.com/office/drawing/2014/main" id="{1CAA8143-5FF2-4B81-A235-D36BC84D2FF7}"/>
+              </a:ext>
+            </a:extLst>
+          </p:cNvPr>
+          <p:cNvCxnSpPr>
+            <a:cxnSpLocks/>
+          </p:cNvCxnSpPr>
+          <p:nvPr/>
+        </p:nvCxnSpPr>
+        <p:spPr>
+          <a:xfrm flipV="1">
+            <a:off x="1142623" y="788592"/>
+            <a:ext cx="4622973" cy="4578440"/>
+          </a:xfrm>
+          <a:prstGeom prst="line">
+            <a:avLst/>
+          </a:prstGeom>
+          <a:ln w="57150">
+            <a:solidFill>
+              <a:srgbClr val="FF0000"/>
+            </a:solidFill>
+          </a:ln>
+        </p:spPr>
+        <p:style>
+          <a:lnRef idx="1">
+            <a:schemeClr val="accent1"/>
+          </a:lnRef>
+          <a:fillRef idx="0">
+            <a:schemeClr val="accent1"/>
+          </a:fillRef>
+          <a:effectRef idx="0">
+            <a:schemeClr val="accent1"/>
+          </a:effectRef>
+          <a:fontRef idx="minor">
+            <a:schemeClr val="tx1"/>
+          </a:fontRef>
+        </p:style>
+      </p:cxnSp>
+      <p:cxnSp>
+        <p:nvCxnSpPr>
+          <p:cNvPr id="23" name="Straight Connector 22">
+            <a:extLst>
+              <a:ext uri="{FF2B5EF4-FFF2-40B4-BE49-F238E27FC236}">
+                <a16:creationId xmlns:a16="http://schemas.microsoft.com/office/drawing/2014/main" id="{AA877DA4-8ACE-4A4E-BA13-9CF0E4ABC4AF}"/>
+              </a:ext>
+            </a:extLst>
+          </p:cNvPr>
+          <p:cNvCxnSpPr>
+            <a:cxnSpLocks/>
+          </p:cNvCxnSpPr>
+          <p:nvPr/>
+        </p:nvCxnSpPr>
+        <p:spPr>
+          <a:xfrm flipV="1">
+            <a:off x="1142624" y="788595"/>
+            <a:ext cx="5740089" cy="5710950"/>
+          </a:xfrm>
+          <a:prstGeom prst="line">
+            <a:avLst/>
+          </a:prstGeom>
+          <a:ln w="57150">
+            <a:solidFill>
+              <a:srgbClr val="FF0000"/>
+            </a:solidFill>
+          </a:ln>
+        </p:spPr>
+        <p:style>
+          <a:lnRef idx="1">
+            <a:schemeClr val="accent1"/>
+          </a:lnRef>
+          <a:fillRef idx="0">
+            <a:schemeClr val="accent1"/>
+          </a:fillRef>
+          <a:effectRef idx="0">
+            <a:schemeClr val="accent1"/>
+          </a:effectRef>
+          <a:fontRef idx="minor">
+            <a:schemeClr val="tx1"/>
+          </a:fontRef>
+        </p:style>
+      </p:cxnSp>
+      <p:cxnSp>
+        <p:nvCxnSpPr>
+          <p:cNvPr id="25" name="Straight Connector 24">
+            <a:extLst>
+              <a:ext uri="{FF2B5EF4-FFF2-40B4-BE49-F238E27FC236}">
+                <a16:creationId xmlns:a16="http://schemas.microsoft.com/office/drawing/2014/main" id="{3C4121AE-8FB4-440D-BA75-6AABCBF9C113}"/>
+              </a:ext>
+            </a:extLst>
+          </p:cNvPr>
+          <p:cNvCxnSpPr>
+            <a:cxnSpLocks/>
+          </p:cNvCxnSpPr>
+          <p:nvPr/>
+        </p:nvCxnSpPr>
+        <p:spPr>
+          <a:xfrm flipV="1">
+            <a:off x="2290139" y="1909828"/>
+            <a:ext cx="4617871" cy="4589717"/>
+          </a:xfrm>
+          <a:prstGeom prst="line">
+            <a:avLst/>
+          </a:prstGeom>
+          <a:ln w="57150">
+            <a:solidFill>
+              <a:srgbClr val="FF0000"/>
+            </a:solidFill>
+          </a:ln>
+        </p:spPr>
+        <p:style>
+          <a:lnRef idx="1">
+            <a:schemeClr val="accent1"/>
+          </a:lnRef>
+          <a:fillRef idx="0">
+            <a:schemeClr val="accent1"/>
+          </a:fillRef>
+          <a:effectRef idx="0">
+            <a:schemeClr val="accent1"/>
+          </a:effectRef>
+          <a:fontRef idx="minor">
+            <a:schemeClr val="tx1"/>
+          </a:fontRef>
+        </p:style>
+      </p:cxnSp>
+      <p:cxnSp>
+        <p:nvCxnSpPr>
+          <p:cNvPr id="26" name="Straight Connector 25">
+            <a:extLst>
+              <a:ext uri="{FF2B5EF4-FFF2-40B4-BE49-F238E27FC236}">
+                <a16:creationId xmlns:a16="http://schemas.microsoft.com/office/drawing/2014/main" id="{E1157E9F-F7A7-4D32-82EE-B69D9F8B2678}"/>
+              </a:ext>
+            </a:extLst>
+          </p:cNvPr>
+          <p:cNvCxnSpPr>
+            <a:cxnSpLocks/>
+          </p:cNvCxnSpPr>
+          <p:nvPr/>
+        </p:nvCxnSpPr>
+        <p:spPr>
+          <a:xfrm flipV="1">
+            <a:off x="3424840" y="3072203"/>
+            <a:ext cx="3441011" cy="3436071"/>
+          </a:xfrm>
+          <a:prstGeom prst="line">
+            <a:avLst/>
+          </a:prstGeom>
+          <a:ln w="57150">
+            <a:solidFill>
+              <a:srgbClr val="FF0000"/>
+            </a:solidFill>
+          </a:ln>
+        </p:spPr>
+        <p:style>
+          <a:lnRef idx="1">
+            <a:schemeClr val="accent1"/>
+          </a:lnRef>
+          <a:fillRef idx="0">
+            <a:schemeClr val="accent1"/>
+          </a:fillRef>
+          <a:effectRef idx="0">
+            <a:schemeClr val="accent1"/>
+          </a:effectRef>
+          <a:fontRef idx="minor">
+            <a:schemeClr val="tx1"/>
+          </a:fontRef>
+        </p:style>
+      </p:cxnSp>
+      <p:cxnSp>
+        <p:nvCxnSpPr>
+          <p:cNvPr id="27" name="Straight Connector 26">
+            <a:extLst>
+              <a:ext uri="{FF2B5EF4-FFF2-40B4-BE49-F238E27FC236}">
+                <a16:creationId xmlns:a16="http://schemas.microsoft.com/office/drawing/2014/main" id="{80CCEBB0-1E6F-449D-95A3-A0FE196771C3}"/>
+              </a:ext>
+            </a:extLst>
+          </p:cNvPr>
+          <p:cNvCxnSpPr>
+            <a:cxnSpLocks/>
+          </p:cNvCxnSpPr>
+          <p:nvPr/>
+        </p:nvCxnSpPr>
+        <p:spPr>
+          <a:xfrm flipV="1">
+            <a:off x="5701942" y="5367032"/>
+            <a:ext cx="1133596" cy="1141242"/>
+          </a:xfrm>
+          <a:prstGeom prst="line">
+            <a:avLst/>
+          </a:prstGeom>
+          <a:ln w="57150">
+            <a:solidFill>
+              <a:srgbClr val="FF0000"/>
+            </a:solidFill>
+          </a:ln>
+        </p:spPr>
+        <p:style>
+          <a:lnRef idx="1">
+            <a:schemeClr val="accent1"/>
+          </a:lnRef>
+          <a:fillRef idx="0">
+            <a:schemeClr val="accent1"/>
+          </a:fillRef>
+          <a:effectRef idx="0">
+            <a:schemeClr val="accent1"/>
+          </a:effectRef>
+          <a:fontRef idx="minor">
+            <a:schemeClr val="tx1"/>
+          </a:fontRef>
+        </p:style>
+      </p:cxnSp>
+      <p:cxnSp>
+        <p:nvCxnSpPr>
+          <p:cNvPr id="28" name="Straight Connector 27">
+            <a:extLst>
+              <a:ext uri="{FF2B5EF4-FFF2-40B4-BE49-F238E27FC236}">
+                <a16:creationId xmlns:a16="http://schemas.microsoft.com/office/drawing/2014/main" id="{B1A5C0C5-383B-44C2-AA4D-2AA1FDFE43F6}"/>
+              </a:ext>
+            </a:extLst>
+          </p:cNvPr>
+          <p:cNvCxnSpPr>
+            <a:cxnSpLocks/>
+          </p:cNvCxnSpPr>
+          <p:nvPr/>
+        </p:nvCxnSpPr>
+        <p:spPr>
+          <a:xfrm flipV="1">
+            <a:off x="4600068" y="4231883"/>
+            <a:ext cx="2277423" cy="2245450"/>
+          </a:xfrm>
+          <a:prstGeom prst="line">
+            <a:avLst/>
+          </a:prstGeom>
+          <a:ln w="57150">
+            <a:solidFill>
+              <a:srgbClr val="FF0000"/>
+            </a:solidFill>
+          </a:ln>
+        </p:spPr>
+        <p:style>
+          <a:lnRef idx="1">
+            <a:schemeClr val="accent1"/>
+          </a:lnRef>
+          <a:fillRef idx="0">
+            <a:schemeClr val="accent1"/>
+          </a:fillRef>
+          <a:effectRef idx="0">
+            <a:schemeClr val="accent1"/>
+          </a:effectRef>
+          <a:fontRef idx="minor">
+            <a:schemeClr val="tx1"/>
+          </a:fontRef>
+        </p:style>
+      </p:cxnSp>
+      <p:grpSp>
+        <p:nvGrpSpPr>
+          <p:cNvPr id="38" name="Group 37">
+            <a:extLst>
+              <a:ext uri="{FF2B5EF4-FFF2-40B4-BE49-F238E27FC236}">
+                <a16:creationId xmlns:a16="http://schemas.microsoft.com/office/drawing/2014/main" id="{E255C07C-5229-4674-9939-D6B425537B8C}"/>
+              </a:ext>
+            </a:extLst>
+          </p:cNvPr>
+          <p:cNvGrpSpPr/>
+          <p:nvPr/>
+        </p:nvGrpSpPr>
+        <p:grpSpPr>
+          <a:xfrm rot="16200000">
+            <a:off x="1191472" y="755790"/>
+            <a:ext cx="5711674" cy="5793302"/>
+            <a:chOff x="3195140" y="404070"/>
+            <a:chExt cx="5711674" cy="5793302"/>
+          </a:xfrm>
+        </p:grpSpPr>
+        <p:cxnSp>
+          <p:nvCxnSpPr>
+            <p:cNvPr id="29" name="Straight Connector 28">
+              <a:extLst>
+                <a:ext uri="{FF2B5EF4-FFF2-40B4-BE49-F238E27FC236}">
+                  <a16:creationId xmlns:a16="http://schemas.microsoft.com/office/drawing/2014/main" id="{32E0868D-03BF-4481-B173-6C524D868E8E}"/>
+                </a:ext>
+              </a:extLst>
+            </p:cNvPr>
+            <p:cNvCxnSpPr>
+              <a:cxnSpLocks/>
+            </p:cNvCxnSpPr>
+            <p:nvPr/>
+          </p:nvCxnSpPr>
+          <p:spPr>
+            <a:xfrm rot="5400000" flipH="1" flipV="1">
+              <a:off x="3205101" y="443170"/>
+              <a:ext cx="1163909" cy="1166371"/>
+            </a:xfrm>
+            <a:prstGeom prst="line">
+              <a:avLst/>
+            </a:prstGeom>
+            <a:ln w="57150">
+              <a:solidFill>
+                <a:srgbClr val="FF0000"/>
+              </a:solidFill>
+            </a:ln>
+          </p:spPr>
+          <p:style>
+            <a:lnRef idx="1">
+              <a:schemeClr val="accent1"/>
+            </a:lnRef>
+            <a:fillRef idx="0">
+              <a:schemeClr val="accent1"/>
+            </a:fillRef>
+            <a:effectRef idx="0">
+              <a:schemeClr val="accent1"/>
+            </a:effectRef>
+            <a:fontRef idx="minor">
+              <a:schemeClr val="tx1"/>
+            </a:fontRef>
+          </p:style>
+        </p:cxnSp>
+        <p:cxnSp>
+          <p:nvCxnSpPr>
+            <p:cNvPr id="30" name="Straight Connector 29">
+              <a:extLst>
+                <a:ext uri="{FF2B5EF4-FFF2-40B4-BE49-F238E27FC236}">
+                  <a16:creationId xmlns:a16="http://schemas.microsoft.com/office/drawing/2014/main" id="{5876B4D9-5BBC-4823-A5E3-A63FFC6DDE9C}"/>
+                </a:ext>
+              </a:extLst>
+            </p:cNvPr>
+            <p:cNvCxnSpPr>
+              <a:cxnSpLocks/>
+            </p:cNvCxnSpPr>
+            <p:nvPr/>
+          </p:nvCxnSpPr>
+          <p:spPr>
+            <a:xfrm rot="5400000" flipH="1" flipV="1">
+              <a:off x="3237314" y="468757"/>
+              <a:ext cx="2245537" cy="2238653"/>
+            </a:xfrm>
+            <a:prstGeom prst="line">
+              <a:avLst/>
+            </a:prstGeom>
+            <a:ln w="57150">
+              <a:solidFill>
+                <a:srgbClr val="FF0000"/>
+              </a:solidFill>
+            </a:ln>
+          </p:spPr>
+          <p:style>
+            <a:lnRef idx="1">
+              <a:schemeClr val="accent1"/>
+            </a:lnRef>
+            <a:fillRef idx="0">
+              <a:schemeClr val="accent1"/>
+            </a:fillRef>
+            <a:effectRef idx="0">
+              <a:schemeClr val="accent1"/>
+            </a:effectRef>
+            <a:fontRef idx="minor">
+              <a:schemeClr val="tx1"/>
+            </a:fontRef>
+          </p:style>
+        </p:cxnSp>
+        <p:cxnSp>
+          <p:nvCxnSpPr>
+            <p:cNvPr id="31" name="Straight Connector 30">
+              <a:extLst>
+                <a:ext uri="{FF2B5EF4-FFF2-40B4-BE49-F238E27FC236}">
+                  <a16:creationId xmlns:a16="http://schemas.microsoft.com/office/drawing/2014/main" id="{DD8D3090-F5E2-4599-9A6C-FA879E57DB92}"/>
+                </a:ext>
+              </a:extLst>
+            </p:cNvPr>
+            <p:cNvCxnSpPr>
+              <a:cxnSpLocks/>
+            </p:cNvCxnSpPr>
+            <p:nvPr/>
+          </p:nvCxnSpPr>
+          <p:spPr>
+            <a:xfrm rot="5400000" flipH="1" flipV="1">
+              <a:off x="3213195" y="386016"/>
+              <a:ext cx="3481341" cy="3517450"/>
+            </a:xfrm>
+            <a:prstGeom prst="line">
+              <a:avLst/>
+            </a:prstGeom>
+            <a:ln w="57150">
+              <a:solidFill>
+                <a:srgbClr val="FF0000"/>
+              </a:solidFill>
+            </a:ln>
+          </p:spPr>
+          <p:style>
+            <a:lnRef idx="1">
+              <a:schemeClr val="accent1"/>
+            </a:lnRef>
+            <a:fillRef idx="0">
+              <a:schemeClr val="accent1"/>
+            </a:fillRef>
+            <a:effectRef idx="0">
+              <a:schemeClr val="accent1"/>
+            </a:effectRef>
+            <a:fontRef idx="minor">
+              <a:schemeClr val="tx1"/>
+            </a:fontRef>
+          </p:style>
+        </p:cxnSp>
+        <p:cxnSp>
+          <p:nvCxnSpPr>
+            <p:cNvPr id="32" name="Straight Connector 31">
+              <a:extLst>
+                <a:ext uri="{FF2B5EF4-FFF2-40B4-BE49-F238E27FC236}">
+                  <a16:creationId xmlns:a16="http://schemas.microsoft.com/office/drawing/2014/main" id="{36DBA2F0-DD2A-4781-839B-7652628B054A}"/>
+                </a:ext>
+              </a:extLst>
+            </p:cNvPr>
+            <p:cNvCxnSpPr>
+              <a:cxnSpLocks/>
+            </p:cNvCxnSpPr>
+            <p:nvPr/>
+          </p:nvCxnSpPr>
+          <p:spPr>
+            <a:xfrm rot="5400000" flipH="1" flipV="1">
+              <a:off x="3204376" y="464809"/>
+              <a:ext cx="4553693" cy="4554705"/>
+            </a:xfrm>
+            <a:prstGeom prst="line">
+              <a:avLst/>
+            </a:prstGeom>
+            <a:ln w="57150">
+              <a:solidFill>
+                <a:srgbClr val="FF0000"/>
+              </a:solidFill>
+            </a:ln>
+          </p:spPr>
+          <p:style>
+            <a:lnRef idx="1">
+              <a:schemeClr val="accent1"/>
+            </a:lnRef>
+            <a:fillRef idx="0">
+              <a:schemeClr val="accent1"/>
+            </a:fillRef>
+            <a:effectRef idx="0">
+              <a:schemeClr val="accent1"/>
+            </a:effectRef>
+            <a:fontRef idx="minor">
+              <a:schemeClr val="tx1"/>
+            </a:fontRef>
+          </p:style>
+        </p:cxnSp>
+        <p:cxnSp>
+          <p:nvCxnSpPr>
+            <p:cNvPr id="33" name="Straight Connector 32">
+              <a:extLst>
+                <a:ext uri="{FF2B5EF4-FFF2-40B4-BE49-F238E27FC236}">
+                  <a16:creationId xmlns:a16="http://schemas.microsoft.com/office/drawing/2014/main" id="{B2FBAB20-05F2-4C0B-91B0-95A5D6263952}"/>
+                </a:ext>
+              </a:extLst>
+            </p:cNvPr>
+            <p:cNvCxnSpPr>
+              <a:cxnSpLocks/>
+            </p:cNvCxnSpPr>
+            <p:nvPr/>
+          </p:nvCxnSpPr>
+          <p:spPr>
+            <a:xfrm rot="5400000" flipH="1" flipV="1">
+              <a:off x="3218750" y="566972"/>
+              <a:ext cx="5540324" cy="5587543"/>
+            </a:xfrm>
+            <a:prstGeom prst="line">
+              <a:avLst/>
+            </a:prstGeom>
+            <a:ln w="57150">
+              <a:solidFill>
+                <a:srgbClr val="FF0000"/>
+              </a:solidFill>
+            </a:ln>
+          </p:spPr>
+          <p:style>
+            <a:lnRef idx="1">
+              <a:schemeClr val="accent1"/>
+            </a:lnRef>
+            <a:fillRef idx="0">
+              <a:schemeClr val="accent1"/>
+            </a:fillRef>
+            <a:effectRef idx="0">
+              <a:schemeClr val="accent1"/>
+            </a:effectRef>
+            <a:fontRef idx="minor">
+              <a:schemeClr val="tx1"/>
+            </a:fontRef>
+          </p:style>
+        </p:cxnSp>
+        <p:cxnSp>
+          <p:nvCxnSpPr>
+            <p:cNvPr id="34" name="Straight Connector 33">
+              <a:extLst>
+                <a:ext uri="{FF2B5EF4-FFF2-40B4-BE49-F238E27FC236}">
+                  <a16:creationId xmlns:a16="http://schemas.microsoft.com/office/drawing/2014/main" id="{B0C20E65-6E4D-4E4F-8BCF-80DE6A433CE2}"/>
+                </a:ext>
+              </a:extLst>
+            </p:cNvPr>
+            <p:cNvCxnSpPr>
+              <a:cxnSpLocks/>
+            </p:cNvCxnSpPr>
+            <p:nvPr/>
+          </p:nvCxnSpPr>
+          <p:spPr>
+            <a:xfrm rot="5400000" flipH="1" flipV="1">
+              <a:off x="4355061" y="1579876"/>
+              <a:ext cx="4533077" cy="4568983"/>
+            </a:xfrm>
+            <a:prstGeom prst="line">
+              <a:avLst/>
+            </a:prstGeom>
+            <a:ln w="57150">
+              <a:solidFill>
+                <a:srgbClr val="FF0000"/>
+              </a:solidFill>
+            </a:ln>
+          </p:spPr>
+          <p:style>
+            <a:lnRef idx="1">
+              <a:schemeClr val="accent1"/>
+            </a:lnRef>
+            <a:fillRef idx="0">
+              <a:schemeClr val="accent1"/>
+            </a:fillRef>
+            <a:effectRef idx="0">
+              <a:schemeClr val="accent1"/>
+            </a:effectRef>
+            <a:fontRef idx="minor">
+              <a:schemeClr val="tx1"/>
+            </a:fontRef>
+          </p:style>
+        </p:cxnSp>
+        <p:cxnSp>
+          <p:nvCxnSpPr>
+            <p:cNvPr id="35" name="Straight Connector 34">
+              <a:extLst>
+                <a:ext uri="{FF2B5EF4-FFF2-40B4-BE49-F238E27FC236}">
+                  <a16:creationId xmlns:a16="http://schemas.microsoft.com/office/drawing/2014/main" id="{5CB72D3A-815D-422A-BBA4-4418894F983B}"/>
+                </a:ext>
+              </a:extLst>
+            </p:cNvPr>
+            <p:cNvCxnSpPr>
+              <a:cxnSpLocks/>
+            </p:cNvCxnSpPr>
+            <p:nvPr/>
+          </p:nvCxnSpPr>
+          <p:spPr>
+            <a:xfrm rot="5400000" flipH="1" flipV="1">
+              <a:off x="5467385" y="2715001"/>
+              <a:ext cx="3442853" cy="3434558"/>
+            </a:xfrm>
+            <a:prstGeom prst="line">
+              <a:avLst/>
+            </a:prstGeom>
+            <a:ln w="57150">
+              <a:solidFill>
+                <a:srgbClr val="FF0000"/>
+              </a:solidFill>
+            </a:ln>
+          </p:spPr>
+          <p:style>
+            <a:lnRef idx="1">
+              <a:schemeClr val="accent1"/>
+            </a:lnRef>
+            <a:fillRef idx="0">
+              <a:schemeClr val="accent1"/>
+            </a:fillRef>
+            <a:effectRef idx="0">
+              <a:schemeClr val="accent1"/>
+            </a:effectRef>
+            <a:fontRef idx="minor">
+              <a:schemeClr val="tx1"/>
+            </a:fontRef>
+          </p:style>
+        </p:cxnSp>
+        <p:cxnSp>
+          <p:nvCxnSpPr>
+            <p:cNvPr id="36" name="Straight Connector 35">
+              <a:extLst>
+                <a:ext uri="{FF2B5EF4-FFF2-40B4-BE49-F238E27FC236}">
+                  <a16:creationId xmlns:a16="http://schemas.microsoft.com/office/drawing/2014/main" id="{BC52501F-62FF-428A-BA83-D782AE8F88B0}"/>
+                </a:ext>
+              </a:extLst>
+            </p:cNvPr>
+            <p:cNvCxnSpPr>
+              <a:cxnSpLocks/>
+            </p:cNvCxnSpPr>
+            <p:nvPr/>
+          </p:nvCxnSpPr>
+          <p:spPr>
+            <a:xfrm rot="5400000" flipH="1" flipV="1">
+              <a:off x="7691010" y="4981568"/>
+              <a:ext cx="1220364" cy="1211244"/>
+            </a:xfrm>
+            <a:prstGeom prst="line">
+              <a:avLst/>
+            </a:prstGeom>
+            <a:ln w="57150">
+              <a:solidFill>
+                <a:srgbClr val="FF0000"/>
+              </a:solidFill>
+            </a:ln>
+          </p:spPr>
+          <p:style>
+            <a:lnRef idx="1">
+              <a:schemeClr val="accent1"/>
+            </a:lnRef>
+            <a:fillRef idx="0">
+              <a:schemeClr val="accent1"/>
+            </a:fillRef>
+            <a:effectRef idx="0">
+              <a:schemeClr val="accent1"/>
+            </a:effectRef>
+            <a:fontRef idx="minor">
+              <a:schemeClr val="tx1"/>
+            </a:fontRef>
+          </p:style>
+        </p:cxnSp>
+        <p:cxnSp>
+          <p:nvCxnSpPr>
+            <p:cNvPr id="37" name="Straight Connector 36">
+              <a:extLst>
+                <a:ext uri="{FF2B5EF4-FFF2-40B4-BE49-F238E27FC236}">
+                  <a16:creationId xmlns:a16="http://schemas.microsoft.com/office/drawing/2014/main" id="{789F326C-8DF8-4FB5-97BC-D1774FA38580}"/>
+                </a:ext>
+              </a:extLst>
+            </p:cNvPr>
+            <p:cNvCxnSpPr>
+              <a:cxnSpLocks/>
+            </p:cNvCxnSpPr>
+            <p:nvPr/>
+          </p:nvCxnSpPr>
+          <p:spPr>
+            <a:xfrm rot="5400000" flipH="1" flipV="1">
+              <a:off x="6613253" y="3915269"/>
+              <a:ext cx="2229988" cy="2246887"/>
+            </a:xfrm>
+            <a:prstGeom prst="line">
+              <a:avLst/>
+            </a:prstGeom>
+            <a:ln w="57150">
+              <a:solidFill>
+                <a:srgbClr val="FF0000"/>
+              </a:solidFill>
+            </a:ln>
+          </p:spPr>
+          <p:style>
+            <a:lnRef idx="1">
+              <a:schemeClr val="accent1"/>
+            </a:lnRef>
+            <a:fillRef idx="0">
+              <a:schemeClr val="accent1"/>
+            </a:fillRef>
+            <a:effectRef idx="0">
+              <a:schemeClr val="accent1"/>
+            </a:effectRef>
+            <a:fontRef idx="minor">
+              <a:schemeClr val="tx1"/>
+            </a:fontRef>
+          </p:style>
+        </p:cxnSp>
+      </p:grpSp>
+      <p:sp>
+        <p:nvSpPr>
+          <p:cNvPr id="39" name="Oval 38">
+            <a:extLst>
+              <a:ext uri="{FF2B5EF4-FFF2-40B4-BE49-F238E27FC236}">
+                <a16:creationId xmlns:a16="http://schemas.microsoft.com/office/drawing/2014/main" id="{07B915AA-EEDF-4DA2-B7E5-4E257517422F}"/>
+              </a:ext>
+            </a:extLst>
+          </p:cNvPr>
+          <p:cNvSpPr/>
+          <p:nvPr/>
+        </p:nvSpPr>
+        <p:spPr>
+          <a:xfrm>
+            <a:off x="2801749" y="1231309"/>
+            <a:ext cx="199489" cy="218469"/>
+          </a:xfrm>
+          <a:prstGeom prst="ellipse">
+            <a:avLst/>
+          </a:prstGeom>
+          <a:solidFill>
+            <a:srgbClr val="FFFF00"/>
+          </a:solidFill>
+          <a:ln>
+            <a:solidFill>
+              <a:srgbClr val="FFFF00"/>
+            </a:solidFill>
+          </a:ln>
+        </p:spPr>
+        <p:style>
+          <a:lnRef idx="2">
+            <a:schemeClr val="accent1">
+              <a:shade val="50000"/>
+            </a:schemeClr>
+          </a:lnRef>
+          <a:fillRef idx="1">
+            <a:schemeClr val="accent1"/>
+          </a:fillRef>
+          <a:effectRef idx="0">
+            <a:schemeClr val="accent1"/>
+          </a:effectRef>
+          <a:fontRef idx="minor">
+            <a:schemeClr val="lt1"/>
+          </a:fontRef>
+        </p:style>
+        <p:txBody>
+          <a:bodyPr rtlCol="0" anchor="ctr"/>
+          <a:lstStyle/>
+          <a:p>
+            <a:pPr algn="ctr"/>
+            <a:endParaRPr lang="en-GB"/>
+          </a:p>
+        </p:txBody>
+      </p:sp>
+      <p:sp>
+        <p:nvSpPr>
+          <p:cNvPr id="40" name="Oval 39">
+            <a:extLst>
+              <a:ext uri="{FF2B5EF4-FFF2-40B4-BE49-F238E27FC236}">
+                <a16:creationId xmlns:a16="http://schemas.microsoft.com/office/drawing/2014/main" id="{508DF61C-79E0-4907-89D5-C07DC18A6AF8}"/>
+              </a:ext>
+            </a:extLst>
+          </p:cNvPr>
+          <p:cNvSpPr/>
+          <p:nvPr/>
+        </p:nvSpPr>
+        <p:spPr>
+          <a:xfrm>
+            <a:off x="6226917" y="4681003"/>
+            <a:ext cx="199489" cy="218469"/>
+          </a:xfrm>
+          <a:prstGeom prst="ellipse">
+            <a:avLst/>
+          </a:prstGeom>
+          <a:solidFill>
+            <a:srgbClr val="FFFF00"/>
+          </a:solidFill>
+          <a:ln>
+            <a:solidFill>
+              <a:srgbClr val="FFFF00"/>
+            </a:solidFill>
+          </a:ln>
+        </p:spPr>
+        <p:style>
+          <a:lnRef idx="2">
+            <a:schemeClr val="accent1">
+              <a:shade val="50000"/>
+            </a:schemeClr>
+          </a:lnRef>
+          <a:fillRef idx="1">
+            <a:schemeClr val="accent1"/>
+          </a:fillRef>
+          <a:effectRef idx="0">
+            <a:schemeClr val="accent1"/>
+          </a:effectRef>
+          <a:fontRef idx="minor">
+            <a:schemeClr val="lt1"/>
+          </a:fontRef>
+        </p:style>
+        <p:txBody>
+          <a:bodyPr rtlCol="0" anchor="ctr"/>
+          <a:lstStyle/>
+          <a:p>
+            <a:pPr algn="ctr"/>
+            <a:endParaRPr lang="en-GB"/>
+          </a:p>
+        </p:txBody>
+      </p:sp>
+      <p:sp>
+        <p:nvSpPr>
+          <p:cNvPr id="41" name="Oval 40">
+            <a:extLst>
+              <a:ext uri="{FF2B5EF4-FFF2-40B4-BE49-F238E27FC236}">
+                <a16:creationId xmlns:a16="http://schemas.microsoft.com/office/drawing/2014/main" id="{75B773B1-9848-4EC6-A1B9-4CECC9B0DF7A}"/>
+              </a:ext>
+            </a:extLst>
+          </p:cNvPr>
+          <p:cNvSpPr/>
+          <p:nvPr/>
+        </p:nvSpPr>
+        <p:spPr>
+          <a:xfrm>
+            <a:off x="2801749" y="5786882"/>
+            <a:ext cx="199489" cy="218469"/>
+          </a:xfrm>
+          <a:prstGeom prst="ellipse">
+            <a:avLst/>
+          </a:prstGeom>
+          <a:solidFill>
+            <a:srgbClr val="FFFF00"/>
+          </a:solidFill>
+          <a:ln>
+            <a:solidFill>
+              <a:srgbClr val="FFFF00"/>
+            </a:solidFill>
+          </a:ln>
+        </p:spPr>
+        <p:style>
+          <a:lnRef idx="2">
+            <a:schemeClr val="accent1">
+              <a:shade val="50000"/>
+            </a:schemeClr>
+          </a:lnRef>
+          <a:fillRef idx="1">
+            <a:schemeClr val="accent1"/>
+          </a:fillRef>
+          <a:effectRef idx="0">
+            <a:schemeClr val="accent1"/>
+          </a:effectRef>
+          <a:fontRef idx="minor">
+            <a:schemeClr val="lt1"/>
+          </a:fontRef>
+        </p:style>
+        <p:txBody>
+          <a:bodyPr rtlCol="0" anchor="ctr"/>
+          <a:lstStyle/>
+          <a:p>
+            <a:pPr algn="ctr"/>
+            <a:endParaRPr lang="en-GB"/>
+          </a:p>
+        </p:txBody>
+      </p:sp>
+      <p:sp>
+        <p:nvSpPr>
+          <p:cNvPr id="42" name="Oval 41">
+            <a:extLst>
+              <a:ext uri="{FF2B5EF4-FFF2-40B4-BE49-F238E27FC236}">
+                <a16:creationId xmlns:a16="http://schemas.microsoft.com/office/drawing/2014/main" id="{0D06B149-518F-4ECC-B143-5F2312EAE5D5}"/>
+              </a:ext>
+            </a:extLst>
+          </p:cNvPr>
+          <p:cNvSpPr/>
+          <p:nvPr/>
+        </p:nvSpPr>
+        <p:spPr>
+          <a:xfrm>
+            <a:off x="1652200" y="2388345"/>
+            <a:ext cx="199489" cy="218469"/>
+          </a:xfrm>
+          <a:prstGeom prst="ellipse">
+            <a:avLst/>
+          </a:prstGeom>
+          <a:solidFill>
+            <a:srgbClr val="FFFF00"/>
+          </a:solidFill>
+          <a:ln>
+            <a:solidFill>
+              <a:srgbClr val="FFFF00"/>
+            </a:solidFill>
+          </a:ln>
+        </p:spPr>
+        <p:style>
+          <a:lnRef idx="2">
+            <a:schemeClr val="accent1">
+              <a:shade val="50000"/>
+            </a:schemeClr>
+          </a:lnRef>
+          <a:fillRef idx="1">
+            <a:schemeClr val="accent1"/>
+          </a:fillRef>
+          <a:effectRef idx="0">
+            <a:schemeClr val="accent1"/>
+          </a:effectRef>
+          <a:fontRef idx="minor">
+            <a:schemeClr val="lt1"/>
+          </a:fontRef>
+        </p:style>
+        <p:txBody>
+          <a:bodyPr rtlCol="0" anchor="ctr"/>
+          <a:lstStyle/>
+          <a:p>
+            <a:pPr algn="ctr"/>
+            <a:endParaRPr lang="en-GB"/>
+          </a:p>
+        </p:txBody>
+      </p:sp>
+      <p:sp>
+        <p:nvSpPr>
+          <p:cNvPr id="43" name="Oval 42">
+            <a:extLst>
+              <a:ext uri="{FF2B5EF4-FFF2-40B4-BE49-F238E27FC236}">
+                <a16:creationId xmlns:a16="http://schemas.microsoft.com/office/drawing/2014/main" id="{04E7AEE6-F6AA-4ABC-8A4E-48763FA244A4}"/>
+              </a:ext>
+            </a:extLst>
+          </p:cNvPr>
+          <p:cNvSpPr/>
+          <p:nvPr/>
+        </p:nvSpPr>
+        <p:spPr>
+          <a:xfrm>
+            <a:off x="1660123" y="4660287"/>
+            <a:ext cx="199489" cy="218469"/>
+          </a:xfrm>
+          <a:prstGeom prst="ellipse">
+            <a:avLst/>
+          </a:prstGeom>
+          <a:solidFill>
+            <a:srgbClr val="FFFF00"/>
+          </a:solidFill>
+          <a:ln>
+            <a:solidFill>
+              <a:srgbClr val="FFFF00"/>
+            </a:solidFill>
+          </a:ln>
+        </p:spPr>
+        <p:style>
+          <a:lnRef idx="2">
+            <a:schemeClr val="accent1">
+              <a:shade val="50000"/>
+            </a:schemeClr>
+          </a:lnRef>
+          <a:fillRef idx="1">
+            <a:schemeClr val="accent1"/>
+          </a:fillRef>
+          <a:effectRef idx="0">
+            <a:schemeClr val="accent1"/>
+          </a:effectRef>
+          <a:fontRef idx="minor">
+            <a:schemeClr val="lt1"/>
+          </a:fontRef>
+        </p:style>
+        <p:txBody>
+          <a:bodyPr rtlCol="0" anchor="ctr"/>
+          <a:lstStyle/>
+          <a:p>
+            <a:pPr algn="ctr"/>
+            <a:endParaRPr lang="en-GB"/>
+          </a:p>
+        </p:txBody>
+      </p:sp>
+      <p:sp>
+        <p:nvSpPr>
+          <p:cNvPr id="44" name="Oval 43">
+            <a:extLst>
+              <a:ext uri="{FF2B5EF4-FFF2-40B4-BE49-F238E27FC236}">
+                <a16:creationId xmlns:a16="http://schemas.microsoft.com/office/drawing/2014/main" id="{3A1D314B-53D6-4545-A63F-2BB09FAC31CD}"/>
+              </a:ext>
+            </a:extLst>
+          </p:cNvPr>
+          <p:cNvSpPr/>
+          <p:nvPr/>
+        </p:nvSpPr>
+        <p:spPr>
+          <a:xfrm>
+            <a:off x="5045699" y="1248467"/>
+            <a:ext cx="199489" cy="218469"/>
+          </a:xfrm>
+          <a:prstGeom prst="ellipse">
+            <a:avLst/>
+          </a:prstGeom>
+          <a:solidFill>
+            <a:srgbClr val="FFFF00"/>
+          </a:solidFill>
+          <a:ln>
+            <a:solidFill>
+              <a:srgbClr val="FFFF00"/>
+            </a:solidFill>
+          </a:ln>
+        </p:spPr>
+        <p:style>
+          <a:lnRef idx="2">
+            <a:schemeClr val="accent1">
+              <a:shade val="50000"/>
+            </a:schemeClr>
+          </a:lnRef>
+          <a:fillRef idx="1">
+            <a:schemeClr val="accent1"/>
+          </a:fillRef>
+          <a:effectRef idx="0">
+            <a:schemeClr val="accent1"/>
+          </a:effectRef>
+          <a:fontRef idx="minor">
+            <a:schemeClr val="lt1"/>
+          </a:fontRef>
+        </p:style>
+        <p:txBody>
+          <a:bodyPr rtlCol="0" anchor="ctr"/>
+          <a:lstStyle/>
+          <a:p>
+            <a:pPr algn="ctr"/>
+            <a:endParaRPr lang="en-GB"/>
+          </a:p>
+        </p:txBody>
+      </p:sp>
+      <p:sp>
+        <p:nvSpPr>
+          <p:cNvPr id="45" name="Oval 44">
+            <a:extLst>
+              <a:ext uri="{FF2B5EF4-FFF2-40B4-BE49-F238E27FC236}">
+                <a16:creationId xmlns:a16="http://schemas.microsoft.com/office/drawing/2014/main" id="{05B6981E-74AC-46F4-9F25-BD43AD793F8C}"/>
+              </a:ext>
+            </a:extLst>
+          </p:cNvPr>
+          <p:cNvSpPr/>
+          <p:nvPr/>
+        </p:nvSpPr>
+        <p:spPr>
+          <a:xfrm>
+            <a:off x="5067830" y="5769504"/>
+            <a:ext cx="199489" cy="218469"/>
+          </a:xfrm>
+          <a:prstGeom prst="ellipse">
+            <a:avLst/>
+          </a:prstGeom>
+          <a:solidFill>
+            <a:srgbClr val="FFFF00"/>
+          </a:solidFill>
+          <a:ln>
+            <a:solidFill>
+              <a:srgbClr val="FFFF00"/>
+            </a:solidFill>
+          </a:ln>
+        </p:spPr>
+        <p:style>
+          <a:lnRef idx="2">
+            <a:schemeClr val="accent1">
+              <a:shade val="50000"/>
+            </a:schemeClr>
+          </a:lnRef>
+          <a:fillRef idx="1">
+            <a:schemeClr val="accent1"/>
+          </a:fillRef>
+          <a:effectRef idx="0">
+            <a:schemeClr val="accent1"/>
+          </a:effectRef>
+          <a:fontRef idx="minor">
+            <a:schemeClr val="lt1"/>
+          </a:fontRef>
+        </p:style>
+        <p:txBody>
+          <a:bodyPr rtlCol="0" anchor="ctr"/>
+          <a:lstStyle/>
+          <a:p>
+            <a:pPr algn="ctr"/>
+            <a:endParaRPr lang="en-GB"/>
+          </a:p>
+        </p:txBody>
+      </p:sp>
+      <p:sp>
+        <p:nvSpPr>
+          <p:cNvPr id="46" name="Oval 45">
+            <a:extLst>
+              <a:ext uri="{FF2B5EF4-FFF2-40B4-BE49-F238E27FC236}">
+                <a16:creationId xmlns:a16="http://schemas.microsoft.com/office/drawing/2014/main" id="{51D8EA36-64F6-4207-ADF2-FFB2D759682D}"/>
+              </a:ext>
+            </a:extLst>
+          </p:cNvPr>
+          <p:cNvSpPr/>
+          <p:nvPr/>
+        </p:nvSpPr>
+        <p:spPr>
+          <a:xfrm>
+            <a:off x="6250557" y="2418223"/>
+            <a:ext cx="199489" cy="218469"/>
+          </a:xfrm>
+          <a:prstGeom prst="ellipse">
+            <a:avLst/>
+          </a:prstGeom>
+          <a:solidFill>
+            <a:srgbClr val="FFFF00"/>
+          </a:solidFill>
+          <a:ln>
+            <a:solidFill>
+              <a:srgbClr val="FFFF00"/>
+            </a:solidFill>
+          </a:ln>
+        </p:spPr>
+        <p:style>
+          <a:lnRef idx="2">
+            <a:schemeClr val="accent1">
+              <a:shade val="50000"/>
+            </a:schemeClr>
+          </a:lnRef>
+          <a:fillRef idx="1">
+            <a:schemeClr val="accent1"/>
+          </a:fillRef>
+          <a:effectRef idx="0">
+            <a:schemeClr val="accent1"/>
+          </a:effectRef>
+          <a:fontRef idx="minor">
+            <a:schemeClr val="lt1"/>
+          </a:fontRef>
+        </p:style>
+        <p:txBody>
+          <a:bodyPr rtlCol="0" anchor="ctr"/>
+          <a:lstStyle/>
+          <a:p>
+            <a:pPr algn="ctr"/>
+            <a:endParaRPr lang="en-GB"/>
+          </a:p>
+        </p:txBody>
+      </p:sp>
+      <p:sp>
+        <p:nvSpPr>
+          <p:cNvPr id="47" name="Oval 46">
+            <a:extLst>
+              <a:ext uri="{FF2B5EF4-FFF2-40B4-BE49-F238E27FC236}">
+                <a16:creationId xmlns:a16="http://schemas.microsoft.com/office/drawing/2014/main" id="{DAFEE0E5-C9FA-4B82-BE9D-16FBFE5D5B1B}"/>
+              </a:ext>
+            </a:extLst>
+          </p:cNvPr>
+          <p:cNvSpPr/>
+          <p:nvPr/>
+        </p:nvSpPr>
+        <p:spPr>
+          <a:xfrm>
+            <a:off x="2221205" y="1820985"/>
+            <a:ext cx="199489" cy="218469"/>
+          </a:xfrm>
+          <a:prstGeom prst="ellipse">
+            <a:avLst/>
+          </a:prstGeom>
+          <a:solidFill>
+            <a:srgbClr val="FF00FF"/>
+          </a:solidFill>
+          <a:ln>
+            <a:noFill/>
+          </a:ln>
+        </p:spPr>
+        <p:style>
+          <a:lnRef idx="2">
+            <a:schemeClr val="accent1">
+              <a:shade val="50000"/>
+            </a:schemeClr>
+          </a:lnRef>
+          <a:fillRef idx="1">
+            <a:schemeClr val="accent1"/>
+          </a:fillRef>
+          <a:effectRef idx="0">
+            <a:schemeClr val="accent1"/>
+          </a:effectRef>
+          <a:fontRef idx="minor">
+            <a:schemeClr val="lt1"/>
+          </a:fontRef>
+        </p:style>
+        <p:txBody>
+          <a:bodyPr rtlCol="0" anchor="ctr"/>
+          <a:lstStyle/>
+          <a:p>
+            <a:pPr algn="ctr"/>
+            <a:endParaRPr lang="en-GB"/>
+          </a:p>
+        </p:txBody>
+      </p:sp>
+      <p:sp>
+        <p:nvSpPr>
+          <p:cNvPr id="48" name="Oval 47">
+            <a:extLst>
+              <a:ext uri="{FF2B5EF4-FFF2-40B4-BE49-F238E27FC236}">
+                <a16:creationId xmlns:a16="http://schemas.microsoft.com/office/drawing/2014/main" id="{9297ED62-F9D5-46B2-9322-32864358E40A}"/>
+              </a:ext>
+            </a:extLst>
+          </p:cNvPr>
+          <p:cNvSpPr/>
+          <p:nvPr/>
+        </p:nvSpPr>
+        <p:spPr>
+          <a:xfrm>
+            <a:off x="2207978" y="5216848"/>
+            <a:ext cx="199489" cy="218469"/>
+          </a:xfrm>
+          <a:prstGeom prst="ellipse">
+            <a:avLst/>
+          </a:prstGeom>
+          <a:solidFill>
+            <a:srgbClr val="FF00FF"/>
+          </a:solidFill>
+          <a:ln>
+            <a:noFill/>
+          </a:ln>
+        </p:spPr>
+        <p:style>
+          <a:lnRef idx="2">
+            <a:schemeClr val="accent1">
+              <a:shade val="50000"/>
+            </a:schemeClr>
+          </a:lnRef>
+          <a:fillRef idx="1">
+            <a:schemeClr val="accent1"/>
+          </a:fillRef>
+          <a:effectRef idx="0">
+            <a:schemeClr val="accent1"/>
+          </a:effectRef>
+          <a:fontRef idx="minor">
+            <a:schemeClr val="lt1"/>
+          </a:fontRef>
+        </p:style>
+        <p:txBody>
+          <a:bodyPr rtlCol="0" anchor="ctr"/>
+          <a:lstStyle/>
+          <a:p>
+            <a:pPr algn="ctr"/>
+            <a:endParaRPr lang="en-GB" dirty="0"/>
+          </a:p>
+        </p:txBody>
+      </p:sp>
+      <p:sp>
+        <p:nvSpPr>
+          <p:cNvPr id="49" name="Oval 48">
+            <a:extLst>
+              <a:ext uri="{FF2B5EF4-FFF2-40B4-BE49-F238E27FC236}">
+                <a16:creationId xmlns:a16="http://schemas.microsoft.com/office/drawing/2014/main" id="{34CE9B1D-21EA-4640-9ACC-20A79A2CD6B2}"/>
+              </a:ext>
+            </a:extLst>
+          </p:cNvPr>
+          <p:cNvSpPr/>
+          <p:nvPr/>
+        </p:nvSpPr>
+        <p:spPr>
+          <a:xfrm>
+            <a:off x="5651890" y="5245373"/>
+            <a:ext cx="199489" cy="218469"/>
+          </a:xfrm>
+          <a:prstGeom prst="ellipse">
+            <a:avLst/>
+          </a:prstGeom>
+          <a:solidFill>
+            <a:srgbClr val="FF00FF"/>
+          </a:solidFill>
+          <a:ln>
+            <a:noFill/>
+          </a:ln>
+        </p:spPr>
+        <p:style>
+          <a:lnRef idx="2">
+            <a:schemeClr val="accent1">
+              <a:shade val="50000"/>
+            </a:schemeClr>
+          </a:lnRef>
+          <a:fillRef idx="1">
+            <a:schemeClr val="accent1"/>
+          </a:fillRef>
+          <a:effectRef idx="0">
+            <a:schemeClr val="accent1"/>
+          </a:effectRef>
+          <a:fontRef idx="minor">
+            <a:schemeClr val="lt1"/>
+          </a:fontRef>
+        </p:style>
+        <p:txBody>
+          <a:bodyPr rtlCol="0" anchor="ctr"/>
+          <a:lstStyle/>
+          <a:p>
+            <a:pPr algn="ctr"/>
+            <a:endParaRPr lang="en-GB"/>
+          </a:p>
+        </p:txBody>
+      </p:sp>
+      <p:sp>
+        <p:nvSpPr>
+          <p:cNvPr id="50" name="Oval 49">
+            <a:extLst>
+              <a:ext uri="{FF2B5EF4-FFF2-40B4-BE49-F238E27FC236}">
+                <a16:creationId xmlns:a16="http://schemas.microsoft.com/office/drawing/2014/main" id="{322091F7-000F-46D8-9D88-43B0F89D15C3}"/>
+              </a:ext>
+            </a:extLst>
+          </p:cNvPr>
+          <p:cNvSpPr/>
+          <p:nvPr/>
+        </p:nvSpPr>
+        <p:spPr>
+          <a:xfrm>
+            <a:off x="5648268" y="1822612"/>
+            <a:ext cx="199489" cy="218469"/>
+          </a:xfrm>
+          <a:prstGeom prst="ellipse">
+            <a:avLst/>
+          </a:prstGeom>
+          <a:solidFill>
+            <a:srgbClr val="FF00FF"/>
+          </a:solidFill>
+          <a:ln>
+            <a:noFill/>
+          </a:ln>
+        </p:spPr>
+        <p:style>
+          <a:lnRef idx="2">
+            <a:schemeClr val="accent1">
+              <a:shade val="50000"/>
+            </a:schemeClr>
+          </a:lnRef>
+          <a:fillRef idx="1">
+            <a:schemeClr val="accent1"/>
+          </a:fillRef>
+          <a:effectRef idx="0">
+            <a:schemeClr val="accent1"/>
+          </a:effectRef>
+          <a:fontRef idx="minor">
+            <a:schemeClr val="lt1"/>
+          </a:fontRef>
+        </p:style>
+        <p:txBody>
+          <a:bodyPr rtlCol="0" anchor="ctr"/>
+          <a:lstStyle/>
+          <a:p>
+            <a:pPr algn="ctr"/>
+            <a:endParaRPr lang="en-GB"/>
+          </a:p>
+        </p:txBody>
+      </p:sp>
+      <p:sp>
+        <p:nvSpPr>
+          <p:cNvPr id="51" name="TextBox 50">
+            <a:extLst>
+              <a:ext uri="{FF2B5EF4-FFF2-40B4-BE49-F238E27FC236}">
+                <a16:creationId xmlns:a16="http://schemas.microsoft.com/office/drawing/2014/main" id="{8E33A5DC-82C6-4735-90B0-6DB57BEE2904}"/>
+              </a:ext>
+            </a:extLst>
+          </p:cNvPr>
+          <p:cNvSpPr txBox="1"/>
+          <p:nvPr/>
+        </p:nvSpPr>
+        <p:spPr>
+          <a:xfrm>
+            <a:off x="10040050" y="446906"/>
+            <a:ext cx="1837626" cy="923330"/>
+          </a:xfrm>
+          <a:prstGeom prst="rect">
+            <a:avLst/>
+          </a:prstGeom>
+          <a:noFill/>
+        </p:spPr>
+        <p:txBody>
+          <a:bodyPr wrap="square" rtlCol="0">
+            <a:spAutoFit/>
+          </a:bodyPr>
+          <a:lstStyle/>
+          <a:p>
+            <a:r>
+              <a:rPr lang="en-GB" b="1" dirty="0"/>
+              <a:t>9 RIGIDIZADORES/DIAGONAL</a:t>
+            </a:r>
+          </a:p>
+        </p:txBody>
+      </p:sp>
+      <p:sp>
+        <p:nvSpPr>
+          <p:cNvPr id="52" name="Oval 51">
+            <a:extLst>
+              <a:ext uri="{FF2B5EF4-FFF2-40B4-BE49-F238E27FC236}">
+                <a16:creationId xmlns:a16="http://schemas.microsoft.com/office/drawing/2014/main" id="{5AA40694-3297-4AA4-9E86-A14B46128570}"/>
+              </a:ext>
+            </a:extLst>
+          </p:cNvPr>
+          <p:cNvSpPr/>
+          <p:nvPr/>
+        </p:nvSpPr>
+        <p:spPr>
+          <a:xfrm>
+            <a:off x="10127917" y="1385957"/>
+            <a:ext cx="199489" cy="218469"/>
+          </a:xfrm>
+          <a:prstGeom prst="ellipse">
+            <a:avLst/>
+          </a:prstGeom>
+          <a:solidFill>
+            <a:srgbClr val="FFFF00"/>
+          </a:solidFill>
+          <a:ln>
+            <a:solidFill>
+              <a:srgbClr val="FFFF00"/>
+            </a:solidFill>
+          </a:ln>
+        </p:spPr>
+        <p:style>
+          <a:lnRef idx="2">
+            <a:schemeClr val="accent1">
+              <a:shade val="50000"/>
+            </a:schemeClr>
+          </a:lnRef>
+          <a:fillRef idx="1">
+            <a:schemeClr val="accent1"/>
+          </a:fillRef>
+          <a:effectRef idx="0">
+            <a:schemeClr val="accent1"/>
+          </a:effectRef>
+          <a:fontRef idx="minor">
+            <a:schemeClr val="lt1"/>
+          </a:fontRef>
+        </p:style>
+        <p:txBody>
+          <a:bodyPr rtlCol="0" anchor="ctr"/>
+          <a:lstStyle/>
+          <a:p>
+            <a:pPr algn="ctr"/>
+            <a:endParaRPr lang="en-GB"/>
+          </a:p>
+        </p:txBody>
+      </p:sp>
+      <p:sp>
+        <p:nvSpPr>
+          <p:cNvPr id="53" name="Oval 52">
+            <a:extLst>
+              <a:ext uri="{FF2B5EF4-FFF2-40B4-BE49-F238E27FC236}">
+                <a16:creationId xmlns:a16="http://schemas.microsoft.com/office/drawing/2014/main" id="{B5378228-C65C-42D2-9D84-32CFD05D6503}"/>
+              </a:ext>
+            </a:extLst>
+          </p:cNvPr>
+          <p:cNvSpPr/>
+          <p:nvPr/>
+        </p:nvSpPr>
+        <p:spPr>
+          <a:xfrm>
+            <a:off x="10127916" y="1830375"/>
+            <a:ext cx="199489" cy="218469"/>
+          </a:xfrm>
+          <a:prstGeom prst="ellipse">
+            <a:avLst/>
+          </a:prstGeom>
+          <a:solidFill>
+            <a:srgbClr val="FF00FF"/>
+          </a:solidFill>
+          <a:ln>
+            <a:noFill/>
+          </a:ln>
+        </p:spPr>
+        <p:style>
+          <a:lnRef idx="2">
+            <a:schemeClr val="accent1">
+              <a:shade val="50000"/>
+            </a:schemeClr>
+          </a:lnRef>
+          <a:fillRef idx="1">
+            <a:schemeClr val="accent1"/>
+          </a:fillRef>
+          <a:effectRef idx="0">
+            <a:schemeClr val="accent1"/>
+          </a:effectRef>
+          <a:fontRef idx="minor">
+            <a:schemeClr val="lt1"/>
+          </a:fontRef>
+        </p:style>
+        <p:txBody>
+          <a:bodyPr rtlCol="0" anchor="ctr"/>
+          <a:lstStyle/>
+          <a:p>
+            <a:pPr algn="ctr"/>
+            <a:endParaRPr lang="en-GB"/>
+          </a:p>
+        </p:txBody>
+      </p:sp>
+      <p:sp>
+        <p:nvSpPr>
+          <p:cNvPr id="54" name="TextBox 53">
+            <a:extLst>
+              <a:ext uri="{FF2B5EF4-FFF2-40B4-BE49-F238E27FC236}">
+                <a16:creationId xmlns:a16="http://schemas.microsoft.com/office/drawing/2014/main" id="{F31A6FD1-F80A-42CF-82DB-DE7BB742696B}"/>
+              </a:ext>
+            </a:extLst>
+          </p:cNvPr>
+          <p:cNvSpPr txBox="1"/>
+          <p:nvPr/>
+        </p:nvSpPr>
+        <p:spPr>
+          <a:xfrm>
+            <a:off x="10398449" y="1350078"/>
+            <a:ext cx="1000595" cy="369332"/>
+          </a:xfrm>
+          <a:prstGeom prst="rect">
+            <a:avLst/>
+          </a:prstGeom>
+          <a:noFill/>
+        </p:spPr>
+        <p:txBody>
+          <a:bodyPr wrap="none" rtlCol="0">
+            <a:spAutoFit/>
+          </a:bodyPr>
+          <a:lstStyle/>
+          <a:p>
+            <a:r>
+              <a:rPr lang="en-GB" dirty="0"/>
+              <a:t>8 CBUSH</a:t>
+            </a:r>
+          </a:p>
+        </p:txBody>
+      </p:sp>
+      <p:sp>
+        <p:nvSpPr>
+          <p:cNvPr id="55" name="TextBox 54">
+            <a:extLst>
+              <a:ext uri="{FF2B5EF4-FFF2-40B4-BE49-F238E27FC236}">
+                <a16:creationId xmlns:a16="http://schemas.microsoft.com/office/drawing/2014/main" id="{1139CF58-73FC-4745-B311-4617C605A1A1}"/>
+              </a:ext>
+            </a:extLst>
+          </p:cNvPr>
+          <p:cNvSpPr txBox="1"/>
+          <p:nvPr/>
+        </p:nvSpPr>
+        <p:spPr>
+          <a:xfrm>
+            <a:off x="10398448" y="1740370"/>
+            <a:ext cx="833883" cy="369332"/>
+          </a:xfrm>
+          <a:prstGeom prst="rect">
+            <a:avLst/>
+          </a:prstGeom>
+          <a:noFill/>
+        </p:spPr>
+        <p:txBody>
+          <a:bodyPr wrap="none" rtlCol="0">
+            <a:spAutoFit/>
+          </a:bodyPr>
+          <a:lstStyle/>
+          <a:p>
+            <a:r>
+              <a:rPr lang="en-GB" dirty="0"/>
+              <a:t>4 RBE2</a:t>
+            </a:r>
+          </a:p>
+        </p:txBody>
+      </p:sp>
+      <p:sp>
+        <p:nvSpPr>
+          <p:cNvPr id="2" name="TextBox 1">
+            <a:extLst>
+              <a:ext uri="{FF2B5EF4-FFF2-40B4-BE49-F238E27FC236}">
+                <a16:creationId xmlns:a16="http://schemas.microsoft.com/office/drawing/2014/main" id="{218F8984-D84C-4AE5-A990-747792D1F768}"/>
+              </a:ext>
+            </a:extLst>
+          </p:cNvPr>
+          <p:cNvSpPr txBox="1"/>
+          <p:nvPr/>
+        </p:nvSpPr>
+        <p:spPr>
+          <a:xfrm>
+            <a:off x="5067830" y="199413"/>
+            <a:ext cx="2219661" cy="369332"/>
+          </a:xfrm>
+          <a:prstGeom prst="rect">
+            <a:avLst/>
+          </a:prstGeom>
+          <a:noFill/>
+        </p:spPr>
+        <p:txBody>
+          <a:bodyPr wrap="square" rtlCol="0">
+            <a:spAutoFit/>
+          </a:bodyPr>
+          <a:lstStyle/>
+          <a:p>
+            <a:r>
+              <a:rPr lang="en-GB" dirty="0"/>
+              <a:t>PROBAR ESTO!!!!!</a:t>
+            </a:r>
+          </a:p>
+        </p:txBody>
+      </p:sp>
+    </p:spTree>
+    <p:extLst>
+      <p:ext uri="{BB962C8B-B14F-4D97-AF65-F5344CB8AC3E}">
+        <p14:creationId xmlns:p14="http://schemas.microsoft.com/office/powerpoint/2010/main" val="3035459516"/>
+      </p:ext>
+    </p:extLst>
+  </p:cSld>
+  <p:clrMapOvr>
+    <a:masterClrMapping/>
+  </p:clrMapOvr>
+</p:sld>
+</file>
+
+<file path=ppt/slides/slide4.xml><?xml version="1.0" encoding="utf-8"?>
+<p:sld xmlns:a="http://schemas.openxmlformats.org/drawingml/2006/main" xmlns:r="http://schemas.openxmlformats.org/officeDocument/2006/relationships" xmlns:p="http://schemas.openxmlformats.org/presentationml/2006/main">
+  <p:cSld>
+    <p:spTree>
+      <p:nvGrpSpPr>
+        <p:cNvPr id="1" name=""/>
+        <p:cNvGrpSpPr/>
+        <p:nvPr/>
+      </p:nvGrpSpPr>
+      <p:grpSpPr>
+        <a:xfrm>
+          <a:off x="0" y="0"/>
+          <a:ext cx="0" cy="0"/>
+          <a:chOff x="0" y="0"/>
+          <a:chExt cx="0" cy="0"/>
+        </a:xfrm>
+      </p:grpSpPr>
+      <p:pic>
+        <p:nvPicPr>
+          <p:cNvPr id="5" name="Picture 4">
+            <a:extLst>
+              <a:ext uri="{FF2B5EF4-FFF2-40B4-BE49-F238E27FC236}">
+                <a16:creationId xmlns:a16="http://schemas.microsoft.com/office/drawing/2014/main" id="{B26EC95D-3D34-4CC9-8C63-E88923594B18}"/>
+              </a:ext>
+            </a:extLst>
+          </p:cNvPr>
+          <p:cNvPicPr>
+            <a:picLocks noChangeAspect="1"/>
+          </p:cNvPicPr>
+          <p:nvPr/>
+        </p:nvPicPr>
+        <p:blipFill>
+          <a:blip r:embed="rId2"/>
+          <a:stretch>
+            <a:fillRect/>
+          </a:stretch>
+        </p:blipFill>
+        <p:spPr>
+          <a:xfrm>
+            <a:off x="967636" y="663331"/>
+            <a:ext cx="6111941" cy="6089635"/>
+          </a:xfrm>
+          <a:prstGeom prst="rect">
+            <a:avLst/>
+          </a:prstGeom>
+        </p:spPr>
+      </p:pic>
+      <p:cxnSp>
+        <p:nvCxnSpPr>
+          <p:cNvPr id="7" name="Straight Connector 6">
+            <a:extLst>
+              <a:ext uri="{FF2B5EF4-FFF2-40B4-BE49-F238E27FC236}">
+                <a16:creationId xmlns:a16="http://schemas.microsoft.com/office/drawing/2014/main" id="{A6649049-CD0A-4F62-8FB8-4DA2664982BD}"/>
+              </a:ext>
+            </a:extLst>
+          </p:cNvPr>
+          <p:cNvCxnSpPr/>
+          <p:nvPr/>
+        </p:nvCxnSpPr>
+        <p:spPr>
+          <a:xfrm>
+            <a:off x="-144261" y="3693883"/>
+            <a:ext cx="8985379" cy="0"/>
+          </a:xfrm>
+          <a:prstGeom prst="line">
+            <a:avLst/>
+          </a:prstGeom>
+          <a:ln w="38100">
+            <a:solidFill>
+              <a:schemeClr val="accent3">
+                <a:lumMod val="60000"/>
+                <a:lumOff val="40000"/>
+              </a:schemeClr>
+            </a:solidFill>
+            <a:prstDash val="dash"/>
+          </a:ln>
+        </p:spPr>
+        <p:style>
+          <a:lnRef idx="1">
+            <a:schemeClr val="accent1"/>
+          </a:lnRef>
+          <a:fillRef idx="0">
+            <a:schemeClr val="accent1"/>
+          </a:fillRef>
+          <a:effectRef idx="0">
+            <a:schemeClr val="accent1"/>
+          </a:effectRef>
+          <a:fontRef idx="minor">
+            <a:schemeClr val="tx1"/>
+          </a:fontRef>
+        </p:style>
+      </p:cxnSp>
+      <p:cxnSp>
+        <p:nvCxnSpPr>
+          <p:cNvPr id="8" name="Straight Connector 7">
+            <a:extLst>
+              <a:ext uri="{FF2B5EF4-FFF2-40B4-BE49-F238E27FC236}">
+                <a16:creationId xmlns:a16="http://schemas.microsoft.com/office/drawing/2014/main" id="{A7056B64-3D22-484D-A6DC-5C75C6F9101F}"/>
+              </a:ext>
+            </a:extLst>
+          </p:cNvPr>
+          <p:cNvCxnSpPr>
+            <a:cxnSpLocks/>
+          </p:cNvCxnSpPr>
+          <p:nvPr/>
+        </p:nvCxnSpPr>
+        <p:spPr>
+          <a:xfrm>
+            <a:off x="4023605" y="199413"/>
+            <a:ext cx="0" cy="8985600"/>
+          </a:xfrm>
+          <a:prstGeom prst="line">
+            <a:avLst/>
+          </a:prstGeom>
+          <a:ln w="38100">
+            <a:solidFill>
+              <a:schemeClr val="accent3">
+                <a:lumMod val="60000"/>
+                <a:lumOff val="40000"/>
+              </a:schemeClr>
+            </a:solidFill>
+            <a:prstDash val="dash"/>
+          </a:ln>
+        </p:spPr>
+        <p:style>
+          <a:lnRef idx="1">
+            <a:schemeClr val="accent1"/>
+          </a:lnRef>
+          <a:fillRef idx="0">
+            <a:schemeClr val="accent1"/>
+          </a:fillRef>
+          <a:effectRef idx="0">
+            <a:schemeClr val="accent1"/>
+          </a:effectRef>
+          <a:fontRef idx="minor">
+            <a:schemeClr val="tx1"/>
+          </a:fontRef>
+        </p:style>
+      </p:cxnSp>
+      <p:cxnSp>
+        <p:nvCxnSpPr>
+          <p:cNvPr id="11" name="Straight Connector 10">
+            <a:extLst>
+              <a:ext uri="{FF2B5EF4-FFF2-40B4-BE49-F238E27FC236}">
+                <a16:creationId xmlns:a16="http://schemas.microsoft.com/office/drawing/2014/main" id="{33DAB511-69CD-4848-94C5-E0DA57A9C395}"/>
+              </a:ext>
+            </a:extLst>
+          </p:cNvPr>
+          <p:cNvCxnSpPr>
+            <a:cxnSpLocks/>
+          </p:cNvCxnSpPr>
+          <p:nvPr/>
+        </p:nvCxnSpPr>
+        <p:spPr>
+          <a:xfrm flipV="1">
+            <a:off x="1175953" y="795630"/>
+            <a:ext cx="1160411" cy="1149212"/>
+          </a:xfrm>
+          <a:prstGeom prst="line">
+            <a:avLst/>
+          </a:prstGeom>
+          <a:ln w="57150">
+            <a:solidFill>
+              <a:srgbClr val="FF0000"/>
+            </a:solidFill>
+          </a:ln>
+        </p:spPr>
+        <p:style>
+          <a:lnRef idx="1">
+            <a:schemeClr val="accent1"/>
+          </a:lnRef>
+          <a:fillRef idx="0">
+            <a:schemeClr val="accent1"/>
+          </a:fillRef>
+          <a:effectRef idx="0">
+            <a:schemeClr val="accent1"/>
+          </a:effectRef>
+          <a:fontRef idx="minor">
+            <a:schemeClr val="tx1"/>
+          </a:fontRef>
+        </p:style>
+      </p:cxnSp>
+      <p:cxnSp>
+        <p:nvCxnSpPr>
+          <p:cNvPr id="16" name="Straight Connector 15">
+            <a:extLst>
+              <a:ext uri="{FF2B5EF4-FFF2-40B4-BE49-F238E27FC236}">
+                <a16:creationId xmlns:a16="http://schemas.microsoft.com/office/drawing/2014/main" id="{67733E0A-50EE-43E6-82FA-A8BA354A352C}"/>
+              </a:ext>
+            </a:extLst>
+          </p:cNvPr>
+          <p:cNvCxnSpPr>
+            <a:cxnSpLocks/>
+          </p:cNvCxnSpPr>
+          <p:nvPr/>
+        </p:nvCxnSpPr>
+        <p:spPr>
+          <a:xfrm flipV="1">
+            <a:off x="1175953" y="769063"/>
+            <a:ext cx="2309458" cy="2320521"/>
+          </a:xfrm>
+          <a:prstGeom prst="line">
+            <a:avLst/>
+          </a:prstGeom>
+          <a:ln w="57150">
+            <a:solidFill>
+              <a:srgbClr val="FF0000"/>
+            </a:solidFill>
+          </a:ln>
+        </p:spPr>
+        <p:style>
+          <a:lnRef idx="1">
+            <a:schemeClr val="accent1"/>
+          </a:lnRef>
+          <a:fillRef idx="0">
+            <a:schemeClr val="accent1"/>
+          </a:fillRef>
+          <a:effectRef idx="0">
+            <a:schemeClr val="accent1"/>
+          </a:effectRef>
+          <a:fontRef idx="minor">
+            <a:schemeClr val="tx1"/>
+          </a:fontRef>
+        </p:style>
+      </p:cxnSp>
+      <p:cxnSp>
+        <p:nvCxnSpPr>
+          <p:cNvPr id="18" name="Straight Connector 17">
+            <a:extLst>
+              <a:ext uri="{FF2B5EF4-FFF2-40B4-BE49-F238E27FC236}">
+                <a16:creationId xmlns:a16="http://schemas.microsoft.com/office/drawing/2014/main" id="{7816D579-3B96-4C0D-8362-F0AE37831E54}"/>
+              </a:ext>
+            </a:extLst>
+          </p:cNvPr>
+          <p:cNvCxnSpPr>
+            <a:cxnSpLocks/>
+          </p:cNvCxnSpPr>
+          <p:nvPr/>
+        </p:nvCxnSpPr>
+        <p:spPr>
+          <a:xfrm flipV="1">
+            <a:off x="1142623" y="783195"/>
+            <a:ext cx="3480718" cy="3493078"/>
+          </a:xfrm>
+          <a:prstGeom prst="line">
+            <a:avLst/>
+          </a:prstGeom>
+          <a:ln w="57150">
+            <a:solidFill>
+              <a:srgbClr val="FF0000"/>
+            </a:solidFill>
+          </a:ln>
+        </p:spPr>
+        <p:style>
+          <a:lnRef idx="1">
+            <a:schemeClr val="accent1"/>
+          </a:lnRef>
+          <a:fillRef idx="0">
+            <a:schemeClr val="accent1"/>
+          </a:fillRef>
+          <a:effectRef idx="0">
+            <a:schemeClr val="accent1"/>
+          </a:effectRef>
+          <a:fontRef idx="minor">
+            <a:schemeClr val="tx1"/>
+          </a:fontRef>
+        </p:style>
+      </p:cxnSp>
+      <p:cxnSp>
+        <p:nvCxnSpPr>
+          <p:cNvPr id="21" name="Straight Connector 20">
+            <a:extLst>
+              <a:ext uri="{FF2B5EF4-FFF2-40B4-BE49-F238E27FC236}">
+                <a16:creationId xmlns:a16="http://schemas.microsoft.com/office/drawing/2014/main" id="{1CAA8143-5FF2-4B81-A235-D36BC84D2FF7}"/>
+              </a:ext>
+            </a:extLst>
+          </p:cNvPr>
+          <p:cNvCxnSpPr>
+            <a:cxnSpLocks/>
+          </p:cNvCxnSpPr>
+          <p:nvPr/>
+        </p:nvCxnSpPr>
+        <p:spPr>
+          <a:xfrm flipV="1">
+            <a:off x="1142623" y="788592"/>
+            <a:ext cx="4622973" cy="4578440"/>
+          </a:xfrm>
+          <a:prstGeom prst="line">
+            <a:avLst/>
+          </a:prstGeom>
+          <a:ln w="57150">
+            <a:solidFill>
+              <a:srgbClr val="FF0000"/>
+            </a:solidFill>
+          </a:ln>
+        </p:spPr>
+        <p:style>
+          <a:lnRef idx="1">
+            <a:schemeClr val="accent1"/>
+          </a:lnRef>
+          <a:fillRef idx="0">
+            <a:schemeClr val="accent1"/>
+          </a:fillRef>
+          <a:effectRef idx="0">
+            <a:schemeClr val="accent1"/>
+          </a:effectRef>
+          <a:fontRef idx="minor">
+            <a:schemeClr val="tx1"/>
+          </a:fontRef>
+        </p:style>
+      </p:cxnSp>
+      <p:cxnSp>
+        <p:nvCxnSpPr>
+          <p:cNvPr id="23" name="Straight Connector 22">
+            <a:extLst>
+              <a:ext uri="{FF2B5EF4-FFF2-40B4-BE49-F238E27FC236}">
+                <a16:creationId xmlns:a16="http://schemas.microsoft.com/office/drawing/2014/main" id="{AA877DA4-8ACE-4A4E-BA13-9CF0E4ABC4AF}"/>
+              </a:ext>
+            </a:extLst>
+          </p:cNvPr>
+          <p:cNvCxnSpPr>
+            <a:cxnSpLocks/>
+          </p:cNvCxnSpPr>
+          <p:nvPr/>
+        </p:nvCxnSpPr>
+        <p:spPr>
+          <a:xfrm flipV="1">
+            <a:off x="1142624" y="788595"/>
+            <a:ext cx="5740089" cy="5710950"/>
+          </a:xfrm>
+          <a:prstGeom prst="line">
+            <a:avLst/>
+          </a:prstGeom>
+          <a:ln w="57150">
+            <a:solidFill>
+              <a:srgbClr val="FF0000"/>
+            </a:solidFill>
+          </a:ln>
+        </p:spPr>
+        <p:style>
+          <a:lnRef idx="1">
+            <a:schemeClr val="accent1"/>
+          </a:lnRef>
+          <a:fillRef idx="0">
+            <a:schemeClr val="accent1"/>
+          </a:fillRef>
+          <a:effectRef idx="0">
+            <a:schemeClr val="accent1"/>
+          </a:effectRef>
+          <a:fontRef idx="minor">
+            <a:schemeClr val="tx1"/>
+          </a:fontRef>
+        </p:style>
+      </p:cxnSp>
+      <p:cxnSp>
+        <p:nvCxnSpPr>
+          <p:cNvPr id="25" name="Straight Connector 24">
+            <a:extLst>
+              <a:ext uri="{FF2B5EF4-FFF2-40B4-BE49-F238E27FC236}">
+                <a16:creationId xmlns:a16="http://schemas.microsoft.com/office/drawing/2014/main" id="{3C4121AE-8FB4-440D-BA75-6AABCBF9C113}"/>
+              </a:ext>
+            </a:extLst>
+          </p:cNvPr>
+          <p:cNvCxnSpPr>
+            <a:cxnSpLocks/>
+          </p:cNvCxnSpPr>
+          <p:nvPr/>
+        </p:nvCxnSpPr>
+        <p:spPr>
+          <a:xfrm flipV="1">
+            <a:off x="2290139" y="1909828"/>
+            <a:ext cx="4617871" cy="4589717"/>
+          </a:xfrm>
+          <a:prstGeom prst="line">
+            <a:avLst/>
+          </a:prstGeom>
+          <a:ln w="57150">
+            <a:solidFill>
+              <a:srgbClr val="FF0000"/>
+            </a:solidFill>
+          </a:ln>
+        </p:spPr>
+        <p:style>
+          <a:lnRef idx="1">
+            <a:schemeClr val="accent1"/>
+          </a:lnRef>
+          <a:fillRef idx="0">
+            <a:schemeClr val="accent1"/>
+          </a:fillRef>
+          <a:effectRef idx="0">
+            <a:schemeClr val="accent1"/>
+          </a:effectRef>
+          <a:fontRef idx="minor">
+            <a:schemeClr val="tx1"/>
+          </a:fontRef>
+        </p:style>
+      </p:cxnSp>
+      <p:cxnSp>
+        <p:nvCxnSpPr>
+          <p:cNvPr id="26" name="Straight Connector 25">
+            <a:extLst>
+              <a:ext uri="{FF2B5EF4-FFF2-40B4-BE49-F238E27FC236}">
+                <a16:creationId xmlns:a16="http://schemas.microsoft.com/office/drawing/2014/main" id="{E1157E9F-F7A7-4D32-82EE-B69D9F8B2678}"/>
+              </a:ext>
+            </a:extLst>
+          </p:cNvPr>
+          <p:cNvCxnSpPr>
+            <a:cxnSpLocks/>
+          </p:cNvCxnSpPr>
+          <p:nvPr/>
+        </p:nvCxnSpPr>
+        <p:spPr>
+          <a:xfrm flipV="1">
+            <a:off x="3424840" y="3072203"/>
+            <a:ext cx="3441011" cy="3436071"/>
+          </a:xfrm>
+          <a:prstGeom prst="line">
+            <a:avLst/>
+          </a:prstGeom>
+          <a:ln w="57150">
+            <a:solidFill>
+              <a:srgbClr val="FF0000"/>
+            </a:solidFill>
+          </a:ln>
+        </p:spPr>
+        <p:style>
+          <a:lnRef idx="1">
+            <a:schemeClr val="accent1"/>
+          </a:lnRef>
+          <a:fillRef idx="0">
+            <a:schemeClr val="accent1"/>
+          </a:fillRef>
+          <a:effectRef idx="0">
+            <a:schemeClr val="accent1"/>
+          </a:effectRef>
+          <a:fontRef idx="minor">
+            <a:schemeClr val="tx1"/>
+          </a:fontRef>
+        </p:style>
+      </p:cxnSp>
+      <p:cxnSp>
+        <p:nvCxnSpPr>
+          <p:cNvPr id="27" name="Straight Connector 26">
+            <a:extLst>
+              <a:ext uri="{FF2B5EF4-FFF2-40B4-BE49-F238E27FC236}">
+                <a16:creationId xmlns:a16="http://schemas.microsoft.com/office/drawing/2014/main" id="{80CCEBB0-1E6F-449D-95A3-A0FE196771C3}"/>
+              </a:ext>
+            </a:extLst>
+          </p:cNvPr>
+          <p:cNvCxnSpPr>
+            <a:cxnSpLocks/>
+          </p:cNvCxnSpPr>
+          <p:nvPr/>
+        </p:nvCxnSpPr>
+        <p:spPr>
+          <a:xfrm flipV="1">
+            <a:off x="5701942" y="5367032"/>
+            <a:ext cx="1133596" cy="1141242"/>
+          </a:xfrm>
+          <a:prstGeom prst="line">
+            <a:avLst/>
+          </a:prstGeom>
+          <a:ln w="57150">
+            <a:solidFill>
+              <a:srgbClr val="FF0000"/>
+            </a:solidFill>
+          </a:ln>
+        </p:spPr>
+        <p:style>
+          <a:lnRef idx="1">
+            <a:schemeClr val="accent1"/>
+          </a:lnRef>
+          <a:fillRef idx="0">
+            <a:schemeClr val="accent1"/>
+          </a:fillRef>
+          <a:effectRef idx="0">
+            <a:schemeClr val="accent1"/>
+          </a:effectRef>
+          <a:fontRef idx="minor">
+            <a:schemeClr val="tx1"/>
+          </a:fontRef>
+        </p:style>
+      </p:cxnSp>
+      <p:cxnSp>
+        <p:nvCxnSpPr>
+          <p:cNvPr id="28" name="Straight Connector 27">
+            <a:extLst>
+              <a:ext uri="{FF2B5EF4-FFF2-40B4-BE49-F238E27FC236}">
+                <a16:creationId xmlns:a16="http://schemas.microsoft.com/office/drawing/2014/main" id="{B1A5C0C5-383B-44C2-AA4D-2AA1FDFE43F6}"/>
+              </a:ext>
+            </a:extLst>
+          </p:cNvPr>
+          <p:cNvCxnSpPr>
+            <a:cxnSpLocks/>
+          </p:cNvCxnSpPr>
+          <p:nvPr/>
+        </p:nvCxnSpPr>
+        <p:spPr>
+          <a:xfrm flipV="1">
+            <a:off x="4600068" y="4231883"/>
+            <a:ext cx="2277423" cy="2245450"/>
+          </a:xfrm>
+          <a:prstGeom prst="line">
+            <a:avLst/>
+          </a:prstGeom>
+          <a:ln w="57150">
+            <a:solidFill>
+              <a:srgbClr val="FF0000"/>
+            </a:solidFill>
+          </a:ln>
+        </p:spPr>
+        <p:style>
+          <a:lnRef idx="1">
+            <a:schemeClr val="accent1"/>
+          </a:lnRef>
+          <a:fillRef idx="0">
+            <a:schemeClr val="accent1"/>
+          </a:fillRef>
+          <a:effectRef idx="0">
+            <a:schemeClr val="accent1"/>
+          </a:effectRef>
+          <a:fontRef idx="minor">
+            <a:schemeClr val="tx1"/>
+          </a:fontRef>
+        </p:style>
+      </p:cxnSp>
+      <p:grpSp>
+        <p:nvGrpSpPr>
+          <p:cNvPr id="38" name="Group 37">
+            <a:extLst>
+              <a:ext uri="{FF2B5EF4-FFF2-40B4-BE49-F238E27FC236}">
+                <a16:creationId xmlns:a16="http://schemas.microsoft.com/office/drawing/2014/main" id="{E255C07C-5229-4674-9939-D6B425537B8C}"/>
+              </a:ext>
+            </a:extLst>
+          </p:cNvPr>
+          <p:cNvGrpSpPr/>
+          <p:nvPr/>
+        </p:nvGrpSpPr>
+        <p:grpSpPr>
+          <a:xfrm rot="16200000">
+            <a:off x="1191472" y="755790"/>
+            <a:ext cx="5711674" cy="5793302"/>
+            <a:chOff x="3195140" y="404070"/>
+            <a:chExt cx="5711674" cy="5793302"/>
+          </a:xfrm>
+        </p:grpSpPr>
+        <p:cxnSp>
+          <p:nvCxnSpPr>
+            <p:cNvPr id="29" name="Straight Connector 28">
+              <a:extLst>
+                <a:ext uri="{FF2B5EF4-FFF2-40B4-BE49-F238E27FC236}">
+                  <a16:creationId xmlns:a16="http://schemas.microsoft.com/office/drawing/2014/main" id="{32E0868D-03BF-4481-B173-6C524D868E8E}"/>
+                </a:ext>
+              </a:extLst>
+            </p:cNvPr>
+            <p:cNvCxnSpPr>
+              <a:cxnSpLocks/>
+            </p:cNvCxnSpPr>
+            <p:nvPr/>
+          </p:nvCxnSpPr>
+          <p:spPr>
+            <a:xfrm rot="5400000" flipH="1" flipV="1">
+              <a:off x="3205101" y="443170"/>
+              <a:ext cx="1163909" cy="1166371"/>
+            </a:xfrm>
+            <a:prstGeom prst="line">
+              <a:avLst/>
+            </a:prstGeom>
+            <a:ln w="57150">
+              <a:solidFill>
+                <a:srgbClr val="FF0000"/>
+              </a:solidFill>
+            </a:ln>
+          </p:spPr>
+          <p:style>
+            <a:lnRef idx="1">
+              <a:schemeClr val="accent1"/>
+            </a:lnRef>
+            <a:fillRef idx="0">
+              <a:schemeClr val="accent1"/>
+            </a:fillRef>
+            <a:effectRef idx="0">
+              <a:schemeClr val="accent1"/>
+            </a:effectRef>
+            <a:fontRef idx="minor">
+              <a:schemeClr val="tx1"/>
+            </a:fontRef>
+          </p:style>
+        </p:cxnSp>
+        <p:cxnSp>
+          <p:nvCxnSpPr>
+            <p:cNvPr id="30" name="Straight Connector 29">
+              <a:extLst>
+                <a:ext uri="{FF2B5EF4-FFF2-40B4-BE49-F238E27FC236}">
+                  <a16:creationId xmlns:a16="http://schemas.microsoft.com/office/drawing/2014/main" id="{5876B4D9-5BBC-4823-A5E3-A63FFC6DDE9C}"/>
+                </a:ext>
+              </a:extLst>
+            </p:cNvPr>
+            <p:cNvCxnSpPr>
+              <a:cxnSpLocks/>
+            </p:cNvCxnSpPr>
+            <p:nvPr/>
+          </p:nvCxnSpPr>
+          <p:spPr>
+            <a:xfrm rot="5400000" flipH="1" flipV="1">
+              <a:off x="3237314" y="468757"/>
+              <a:ext cx="2245537" cy="2238653"/>
+            </a:xfrm>
+            <a:prstGeom prst="line">
+              <a:avLst/>
+            </a:prstGeom>
+            <a:ln w="57150">
+              <a:solidFill>
+                <a:srgbClr val="FF0000"/>
+              </a:solidFill>
+            </a:ln>
+          </p:spPr>
+          <p:style>
+            <a:lnRef idx="1">
+              <a:schemeClr val="accent1"/>
+            </a:lnRef>
+            <a:fillRef idx="0">
+              <a:schemeClr val="accent1"/>
+            </a:fillRef>
+            <a:effectRef idx="0">
+              <a:schemeClr val="accent1"/>
+            </a:effectRef>
+            <a:fontRef idx="minor">
+              <a:schemeClr val="tx1"/>
+            </a:fontRef>
+          </p:style>
+        </p:cxnSp>
+        <p:cxnSp>
+          <p:nvCxnSpPr>
+            <p:cNvPr id="31" name="Straight Connector 30">
+              <a:extLst>
+                <a:ext uri="{FF2B5EF4-FFF2-40B4-BE49-F238E27FC236}">
+                  <a16:creationId xmlns:a16="http://schemas.microsoft.com/office/drawing/2014/main" id="{DD8D3090-F5E2-4599-9A6C-FA879E57DB92}"/>
+                </a:ext>
+              </a:extLst>
+            </p:cNvPr>
+            <p:cNvCxnSpPr>
+              <a:cxnSpLocks/>
+            </p:cNvCxnSpPr>
+            <p:nvPr/>
+          </p:nvCxnSpPr>
+          <p:spPr>
+            <a:xfrm rot="5400000" flipH="1" flipV="1">
+              <a:off x="3213195" y="386016"/>
+              <a:ext cx="3481341" cy="3517450"/>
+            </a:xfrm>
+            <a:prstGeom prst="line">
+              <a:avLst/>
+            </a:prstGeom>
+            <a:ln w="57150">
+              <a:solidFill>
+                <a:srgbClr val="FF0000"/>
+              </a:solidFill>
+            </a:ln>
+          </p:spPr>
+          <p:style>
+            <a:lnRef idx="1">
+              <a:schemeClr val="accent1"/>
+            </a:lnRef>
+            <a:fillRef idx="0">
+              <a:schemeClr val="accent1"/>
+            </a:fillRef>
+            <a:effectRef idx="0">
+              <a:schemeClr val="accent1"/>
+            </a:effectRef>
+            <a:fontRef idx="minor">
+              <a:schemeClr val="tx1"/>
+            </a:fontRef>
+          </p:style>
+        </p:cxnSp>
+        <p:cxnSp>
+          <p:nvCxnSpPr>
+            <p:cNvPr id="32" name="Straight Connector 31">
+              <a:extLst>
+                <a:ext uri="{FF2B5EF4-FFF2-40B4-BE49-F238E27FC236}">
+                  <a16:creationId xmlns:a16="http://schemas.microsoft.com/office/drawing/2014/main" id="{36DBA2F0-DD2A-4781-839B-7652628B054A}"/>
+                </a:ext>
+              </a:extLst>
+            </p:cNvPr>
+            <p:cNvCxnSpPr>
+              <a:cxnSpLocks/>
+            </p:cNvCxnSpPr>
+            <p:nvPr/>
+          </p:nvCxnSpPr>
+          <p:spPr>
+            <a:xfrm rot="5400000" flipH="1" flipV="1">
+              <a:off x="3204376" y="464809"/>
+              <a:ext cx="4553693" cy="4554705"/>
+            </a:xfrm>
+            <a:prstGeom prst="line">
+              <a:avLst/>
+            </a:prstGeom>
+            <a:ln w="57150">
+              <a:solidFill>
+                <a:srgbClr val="FF0000"/>
+              </a:solidFill>
+            </a:ln>
+          </p:spPr>
+          <p:style>
+            <a:lnRef idx="1">
+              <a:schemeClr val="accent1"/>
+            </a:lnRef>
+            <a:fillRef idx="0">
+              <a:schemeClr val="accent1"/>
+            </a:fillRef>
+            <a:effectRef idx="0">
+              <a:schemeClr val="accent1"/>
+            </a:effectRef>
+            <a:fontRef idx="minor">
+              <a:schemeClr val="tx1"/>
+            </a:fontRef>
+          </p:style>
+        </p:cxnSp>
+        <p:cxnSp>
+          <p:nvCxnSpPr>
+            <p:cNvPr id="33" name="Straight Connector 32">
+              <a:extLst>
+                <a:ext uri="{FF2B5EF4-FFF2-40B4-BE49-F238E27FC236}">
+                  <a16:creationId xmlns:a16="http://schemas.microsoft.com/office/drawing/2014/main" id="{B2FBAB20-05F2-4C0B-91B0-95A5D6263952}"/>
+                </a:ext>
+              </a:extLst>
+            </p:cNvPr>
+            <p:cNvCxnSpPr>
+              <a:cxnSpLocks/>
+            </p:cNvCxnSpPr>
+            <p:nvPr/>
+          </p:nvCxnSpPr>
+          <p:spPr>
+            <a:xfrm rot="5400000" flipH="1" flipV="1">
+              <a:off x="3218750" y="566972"/>
+              <a:ext cx="5540324" cy="5587543"/>
+            </a:xfrm>
+            <a:prstGeom prst="line">
+              <a:avLst/>
+            </a:prstGeom>
+            <a:ln w="57150">
+              <a:solidFill>
+                <a:srgbClr val="FF0000"/>
+              </a:solidFill>
+            </a:ln>
+          </p:spPr>
+          <p:style>
+            <a:lnRef idx="1">
+              <a:schemeClr val="accent1"/>
+            </a:lnRef>
+            <a:fillRef idx="0">
+              <a:schemeClr val="accent1"/>
+            </a:fillRef>
+            <a:effectRef idx="0">
+              <a:schemeClr val="accent1"/>
+            </a:effectRef>
+            <a:fontRef idx="minor">
+              <a:schemeClr val="tx1"/>
+            </a:fontRef>
+          </p:style>
+        </p:cxnSp>
+        <p:cxnSp>
+          <p:nvCxnSpPr>
+            <p:cNvPr id="34" name="Straight Connector 33">
+              <a:extLst>
+                <a:ext uri="{FF2B5EF4-FFF2-40B4-BE49-F238E27FC236}">
+                  <a16:creationId xmlns:a16="http://schemas.microsoft.com/office/drawing/2014/main" id="{B0C20E65-6E4D-4E4F-8BCF-80DE6A433CE2}"/>
+                </a:ext>
+              </a:extLst>
+            </p:cNvPr>
+            <p:cNvCxnSpPr>
+              <a:cxnSpLocks/>
+            </p:cNvCxnSpPr>
+            <p:nvPr/>
+          </p:nvCxnSpPr>
+          <p:spPr>
+            <a:xfrm rot="5400000" flipH="1" flipV="1">
+              <a:off x="4355061" y="1579876"/>
+              <a:ext cx="4533077" cy="4568983"/>
+            </a:xfrm>
+            <a:prstGeom prst="line">
+              <a:avLst/>
+            </a:prstGeom>
+            <a:ln w="57150">
+              <a:solidFill>
+                <a:srgbClr val="FF0000"/>
+              </a:solidFill>
+            </a:ln>
+          </p:spPr>
+          <p:style>
+            <a:lnRef idx="1">
+              <a:schemeClr val="accent1"/>
+            </a:lnRef>
+            <a:fillRef idx="0">
+              <a:schemeClr val="accent1"/>
+            </a:fillRef>
+            <a:effectRef idx="0">
+              <a:schemeClr val="accent1"/>
+            </a:effectRef>
+            <a:fontRef idx="minor">
+              <a:schemeClr val="tx1"/>
+            </a:fontRef>
+          </p:style>
+        </p:cxnSp>
+        <p:cxnSp>
+          <p:nvCxnSpPr>
+            <p:cNvPr id="35" name="Straight Connector 34">
+              <a:extLst>
+                <a:ext uri="{FF2B5EF4-FFF2-40B4-BE49-F238E27FC236}">
+                  <a16:creationId xmlns:a16="http://schemas.microsoft.com/office/drawing/2014/main" id="{5CB72D3A-815D-422A-BBA4-4418894F983B}"/>
+                </a:ext>
+              </a:extLst>
+            </p:cNvPr>
+            <p:cNvCxnSpPr>
+              <a:cxnSpLocks/>
+            </p:cNvCxnSpPr>
+            <p:nvPr/>
+          </p:nvCxnSpPr>
+          <p:spPr>
+            <a:xfrm rot="5400000" flipH="1" flipV="1">
+              <a:off x="5467385" y="2715001"/>
+              <a:ext cx="3442853" cy="3434558"/>
+            </a:xfrm>
+            <a:prstGeom prst="line">
+              <a:avLst/>
+            </a:prstGeom>
+            <a:ln w="57150">
+              <a:solidFill>
+                <a:srgbClr val="FF0000"/>
+              </a:solidFill>
+            </a:ln>
+          </p:spPr>
+          <p:style>
+            <a:lnRef idx="1">
+              <a:schemeClr val="accent1"/>
+            </a:lnRef>
+            <a:fillRef idx="0">
+              <a:schemeClr val="accent1"/>
+            </a:fillRef>
+            <a:effectRef idx="0">
+              <a:schemeClr val="accent1"/>
+            </a:effectRef>
+            <a:fontRef idx="minor">
+              <a:schemeClr val="tx1"/>
+            </a:fontRef>
+          </p:style>
+        </p:cxnSp>
+        <p:cxnSp>
+          <p:nvCxnSpPr>
+            <p:cNvPr id="36" name="Straight Connector 35">
+              <a:extLst>
+                <a:ext uri="{FF2B5EF4-FFF2-40B4-BE49-F238E27FC236}">
+                  <a16:creationId xmlns:a16="http://schemas.microsoft.com/office/drawing/2014/main" id="{BC52501F-62FF-428A-BA83-D782AE8F88B0}"/>
+                </a:ext>
+              </a:extLst>
+            </p:cNvPr>
+            <p:cNvCxnSpPr>
+              <a:cxnSpLocks/>
+            </p:cNvCxnSpPr>
+            <p:nvPr/>
+          </p:nvCxnSpPr>
+          <p:spPr>
+            <a:xfrm rot="5400000" flipH="1" flipV="1">
+              <a:off x="7691010" y="4981568"/>
+              <a:ext cx="1220364" cy="1211244"/>
+            </a:xfrm>
+            <a:prstGeom prst="line">
+              <a:avLst/>
+            </a:prstGeom>
+            <a:ln w="57150">
+              <a:solidFill>
+                <a:srgbClr val="FF0000"/>
+              </a:solidFill>
+            </a:ln>
+          </p:spPr>
+          <p:style>
+            <a:lnRef idx="1">
+              <a:schemeClr val="accent1"/>
+            </a:lnRef>
+            <a:fillRef idx="0">
+              <a:schemeClr val="accent1"/>
+            </a:fillRef>
+            <a:effectRef idx="0">
+              <a:schemeClr val="accent1"/>
+            </a:effectRef>
+            <a:fontRef idx="minor">
+              <a:schemeClr val="tx1"/>
+            </a:fontRef>
+          </p:style>
+        </p:cxnSp>
+        <p:cxnSp>
+          <p:nvCxnSpPr>
+            <p:cNvPr id="37" name="Straight Connector 36">
+              <a:extLst>
+                <a:ext uri="{FF2B5EF4-FFF2-40B4-BE49-F238E27FC236}">
+                  <a16:creationId xmlns:a16="http://schemas.microsoft.com/office/drawing/2014/main" id="{789F326C-8DF8-4FB5-97BC-D1774FA38580}"/>
+                </a:ext>
+              </a:extLst>
+            </p:cNvPr>
+            <p:cNvCxnSpPr>
+              <a:cxnSpLocks/>
+            </p:cNvCxnSpPr>
+            <p:nvPr/>
+          </p:nvCxnSpPr>
+          <p:spPr>
+            <a:xfrm rot="5400000" flipH="1" flipV="1">
+              <a:off x="6613253" y="3915269"/>
+              <a:ext cx="2229988" cy="2246887"/>
+            </a:xfrm>
+            <a:prstGeom prst="line">
+              <a:avLst/>
+            </a:prstGeom>
+            <a:ln w="57150">
+              <a:solidFill>
+                <a:srgbClr val="FF0000"/>
+              </a:solidFill>
+            </a:ln>
+          </p:spPr>
+          <p:style>
+            <a:lnRef idx="1">
+              <a:schemeClr val="accent1"/>
+            </a:lnRef>
+            <a:fillRef idx="0">
+              <a:schemeClr val="accent1"/>
+            </a:fillRef>
+            <a:effectRef idx="0">
+              <a:schemeClr val="accent1"/>
+            </a:effectRef>
+            <a:fontRef idx="minor">
+              <a:schemeClr val="tx1"/>
+            </a:fontRef>
+          </p:style>
+        </p:cxnSp>
+      </p:grpSp>
+      <p:sp>
+        <p:nvSpPr>
+          <p:cNvPr id="39" name="Oval 38">
+            <a:extLst>
+              <a:ext uri="{FF2B5EF4-FFF2-40B4-BE49-F238E27FC236}">
+                <a16:creationId xmlns:a16="http://schemas.microsoft.com/office/drawing/2014/main" id="{07B915AA-EEDF-4DA2-B7E5-4E257517422F}"/>
+              </a:ext>
+            </a:extLst>
+          </p:cNvPr>
+          <p:cNvSpPr/>
+          <p:nvPr/>
+        </p:nvSpPr>
+        <p:spPr>
+          <a:xfrm>
+            <a:off x="3929105" y="1300153"/>
+            <a:ext cx="199489" cy="218469"/>
+          </a:xfrm>
+          <a:prstGeom prst="ellipse">
+            <a:avLst/>
+          </a:prstGeom>
+          <a:solidFill>
+            <a:srgbClr val="FFFF00"/>
+          </a:solidFill>
+          <a:ln>
+            <a:solidFill>
+              <a:srgbClr val="FFFF00"/>
+            </a:solidFill>
+          </a:ln>
+        </p:spPr>
+        <p:style>
+          <a:lnRef idx="2">
+            <a:schemeClr val="accent1">
+              <a:shade val="50000"/>
+            </a:schemeClr>
+          </a:lnRef>
+          <a:fillRef idx="1">
+            <a:schemeClr val="accent1"/>
+          </a:fillRef>
+          <a:effectRef idx="0">
+            <a:schemeClr val="accent1"/>
+          </a:effectRef>
+          <a:fontRef idx="minor">
+            <a:schemeClr val="lt1"/>
+          </a:fontRef>
+        </p:style>
+        <p:txBody>
+          <a:bodyPr rtlCol="0" anchor="ctr"/>
+          <a:lstStyle/>
+          <a:p>
+            <a:pPr algn="ctr"/>
+            <a:endParaRPr lang="en-GB"/>
+          </a:p>
+        </p:txBody>
+      </p:sp>
+      <p:sp>
+        <p:nvSpPr>
+          <p:cNvPr id="40" name="Oval 39">
+            <a:extLst>
+              <a:ext uri="{FF2B5EF4-FFF2-40B4-BE49-F238E27FC236}">
+                <a16:creationId xmlns:a16="http://schemas.microsoft.com/office/drawing/2014/main" id="{508DF61C-79E0-4907-89D5-C07DC18A6AF8}"/>
+              </a:ext>
+            </a:extLst>
+          </p:cNvPr>
+          <p:cNvSpPr/>
+          <p:nvPr/>
+        </p:nvSpPr>
+        <p:spPr>
+          <a:xfrm>
             <a:off x="6191691" y="3553497"/>
             <a:ext cx="199489" cy="218469"/>
           </a:xfrm>
@@ -6772,7 +10441,2021 @@
 </p:sld>
 </file>
 
-<file path=ppt/slides/slide3.xml><?xml version="1.0" encoding="utf-8"?>
+<file path=ppt/slides/slide5.xml><?xml version="1.0" encoding="utf-8"?>
+<p:sld xmlns:a="http://schemas.openxmlformats.org/drawingml/2006/main" xmlns:r="http://schemas.openxmlformats.org/officeDocument/2006/relationships" xmlns:p="http://schemas.openxmlformats.org/presentationml/2006/main">
+  <p:cSld>
+    <p:spTree>
+      <p:nvGrpSpPr>
+        <p:cNvPr id="1" name=""/>
+        <p:cNvGrpSpPr/>
+        <p:nvPr/>
+      </p:nvGrpSpPr>
+      <p:grpSpPr>
+        <a:xfrm>
+          <a:off x="0" y="0"/>
+          <a:ext cx="0" cy="0"/>
+          <a:chOff x="0" y="0"/>
+          <a:chExt cx="0" cy="0"/>
+        </a:xfrm>
+      </p:grpSpPr>
+      <p:pic>
+        <p:nvPicPr>
+          <p:cNvPr id="5" name="Picture 4">
+            <a:extLst>
+              <a:ext uri="{FF2B5EF4-FFF2-40B4-BE49-F238E27FC236}">
+                <a16:creationId xmlns:a16="http://schemas.microsoft.com/office/drawing/2014/main" id="{B26EC95D-3D34-4CC9-8C63-E88923594B18}"/>
+              </a:ext>
+            </a:extLst>
+          </p:cNvPr>
+          <p:cNvPicPr>
+            <a:picLocks noChangeAspect="1"/>
+          </p:cNvPicPr>
+          <p:nvPr/>
+        </p:nvPicPr>
+        <p:blipFill>
+          <a:blip r:embed="rId2"/>
+          <a:stretch>
+            <a:fillRect/>
+          </a:stretch>
+        </p:blipFill>
+        <p:spPr>
+          <a:xfrm>
+            <a:off x="967636" y="663331"/>
+            <a:ext cx="6111941" cy="6089635"/>
+          </a:xfrm>
+          <a:prstGeom prst="rect">
+            <a:avLst/>
+          </a:prstGeom>
+        </p:spPr>
+      </p:pic>
+      <p:cxnSp>
+        <p:nvCxnSpPr>
+          <p:cNvPr id="7" name="Straight Connector 6">
+            <a:extLst>
+              <a:ext uri="{FF2B5EF4-FFF2-40B4-BE49-F238E27FC236}">
+                <a16:creationId xmlns:a16="http://schemas.microsoft.com/office/drawing/2014/main" id="{A6649049-CD0A-4F62-8FB8-4DA2664982BD}"/>
+              </a:ext>
+            </a:extLst>
+          </p:cNvPr>
+          <p:cNvCxnSpPr/>
+          <p:nvPr/>
+        </p:nvCxnSpPr>
+        <p:spPr>
+          <a:xfrm>
+            <a:off x="-144261" y="3693883"/>
+            <a:ext cx="8985379" cy="0"/>
+          </a:xfrm>
+          <a:prstGeom prst="line">
+            <a:avLst/>
+          </a:prstGeom>
+          <a:ln w="38100">
+            <a:solidFill>
+              <a:schemeClr val="accent3">
+                <a:lumMod val="60000"/>
+                <a:lumOff val="40000"/>
+              </a:schemeClr>
+            </a:solidFill>
+            <a:prstDash val="dash"/>
+          </a:ln>
+        </p:spPr>
+        <p:style>
+          <a:lnRef idx="1">
+            <a:schemeClr val="accent1"/>
+          </a:lnRef>
+          <a:fillRef idx="0">
+            <a:schemeClr val="accent1"/>
+          </a:fillRef>
+          <a:effectRef idx="0">
+            <a:schemeClr val="accent1"/>
+          </a:effectRef>
+          <a:fontRef idx="minor">
+            <a:schemeClr val="tx1"/>
+          </a:fontRef>
+        </p:style>
+      </p:cxnSp>
+      <p:cxnSp>
+        <p:nvCxnSpPr>
+          <p:cNvPr id="8" name="Straight Connector 7">
+            <a:extLst>
+              <a:ext uri="{FF2B5EF4-FFF2-40B4-BE49-F238E27FC236}">
+                <a16:creationId xmlns:a16="http://schemas.microsoft.com/office/drawing/2014/main" id="{A7056B64-3D22-484D-A6DC-5C75C6F9101F}"/>
+              </a:ext>
+            </a:extLst>
+          </p:cNvPr>
+          <p:cNvCxnSpPr>
+            <a:cxnSpLocks/>
+          </p:cNvCxnSpPr>
+          <p:nvPr/>
+        </p:nvCxnSpPr>
+        <p:spPr>
+          <a:xfrm>
+            <a:off x="4023605" y="199413"/>
+            <a:ext cx="0" cy="8985600"/>
+          </a:xfrm>
+          <a:prstGeom prst="line">
+            <a:avLst/>
+          </a:prstGeom>
+          <a:ln w="38100">
+            <a:solidFill>
+              <a:schemeClr val="accent3">
+                <a:lumMod val="60000"/>
+                <a:lumOff val="40000"/>
+              </a:schemeClr>
+            </a:solidFill>
+            <a:prstDash val="dash"/>
+          </a:ln>
+        </p:spPr>
+        <p:style>
+          <a:lnRef idx="1">
+            <a:schemeClr val="accent1"/>
+          </a:lnRef>
+          <a:fillRef idx="0">
+            <a:schemeClr val="accent1"/>
+          </a:fillRef>
+          <a:effectRef idx="0">
+            <a:schemeClr val="accent1"/>
+          </a:effectRef>
+          <a:fontRef idx="minor">
+            <a:schemeClr val="tx1"/>
+          </a:fontRef>
+        </p:style>
+      </p:cxnSp>
+      <p:cxnSp>
+        <p:nvCxnSpPr>
+          <p:cNvPr id="11" name="Straight Connector 10">
+            <a:extLst>
+              <a:ext uri="{FF2B5EF4-FFF2-40B4-BE49-F238E27FC236}">
+                <a16:creationId xmlns:a16="http://schemas.microsoft.com/office/drawing/2014/main" id="{33DAB511-69CD-4848-94C5-E0DA57A9C395}"/>
+              </a:ext>
+            </a:extLst>
+          </p:cNvPr>
+          <p:cNvCxnSpPr>
+            <a:cxnSpLocks/>
+          </p:cNvCxnSpPr>
+          <p:nvPr/>
+        </p:nvCxnSpPr>
+        <p:spPr>
+          <a:xfrm flipV="1">
+            <a:off x="1175953" y="795630"/>
+            <a:ext cx="1160411" cy="1149212"/>
+          </a:xfrm>
+          <a:prstGeom prst="line">
+            <a:avLst/>
+          </a:prstGeom>
+          <a:ln w="57150">
+            <a:solidFill>
+              <a:srgbClr val="FF0000"/>
+            </a:solidFill>
+          </a:ln>
+        </p:spPr>
+        <p:style>
+          <a:lnRef idx="1">
+            <a:schemeClr val="accent1"/>
+          </a:lnRef>
+          <a:fillRef idx="0">
+            <a:schemeClr val="accent1"/>
+          </a:fillRef>
+          <a:effectRef idx="0">
+            <a:schemeClr val="accent1"/>
+          </a:effectRef>
+          <a:fontRef idx="minor">
+            <a:schemeClr val="tx1"/>
+          </a:fontRef>
+        </p:style>
+      </p:cxnSp>
+      <p:cxnSp>
+        <p:nvCxnSpPr>
+          <p:cNvPr id="16" name="Straight Connector 15">
+            <a:extLst>
+              <a:ext uri="{FF2B5EF4-FFF2-40B4-BE49-F238E27FC236}">
+                <a16:creationId xmlns:a16="http://schemas.microsoft.com/office/drawing/2014/main" id="{67733E0A-50EE-43E6-82FA-A8BA354A352C}"/>
+              </a:ext>
+            </a:extLst>
+          </p:cNvPr>
+          <p:cNvCxnSpPr>
+            <a:cxnSpLocks/>
+          </p:cNvCxnSpPr>
+          <p:nvPr/>
+        </p:nvCxnSpPr>
+        <p:spPr>
+          <a:xfrm flipV="1">
+            <a:off x="1175953" y="769063"/>
+            <a:ext cx="2309458" cy="2320521"/>
+          </a:xfrm>
+          <a:prstGeom prst="line">
+            <a:avLst/>
+          </a:prstGeom>
+          <a:ln w="57150">
+            <a:solidFill>
+              <a:srgbClr val="FF0000"/>
+            </a:solidFill>
+          </a:ln>
+        </p:spPr>
+        <p:style>
+          <a:lnRef idx="1">
+            <a:schemeClr val="accent1"/>
+          </a:lnRef>
+          <a:fillRef idx="0">
+            <a:schemeClr val="accent1"/>
+          </a:fillRef>
+          <a:effectRef idx="0">
+            <a:schemeClr val="accent1"/>
+          </a:effectRef>
+          <a:fontRef idx="minor">
+            <a:schemeClr val="tx1"/>
+          </a:fontRef>
+        </p:style>
+      </p:cxnSp>
+      <p:cxnSp>
+        <p:nvCxnSpPr>
+          <p:cNvPr id="18" name="Straight Connector 17">
+            <a:extLst>
+              <a:ext uri="{FF2B5EF4-FFF2-40B4-BE49-F238E27FC236}">
+                <a16:creationId xmlns:a16="http://schemas.microsoft.com/office/drawing/2014/main" id="{7816D579-3B96-4C0D-8362-F0AE37831E54}"/>
+              </a:ext>
+            </a:extLst>
+          </p:cNvPr>
+          <p:cNvCxnSpPr>
+            <a:cxnSpLocks/>
+          </p:cNvCxnSpPr>
+          <p:nvPr/>
+        </p:nvCxnSpPr>
+        <p:spPr>
+          <a:xfrm flipV="1">
+            <a:off x="1142623" y="783195"/>
+            <a:ext cx="3480718" cy="3493078"/>
+          </a:xfrm>
+          <a:prstGeom prst="line">
+            <a:avLst/>
+          </a:prstGeom>
+          <a:ln w="57150">
+            <a:solidFill>
+              <a:srgbClr val="FF0000"/>
+            </a:solidFill>
+          </a:ln>
+        </p:spPr>
+        <p:style>
+          <a:lnRef idx="1">
+            <a:schemeClr val="accent1"/>
+          </a:lnRef>
+          <a:fillRef idx="0">
+            <a:schemeClr val="accent1"/>
+          </a:fillRef>
+          <a:effectRef idx="0">
+            <a:schemeClr val="accent1"/>
+          </a:effectRef>
+          <a:fontRef idx="minor">
+            <a:schemeClr val="tx1"/>
+          </a:fontRef>
+        </p:style>
+      </p:cxnSp>
+      <p:cxnSp>
+        <p:nvCxnSpPr>
+          <p:cNvPr id="21" name="Straight Connector 20">
+            <a:extLst>
+              <a:ext uri="{FF2B5EF4-FFF2-40B4-BE49-F238E27FC236}">
+                <a16:creationId xmlns:a16="http://schemas.microsoft.com/office/drawing/2014/main" id="{1CAA8143-5FF2-4B81-A235-D36BC84D2FF7}"/>
+              </a:ext>
+            </a:extLst>
+          </p:cNvPr>
+          <p:cNvCxnSpPr>
+            <a:cxnSpLocks/>
+          </p:cNvCxnSpPr>
+          <p:nvPr/>
+        </p:nvCxnSpPr>
+        <p:spPr>
+          <a:xfrm flipV="1">
+            <a:off x="1142623" y="788592"/>
+            <a:ext cx="4622973" cy="4578440"/>
+          </a:xfrm>
+          <a:prstGeom prst="line">
+            <a:avLst/>
+          </a:prstGeom>
+          <a:ln w="57150">
+            <a:solidFill>
+              <a:srgbClr val="FF0000"/>
+            </a:solidFill>
+          </a:ln>
+        </p:spPr>
+        <p:style>
+          <a:lnRef idx="1">
+            <a:schemeClr val="accent1"/>
+          </a:lnRef>
+          <a:fillRef idx="0">
+            <a:schemeClr val="accent1"/>
+          </a:fillRef>
+          <a:effectRef idx="0">
+            <a:schemeClr val="accent1"/>
+          </a:effectRef>
+          <a:fontRef idx="minor">
+            <a:schemeClr val="tx1"/>
+          </a:fontRef>
+        </p:style>
+      </p:cxnSp>
+      <p:cxnSp>
+        <p:nvCxnSpPr>
+          <p:cNvPr id="23" name="Straight Connector 22">
+            <a:extLst>
+              <a:ext uri="{FF2B5EF4-FFF2-40B4-BE49-F238E27FC236}">
+                <a16:creationId xmlns:a16="http://schemas.microsoft.com/office/drawing/2014/main" id="{AA877DA4-8ACE-4A4E-BA13-9CF0E4ABC4AF}"/>
+              </a:ext>
+            </a:extLst>
+          </p:cNvPr>
+          <p:cNvCxnSpPr>
+            <a:cxnSpLocks/>
+          </p:cNvCxnSpPr>
+          <p:nvPr/>
+        </p:nvCxnSpPr>
+        <p:spPr>
+          <a:xfrm flipV="1">
+            <a:off x="1142624" y="788595"/>
+            <a:ext cx="5740089" cy="5710950"/>
+          </a:xfrm>
+          <a:prstGeom prst="line">
+            <a:avLst/>
+          </a:prstGeom>
+          <a:ln w="57150">
+            <a:solidFill>
+              <a:srgbClr val="FF0000"/>
+            </a:solidFill>
+          </a:ln>
+        </p:spPr>
+        <p:style>
+          <a:lnRef idx="1">
+            <a:schemeClr val="accent1"/>
+          </a:lnRef>
+          <a:fillRef idx="0">
+            <a:schemeClr val="accent1"/>
+          </a:fillRef>
+          <a:effectRef idx="0">
+            <a:schemeClr val="accent1"/>
+          </a:effectRef>
+          <a:fontRef idx="minor">
+            <a:schemeClr val="tx1"/>
+          </a:fontRef>
+        </p:style>
+      </p:cxnSp>
+      <p:cxnSp>
+        <p:nvCxnSpPr>
+          <p:cNvPr id="25" name="Straight Connector 24">
+            <a:extLst>
+              <a:ext uri="{FF2B5EF4-FFF2-40B4-BE49-F238E27FC236}">
+                <a16:creationId xmlns:a16="http://schemas.microsoft.com/office/drawing/2014/main" id="{3C4121AE-8FB4-440D-BA75-6AABCBF9C113}"/>
+              </a:ext>
+            </a:extLst>
+          </p:cNvPr>
+          <p:cNvCxnSpPr>
+            <a:cxnSpLocks/>
+          </p:cNvCxnSpPr>
+          <p:nvPr/>
+        </p:nvCxnSpPr>
+        <p:spPr>
+          <a:xfrm flipV="1">
+            <a:off x="2290139" y="1909828"/>
+            <a:ext cx="4617871" cy="4589717"/>
+          </a:xfrm>
+          <a:prstGeom prst="line">
+            <a:avLst/>
+          </a:prstGeom>
+          <a:ln w="57150">
+            <a:solidFill>
+              <a:srgbClr val="FF0000"/>
+            </a:solidFill>
+          </a:ln>
+        </p:spPr>
+        <p:style>
+          <a:lnRef idx="1">
+            <a:schemeClr val="accent1"/>
+          </a:lnRef>
+          <a:fillRef idx="0">
+            <a:schemeClr val="accent1"/>
+          </a:fillRef>
+          <a:effectRef idx="0">
+            <a:schemeClr val="accent1"/>
+          </a:effectRef>
+          <a:fontRef idx="minor">
+            <a:schemeClr val="tx1"/>
+          </a:fontRef>
+        </p:style>
+      </p:cxnSp>
+      <p:cxnSp>
+        <p:nvCxnSpPr>
+          <p:cNvPr id="26" name="Straight Connector 25">
+            <a:extLst>
+              <a:ext uri="{FF2B5EF4-FFF2-40B4-BE49-F238E27FC236}">
+                <a16:creationId xmlns:a16="http://schemas.microsoft.com/office/drawing/2014/main" id="{E1157E9F-F7A7-4D32-82EE-B69D9F8B2678}"/>
+              </a:ext>
+            </a:extLst>
+          </p:cNvPr>
+          <p:cNvCxnSpPr>
+            <a:cxnSpLocks/>
+          </p:cNvCxnSpPr>
+          <p:nvPr/>
+        </p:nvCxnSpPr>
+        <p:spPr>
+          <a:xfrm flipV="1">
+            <a:off x="3424840" y="3072203"/>
+            <a:ext cx="3441011" cy="3436071"/>
+          </a:xfrm>
+          <a:prstGeom prst="line">
+            <a:avLst/>
+          </a:prstGeom>
+          <a:ln w="57150">
+            <a:solidFill>
+              <a:srgbClr val="FF0000"/>
+            </a:solidFill>
+          </a:ln>
+        </p:spPr>
+        <p:style>
+          <a:lnRef idx="1">
+            <a:schemeClr val="accent1"/>
+          </a:lnRef>
+          <a:fillRef idx="0">
+            <a:schemeClr val="accent1"/>
+          </a:fillRef>
+          <a:effectRef idx="0">
+            <a:schemeClr val="accent1"/>
+          </a:effectRef>
+          <a:fontRef idx="minor">
+            <a:schemeClr val="tx1"/>
+          </a:fontRef>
+        </p:style>
+      </p:cxnSp>
+      <p:cxnSp>
+        <p:nvCxnSpPr>
+          <p:cNvPr id="27" name="Straight Connector 26">
+            <a:extLst>
+              <a:ext uri="{FF2B5EF4-FFF2-40B4-BE49-F238E27FC236}">
+                <a16:creationId xmlns:a16="http://schemas.microsoft.com/office/drawing/2014/main" id="{80CCEBB0-1E6F-449D-95A3-A0FE196771C3}"/>
+              </a:ext>
+            </a:extLst>
+          </p:cNvPr>
+          <p:cNvCxnSpPr>
+            <a:cxnSpLocks/>
+          </p:cNvCxnSpPr>
+          <p:nvPr/>
+        </p:nvCxnSpPr>
+        <p:spPr>
+          <a:xfrm flipV="1">
+            <a:off x="5701942" y="5367032"/>
+            <a:ext cx="1133596" cy="1141242"/>
+          </a:xfrm>
+          <a:prstGeom prst="line">
+            <a:avLst/>
+          </a:prstGeom>
+          <a:ln w="57150">
+            <a:solidFill>
+              <a:srgbClr val="FF0000"/>
+            </a:solidFill>
+          </a:ln>
+        </p:spPr>
+        <p:style>
+          <a:lnRef idx="1">
+            <a:schemeClr val="accent1"/>
+          </a:lnRef>
+          <a:fillRef idx="0">
+            <a:schemeClr val="accent1"/>
+          </a:fillRef>
+          <a:effectRef idx="0">
+            <a:schemeClr val="accent1"/>
+          </a:effectRef>
+          <a:fontRef idx="minor">
+            <a:schemeClr val="tx1"/>
+          </a:fontRef>
+        </p:style>
+      </p:cxnSp>
+      <p:cxnSp>
+        <p:nvCxnSpPr>
+          <p:cNvPr id="28" name="Straight Connector 27">
+            <a:extLst>
+              <a:ext uri="{FF2B5EF4-FFF2-40B4-BE49-F238E27FC236}">
+                <a16:creationId xmlns:a16="http://schemas.microsoft.com/office/drawing/2014/main" id="{B1A5C0C5-383B-44C2-AA4D-2AA1FDFE43F6}"/>
+              </a:ext>
+            </a:extLst>
+          </p:cNvPr>
+          <p:cNvCxnSpPr>
+            <a:cxnSpLocks/>
+          </p:cNvCxnSpPr>
+          <p:nvPr/>
+        </p:nvCxnSpPr>
+        <p:spPr>
+          <a:xfrm flipV="1">
+            <a:off x="4600068" y="4231883"/>
+            <a:ext cx="2277423" cy="2245450"/>
+          </a:xfrm>
+          <a:prstGeom prst="line">
+            <a:avLst/>
+          </a:prstGeom>
+          <a:ln w="57150">
+            <a:solidFill>
+              <a:srgbClr val="FF0000"/>
+            </a:solidFill>
+          </a:ln>
+        </p:spPr>
+        <p:style>
+          <a:lnRef idx="1">
+            <a:schemeClr val="accent1"/>
+          </a:lnRef>
+          <a:fillRef idx="0">
+            <a:schemeClr val="accent1"/>
+          </a:fillRef>
+          <a:effectRef idx="0">
+            <a:schemeClr val="accent1"/>
+          </a:effectRef>
+          <a:fontRef idx="minor">
+            <a:schemeClr val="tx1"/>
+          </a:fontRef>
+        </p:style>
+      </p:cxnSp>
+      <p:grpSp>
+        <p:nvGrpSpPr>
+          <p:cNvPr id="38" name="Group 37">
+            <a:extLst>
+              <a:ext uri="{FF2B5EF4-FFF2-40B4-BE49-F238E27FC236}">
+                <a16:creationId xmlns:a16="http://schemas.microsoft.com/office/drawing/2014/main" id="{E255C07C-5229-4674-9939-D6B425537B8C}"/>
+              </a:ext>
+            </a:extLst>
+          </p:cNvPr>
+          <p:cNvGrpSpPr/>
+          <p:nvPr/>
+        </p:nvGrpSpPr>
+        <p:grpSpPr>
+          <a:xfrm rot="16200000">
+            <a:off x="1191472" y="755790"/>
+            <a:ext cx="5711674" cy="5793302"/>
+            <a:chOff x="3195140" y="404070"/>
+            <a:chExt cx="5711674" cy="5793302"/>
+          </a:xfrm>
+        </p:grpSpPr>
+        <p:cxnSp>
+          <p:nvCxnSpPr>
+            <p:cNvPr id="29" name="Straight Connector 28">
+              <a:extLst>
+                <a:ext uri="{FF2B5EF4-FFF2-40B4-BE49-F238E27FC236}">
+                  <a16:creationId xmlns:a16="http://schemas.microsoft.com/office/drawing/2014/main" id="{32E0868D-03BF-4481-B173-6C524D868E8E}"/>
+                </a:ext>
+              </a:extLst>
+            </p:cNvPr>
+            <p:cNvCxnSpPr>
+              <a:cxnSpLocks/>
+            </p:cNvCxnSpPr>
+            <p:nvPr/>
+          </p:nvCxnSpPr>
+          <p:spPr>
+            <a:xfrm rot="5400000" flipH="1" flipV="1">
+              <a:off x="3205101" y="443170"/>
+              <a:ext cx="1163909" cy="1166371"/>
+            </a:xfrm>
+            <a:prstGeom prst="line">
+              <a:avLst/>
+            </a:prstGeom>
+            <a:ln w="57150">
+              <a:solidFill>
+                <a:srgbClr val="FF0000"/>
+              </a:solidFill>
+            </a:ln>
+          </p:spPr>
+          <p:style>
+            <a:lnRef idx="1">
+              <a:schemeClr val="accent1"/>
+            </a:lnRef>
+            <a:fillRef idx="0">
+              <a:schemeClr val="accent1"/>
+            </a:fillRef>
+            <a:effectRef idx="0">
+              <a:schemeClr val="accent1"/>
+            </a:effectRef>
+            <a:fontRef idx="minor">
+              <a:schemeClr val="tx1"/>
+            </a:fontRef>
+          </p:style>
+        </p:cxnSp>
+        <p:cxnSp>
+          <p:nvCxnSpPr>
+            <p:cNvPr id="30" name="Straight Connector 29">
+              <a:extLst>
+                <a:ext uri="{FF2B5EF4-FFF2-40B4-BE49-F238E27FC236}">
+                  <a16:creationId xmlns:a16="http://schemas.microsoft.com/office/drawing/2014/main" id="{5876B4D9-5BBC-4823-A5E3-A63FFC6DDE9C}"/>
+                </a:ext>
+              </a:extLst>
+            </p:cNvPr>
+            <p:cNvCxnSpPr>
+              <a:cxnSpLocks/>
+            </p:cNvCxnSpPr>
+            <p:nvPr/>
+          </p:nvCxnSpPr>
+          <p:spPr>
+            <a:xfrm rot="5400000" flipH="1" flipV="1">
+              <a:off x="3237314" y="468757"/>
+              <a:ext cx="2245537" cy="2238653"/>
+            </a:xfrm>
+            <a:prstGeom prst="line">
+              <a:avLst/>
+            </a:prstGeom>
+            <a:ln w="57150">
+              <a:solidFill>
+                <a:srgbClr val="FF0000"/>
+              </a:solidFill>
+            </a:ln>
+          </p:spPr>
+          <p:style>
+            <a:lnRef idx="1">
+              <a:schemeClr val="accent1"/>
+            </a:lnRef>
+            <a:fillRef idx="0">
+              <a:schemeClr val="accent1"/>
+            </a:fillRef>
+            <a:effectRef idx="0">
+              <a:schemeClr val="accent1"/>
+            </a:effectRef>
+            <a:fontRef idx="minor">
+              <a:schemeClr val="tx1"/>
+            </a:fontRef>
+          </p:style>
+        </p:cxnSp>
+        <p:cxnSp>
+          <p:nvCxnSpPr>
+            <p:cNvPr id="31" name="Straight Connector 30">
+              <a:extLst>
+                <a:ext uri="{FF2B5EF4-FFF2-40B4-BE49-F238E27FC236}">
+                  <a16:creationId xmlns:a16="http://schemas.microsoft.com/office/drawing/2014/main" id="{DD8D3090-F5E2-4599-9A6C-FA879E57DB92}"/>
+                </a:ext>
+              </a:extLst>
+            </p:cNvPr>
+            <p:cNvCxnSpPr>
+              <a:cxnSpLocks/>
+            </p:cNvCxnSpPr>
+            <p:nvPr/>
+          </p:nvCxnSpPr>
+          <p:spPr>
+            <a:xfrm rot="5400000" flipH="1" flipV="1">
+              <a:off x="3213195" y="386016"/>
+              <a:ext cx="3481341" cy="3517450"/>
+            </a:xfrm>
+            <a:prstGeom prst="line">
+              <a:avLst/>
+            </a:prstGeom>
+            <a:ln w="57150">
+              <a:solidFill>
+                <a:srgbClr val="FF0000"/>
+              </a:solidFill>
+            </a:ln>
+          </p:spPr>
+          <p:style>
+            <a:lnRef idx="1">
+              <a:schemeClr val="accent1"/>
+            </a:lnRef>
+            <a:fillRef idx="0">
+              <a:schemeClr val="accent1"/>
+            </a:fillRef>
+            <a:effectRef idx="0">
+              <a:schemeClr val="accent1"/>
+            </a:effectRef>
+            <a:fontRef idx="minor">
+              <a:schemeClr val="tx1"/>
+            </a:fontRef>
+          </p:style>
+        </p:cxnSp>
+        <p:cxnSp>
+          <p:nvCxnSpPr>
+            <p:cNvPr id="32" name="Straight Connector 31">
+              <a:extLst>
+                <a:ext uri="{FF2B5EF4-FFF2-40B4-BE49-F238E27FC236}">
+                  <a16:creationId xmlns:a16="http://schemas.microsoft.com/office/drawing/2014/main" id="{36DBA2F0-DD2A-4781-839B-7652628B054A}"/>
+                </a:ext>
+              </a:extLst>
+            </p:cNvPr>
+            <p:cNvCxnSpPr>
+              <a:cxnSpLocks/>
+            </p:cNvCxnSpPr>
+            <p:nvPr/>
+          </p:nvCxnSpPr>
+          <p:spPr>
+            <a:xfrm rot="5400000" flipH="1" flipV="1">
+              <a:off x="3204376" y="464809"/>
+              <a:ext cx="4553693" cy="4554705"/>
+            </a:xfrm>
+            <a:prstGeom prst="line">
+              <a:avLst/>
+            </a:prstGeom>
+            <a:ln w="57150">
+              <a:solidFill>
+                <a:srgbClr val="FF0000"/>
+              </a:solidFill>
+            </a:ln>
+          </p:spPr>
+          <p:style>
+            <a:lnRef idx="1">
+              <a:schemeClr val="accent1"/>
+            </a:lnRef>
+            <a:fillRef idx="0">
+              <a:schemeClr val="accent1"/>
+            </a:fillRef>
+            <a:effectRef idx="0">
+              <a:schemeClr val="accent1"/>
+            </a:effectRef>
+            <a:fontRef idx="minor">
+              <a:schemeClr val="tx1"/>
+            </a:fontRef>
+          </p:style>
+        </p:cxnSp>
+        <p:cxnSp>
+          <p:nvCxnSpPr>
+            <p:cNvPr id="33" name="Straight Connector 32">
+              <a:extLst>
+                <a:ext uri="{FF2B5EF4-FFF2-40B4-BE49-F238E27FC236}">
+                  <a16:creationId xmlns:a16="http://schemas.microsoft.com/office/drawing/2014/main" id="{B2FBAB20-05F2-4C0B-91B0-95A5D6263952}"/>
+                </a:ext>
+              </a:extLst>
+            </p:cNvPr>
+            <p:cNvCxnSpPr>
+              <a:cxnSpLocks/>
+            </p:cNvCxnSpPr>
+            <p:nvPr/>
+          </p:nvCxnSpPr>
+          <p:spPr>
+            <a:xfrm rot="5400000" flipH="1" flipV="1">
+              <a:off x="3218750" y="566972"/>
+              <a:ext cx="5540324" cy="5587543"/>
+            </a:xfrm>
+            <a:prstGeom prst="line">
+              <a:avLst/>
+            </a:prstGeom>
+            <a:ln w="57150">
+              <a:solidFill>
+                <a:srgbClr val="FF0000"/>
+              </a:solidFill>
+            </a:ln>
+          </p:spPr>
+          <p:style>
+            <a:lnRef idx="1">
+              <a:schemeClr val="accent1"/>
+            </a:lnRef>
+            <a:fillRef idx="0">
+              <a:schemeClr val="accent1"/>
+            </a:fillRef>
+            <a:effectRef idx="0">
+              <a:schemeClr val="accent1"/>
+            </a:effectRef>
+            <a:fontRef idx="minor">
+              <a:schemeClr val="tx1"/>
+            </a:fontRef>
+          </p:style>
+        </p:cxnSp>
+        <p:cxnSp>
+          <p:nvCxnSpPr>
+            <p:cNvPr id="34" name="Straight Connector 33">
+              <a:extLst>
+                <a:ext uri="{FF2B5EF4-FFF2-40B4-BE49-F238E27FC236}">
+                  <a16:creationId xmlns:a16="http://schemas.microsoft.com/office/drawing/2014/main" id="{B0C20E65-6E4D-4E4F-8BCF-80DE6A433CE2}"/>
+                </a:ext>
+              </a:extLst>
+            </p:cNvPr>
+            <p:cNvCxnSpPr>
+              <a:cxnSpLocks/>
+            </p:cNvCxnSpPr>
+            <p:nvPr/>
+          </p:nvCxnSpPr>
+          <p:spPr>
+            <a:xfrm rot="5400000" flipH="1" flipV="1">
+              <a:off x="4355061" y="1579876"/>
+              <a:ext cx="4533077" cy="4568983"/>
+            </a:xfrm>
+            <a:prstGeom prst="line">
+              <a:avLst/>
+            </a:prstGeom>
+            <a:ln w="57150">
+              <a:solidFill>
+                <a:srgbClr val="FF0000"/>
+              </a:solidFill>
+            </a:ln>
+          </p:spPr>
+          <p:style>
+            <a:lnRef idx="1">
+              <a:schemeClr val="accent1"/>
+            </a:lnRef>
+            <a:fillRef idx="0">
+              <a:schemeClr val="accent1"/>
+            </a:fillRef>
+            <a:effectRef idx="0">
+              <a:schemeClr val="accent1"/>
+            </a:effectRef>
+            <a:fontRef idx="minor">
+              <a:schemeClr val="tx1"/>
+            </a:fontRef>
+          </p:style>
+        </p:cxnSp>
+        <p:cxnSp>
+          <p:nvCxnSpPr>
+            <p:cNvPr id="35" name="Straight Connector 34">
+              <a:extLst>
+                <a:ext uri="{FF2B5EF4-FFF2-40B4-BE49-F238E27FC236}">
+                  <a16:creationId xmlns:a16="http://schemas.microsoft.com/office/drawing/2014/main" id="{5CB72D3A-815D-422A-BBA4-4418894F983B}"/>
+                </a:ext>
+              </a:extLst>
+            </p:cNvPr>
+            <p:cNvCxnSpPr>
+              <a:cxnSpLocks/>
+            </p:cNvCxnSpPr>
+            <p:nvPr/>
+          </p:nvCxnSpPr>
+          <p:spPr>
+            <a:xfrm rot="5400000" flipH="1" flipV="1">
+              <a:off x="5467385" y="2715001"/>
+              <a:ext cx="3442853" cy="3434558"/>
+            </a:xfrm>
+            <a:prstGeom prst="line">
+              <a:avLst/>
+            </a:prstGeom>
+            <a:ln w="57150">
+              <a:solidFill>
+                <a:srgbClr val="FF0000"/>
+              </a:solidFill>
+            </a:ln>
+          </p:spPr>
+          <p:style>
+            <a:lnRef idx="1">
+              <a:schemeClr val="accent1"/>
+            </a:lnRef>
+            <a:fillRef idx="0">
+              <a:schemeClr val="accent1"/>
+            </a:fillRef>
+            <a:effectRef idx="0">
+              <a:schemeClr val="accent1"/>
+            </a:effectRef>
+            <a:fontRef idx="minor">
+              <a:schemeClr val="tx1"/>
+            </a:fontRef>
+          </p:style>
+        </p:cxnSp>
+        <p:cxnSp>
+          <p:nvCxnSpPr>
+            <p:cNvPr id="36" name="Straight Connector 35">
+              <a:extLst>
+                <a:ext uri="{FF2B5EF4-FFF2-40B4-BE49-F238E27FC236}">
+                  <a16:creationId xmlns:a16="http://schemas.microsoft.com/office/drawing/2014/main" id="{BC52501F-62FF-428A-BA83-D782AE8F88B0}"/>
+                </a:ext>
+              </a:extLst>
+            </p:cNvPr>
+            <p:cNvCxnSpPr>
+              <a:cxnSpLocks/>
+            </p:cNvCxnSpPr>
+            <p:nvPr/>
+          </p:nvCxnSpPr>
+          <p:spPr>
+            <a:xfrm rot="5400000" flipH="1" flipV="1">
+              <a:off x="7691010" y="4981568"/>
+              <a:ext cx="1220364" cy="1211244"/>
+            </a:xfrm>
+            <a:prstGeom prst="line">
+              <a:avLst/>
+            </a:prstGeom>
+            <a:ln w="57150">
+              <a:solidFill>
+                <a:srgbClr val="FF0000"/>
+              </a:solidFill>
+            </a:ln>
+          </p:spPr>
+          <p:style>
+            <a:lnRef idx="1">
+              <a:schemeClr val="accent1"/>
+            </a:lnRef>
+            <a:fillRef idx="0">
+              <a:schemeClr val="accent1"/>
+            </a:fillRef>
+            <a:effectRef idx="0">
+              <a:schemeClr val="accent1"/>
+            </a:effectRef>
+            <a:fontRef idx="minor">
+              <a:schemeClr val="tx1"/>
+            </a:fontRef>
+          </p:style>
+        </p:cxnSp>
+        <p:cxnSp>
+          <p:nvCxnSpPr>
+            <p:cNvPr id="37" name="Straight Connector 36">
+              <a:extLst>
+                <a:ext uri="{FF2B5EF4-FFF2-40B4-BE49-F238E27FC236}">
+                  <a16:creationId xmlns:a16="http://schemas.microsoft.com/office/drawing/2014/main" id="{789F326C-8DF8-4FB5-97BC-D1774FA38580}"/>
+                </a:ext>
+              </a:extLst>
+            </p:cNvPr>
+            <p:cNvCxnSpPr>
+              <a:cxnSpLocks/>
+            </p:cNvCxnSpPr>
+            <p:nvPr/>
+          </p:nvCxnSpPr>
+          <p:spPr>
+            <a:xfrm rot="5400000" flipH="1" flipV="1">
+              <a:off x="6613253" y="3915269"/>
+              <a:ext cx="2229988" cy="2246887"/>
+            </a:xfrm>
+            <a:prstGeom prst="line">
+              <a:avLst/>
+            </a:prstGeom>
+            <a:ln w="57150">
+              <a:solidFill>
+                <a:srgbClr val="FF0000"/>
+              </a:solidFill>
+            </a:ln>
+          </p:spPr>
+          <p:style>
+            <a:lnRef idx="1">
+              <a:schemeClr val="accent1"/>
+            </a:lnRef>
+            <a:fillRef idx="0">
+              <a:schemeClr val="accent1"/>
+            </a:fillRef>
+            <a:effectRef idx="0">
+              <a:schemeClr val="accent1"/>
+            </a:effectRef>
+            <a:fontRef idx="minor">
+              <a:schemeClr val="tx1"/>
+            </a:fontRef>
+          </p:style>
+        </p:cxnSp>
+      </p:grpSp>
+      <p:sp>
+        <p:nvSpPr>
+          <p:cNvPr id="39" name="Oval 38">
+            <a:extLst>
+              <a:ext uri="{FF2B5EF4-FFF2-40B4-BE49-F238E27FC236}">
+                <a16:creationId xmlns:a16="http://schemas.microsoft.com/office/drawing/2014/main" id="{07B915AA-EEDF-4DA2-B7E5-4E257517422F}"/>
+              </a:ext>
+            </a:extLst>
+          </p:cNvPr>
+          <p:cNvSpPr/>
+          <p:nvPr/>
+        </p:nvSpPr>
+        <p:spPr>
+          <a:xfrm>
+            <a:off x="3929105" y="1300153"/>
+            <a:ext cx="199489" cy="218469"/>
+          </a:xfrm>
+          <a:prstGeom prst="ellipse">
+            <a:avLst/>
+          </a:prstGeom>
+          <a:solidFill>
+            <a:srgbClr val="FFFF00"/>
+          </a:solidFill>
+          <a:ln>
+            <a:solidFill>
+              <a:srgbClr val="FFFF00"/>
+            </a:solidFill>
+          </a:ln>
+        </p:spPr>
+        <p:style>
+          <a:lnRef idx="2">
+            <a:schemeClr val="accent1">
+              <a:shade val="50000"/>
+            </a:schemeClr>
+          </a:lnRef>
+          <a:fillRef idx="1">
+            <a:schemeClr val="accent1"/>
+          </a:fillRef>
+          <a:effectRef idx="0">
+            <a:schemeClr val="accent1"/>
+          </a:effectRef>
+          <a:fontRef idx="minor">
+            <a:schemeClr val="lt1"/>
+          </a:fontRef>
+        </p:style>
+        <p:txBody>
+          <a:bodyPr rtlCol="0" anchor="ctr"/>
+          <a:lstStyle/>
+          <a:p>
+            <a:pPr algn="ctr"/>
+            <a:endParaRPr lang="en-GB"/>
+          </a:p>
+        </p:txBody>
+      </p:sp>
+      <p:sp>
+        <p:nvSpPr>
+          <p:cNvPr id="40" name="Oval 39">
+            <a:extLst>
+              <a:ext uri="{FF2B5EF4-FFF2-40B4-BE49-F238E27FC236}">
+                <a16:creationId xmlns:a16="http://schemas.microsoft.com/office/drawing/2014/main" id="{508DF61C-79E0-4907-89D5-C07DC18A6AF8}"/>
+              </a:ext>
+            </a:extLst>
+          </p:cNvPr>
+          <p:cNvSpPr/>
+          <p:nvPr/>
+        </p:nvSpPr>
+        <p:spPr>
+          <a:xfrm>
+            <a:off x="6191691" y="3553497"/>
+            <a:ext cx="199489" cy="218469"/>
+          </a:xfrm>
+          <a:prstGeom prst="ellipse">
+            <a:avLst/>
+          </a:prstGeom>
+          <a:solidFill>
+            <a:srgbClr val="FFFF00"/>
+          </a:solidFill>
+          <a:ln>
+            <a:solidFill>
+              <a:srgbClr val="FFFF00"/>
+            </a:solidFill>
+          </a:ln>
+        </p:spPr>
+        <p:style>
+          <a:lnRef idx="2">
+            <a:schemeClr val="accent1">
+              <a:shade val="50000"/>
+            </a:schemeClr>
+          </a:lnRef>
+          <a:fillRef idx="1">
+            <a:schemeClr val="accent1"/>
+          </a:fillRef>
+          <a:effectRef idx="0">
+            <a:schemeClr val="accent1"/>
+          </a:effectRef>
+          <a:fontRef idx="minor">
+            <a:schemeClr val="lt1"/>
+          </a:fontRef>
+        </p:style>
+        <p:txBody>
+          <a:bodyPr rtlCol="0" anchor="ctr"/>
+          <a:lstStyle/>
+          <a:p>
+            <a:pPr algn="ctr"/>
+            <a:endParaRPr lang="en-GB"/>
+          </a:p>
+        </p:txBody>
+      </p:sp>
+      <p:sp>
+        <p:nvSpPr>
+          <p:cNvPr id="41" name="Oval 40">
+            <a:extLst>
+              <a:ext uri="{FF2B5EF4-FFF2-40B4-BE49-F238E27FC236}">
+                <a16:creationId xmlns:a16="http://schemas.microsoft.com/office/drawing/2014/main" id="{75B773B1-9848-4EC6-A1B9-4CECC9B0DF7A}"/>
+              </a:ext>
+            </a:extLst>
+          </p:cNvPr>
+          <p:cNvSpPr/>
+          <p:nvPr/>
+        </p:nvSpPr>
+        <p:spPr>
+          <a:xfrm>
+            <a:off x="3929008" y="5770908"/>
+            <a:ext cx="199489" cy="218469"/>
+          </a:xfrm>
+          <a:prstGeom prst="ellipse">
+            <a:avLst/>
+          </a:prstGeom>
+          <a:solidFill>
+            <a:srgbClr val="FFFF00"/>
+          </a:solidFill>
+          <a:ln>
+            <a:solidFill>
+              <a:srgbClr val="FFFF00"/>
+            </a:solidFill>
+          </a:ln>
+        </p:spPr>
+        <p:style>
+          <a:lnRef idx="2">
+            <a:schemeClr val="accent1">
+              <a:shade val="50000"/>
+            </a:schemeClr>
+          </a:lnRef>
+          <a:fillRef idx="1">
+            <a:schemeClr val="accent1"/>
+          </a:fillRef>
+          <a:effectRef idx="0">
+            <a:schemeClr val="accent1"/>
+          </a:effectRef>
+          <a:fontRef idx="minor">
+            <a:schemeClr val="lt1"/>
+          </a:fontRef>
+        </p:style>
+        <p:txBody>
+          <a:bodyPr rtlCol="0" anchor="ctr"/>
+          <a:lstStyle/>
+          <a:p>
+            <a:pPr algn="ctr"/>
+            <a:endParaRPr lang="en-GB"/>
+          </a:p>
+        </p:txBody>
+      </p:sp>
+      <p:sp>
+        <p:nvSpPr>
+          <p:cNvPr id="42" name="Oval 41">
+            <a:extLst>
+              <a:ext uri="{FF2B5EF4-FFF2-40B4-BE49-F238E27FC236}">
+                <a16:creationId xmlns:a16="http://schemas.microsoft.com/office/drawing/2014/main" id="{0D06B149-518F-4ECC-B143-5F2312EAE5D5}"/>
+              </a:ext>
+            </a:extLst>
+          </p:cNvPr>
+          <p:cNvSpPr/>
+          <p:nvPr/>
+        </p:nvSpPr>
+        <p:spPr>
+          <a:xfrm>
+            <a:off x="1678629" y="3553498"/>
+            <a:ext cx="199489" cy="218469"/>
+          </a:xfrm>
+          <a:prstGeom prst="ellipse">
+            <a:avLst/>
+          </a:prstGeom>
+          <a:solidFill>
+            <a:srgbClr val="FFFF00"/>
+          </a:solidFill>
+          <a:ln>
+            <a:solidFill>
+              <a:srgbClr val="FFFF00"/>
+            </a:solidFill>
+          </a:ln>
+        </p:spPr>
+        <p:style>
+          <a:lnRef idx="2">
+            <a:schemeClr val="accent1">
+              <a:shade val="50000"/>
+            </a:schemeClr>
+          </a:lnRef>
+          <a:fillRef idx="1">
+            <a:schemeClr val="accent1"/>
+          </a:fillRef>
+          <a:effectRef idx="0">
+            <a:schemeClr val="accent1"/>
+          </a:effectRef>
+          <a:fontRef idx="minor">
+            <a:schemeClr val="lt1"/>
+          </a:fontRef>
+        </p:style>
+        <p:txBody>
+          <a:bodyPr rtlCol="0" anchor="ctr"/>
+          <a:lstStyle/>
+          <a:p>
+            <a:pPr algn="ctr"/>
+            <a:endParaRPr lang="en-GB"/>
+          </a:p>
+        </p:txBody>
+      </p:sp>
+      <p:sp>
+        <p:nvSpPr>
+          <p:cNvPr id="43" name="Oval 42">
+            <a:extLst>
+              <a:ext uri="{FF2B5EF4-FFF2-40B4-BE49-F238E27FC236}">
+                <a16:creationId xmlns:a16="http://schemas.microsoft.com/office/drawing/2014/main" id="{04E7AEE6-F6AA-4ABC-8A4E-48763FA244A4}"/>
+              </a:ext>
+            </a:extLst>
+          </p:cNvPr>
+          <p:cNvSpPr/>
+          <p:nvPr/>
+        </p:nvSpPr>
+        <p:spPr>
+          <a:xfrm>
+            <a:off x="2218104" y="5184899"/>
+            <a:ext cx="199489" cy="218469"/>
+          </a:xfrm>
+          <a:prstGeom prst="ellipse">
+            <a:avLst/>
+          </a:prstGeom>
+          <a:solidFill>
+            <a:srgbClr val="FFFF00"/>
+          </a:solidFill>
+          <a:ln>
+            <a:solidFill>
+              <a:srgbClr val="FFFF00"/>
+            </a:solidFill>
+          </a:ln>
+        </p:spPr>
+        <p:style>
+          <a:lnRef idx="2">
+            <a:schemeClr val="accent1">
+              <a:shade val="50000"/>
+            </a:schemeClr>
+          </a:lnRef>
+          <a:fillRef idx="1">
+            <a:schemeClr val="accent1"/>
+          </a:fillRef>
+          <a:effectRef idx="0">
+            <a:schemeClr val="accent1"/>
+          </a:effectRef>
+          <a:fontRef idx="minor">
+            <a:schemeClr val="lt1"/>
+          </a:fontRef>
+        </p:style>
+        <p:txBody>
+          <a:bodyPr rtlCol="0" anchor="ctr"/>
+          <a:lstStyle/>
+          <a:p>
+            <a:pPr algn="ctr"/>
+            <a:endParaRPr lang="en-GB"/>
+          </a:p>
+        </p:txBody>
+      </p:sp>
+      <p:sp>
+        <p:nvSpPr>
+          <p:cNvPr id="44" name="Oval 43">
+            <a:extLst>
+              <a:ext uri="{FF2B5EF4-FFF2-40B4-BE49-F238E27FC236}">
+                <a16:creationId xmlns:a16="http://schemas.microsoft.com/office/drawing/2014/main" id="{3A1D314B-53D6-4545-A63F-2BB09FAC31CD}"/>
+              </a:ext>
+            </a:extLst>
+          </p:cNvPr>
+          <p:cNvSpPr/>
+          <p:nvPr/>
+        </p:nvSpPr>
+        <p:spPr>
+          <a:xfrm>
+            <a:off x="2248145" y="1829953"/>
+            <a:ext cx="199489" cy="218469"/>
+          </a:xfrm>
+          <a:prstGeom prst="ellipse">
+            <a:avLst/>
+          </a:prstGeom>
+          <a:solidFill>
+            <a:srgbClr val="FFFF00"/>
+          </a:solidFill>
+          <a:ln>
+            <a:solidFill>
+              <a:srgbClr val="FFFF00"/>
+            </a:solidFill>
+          </a:ln>
+        </p:spPr>
+        <p:style>
+          <a:lnRef idx="2">
+            <a:schemeClr val="accent1">
+              <a:shade val="50000"/>
+            </a:schemeClr>
+          </a:lnRef>
+          <a:fillRef idx="1">
+            <a:schemeClr val="accent1"/>
+          </a:fillRef>
+          <a:effectRef idx="0">
+            <a:schemeClr val="accent1"/>
+          </a:effectRef>
+          <a:fontRef idx="minor">
+            <a:schemeClr val="lt1"/>
+          </a:fontRef>
+        </p:style>
+        <p:txBody>
+          <a:bodyPr rtlCol="0" anchor="ctr"/>
+          <a:lstStyle/>
+          <a:p>
+            <a:pPr algn="ctr"/>
+            <a:endParaRPr lang="en-GB"/>
+          </a:p>
+        </p:txBody>
+      </p:sp>
+      <p:sp>
+        <p:nvSpPr>
+          <p:cNvPr id="45" name="Oval 44">
+            <a:extLst>
+              <a:ext uri="{FF2B5EF4-FFF2-40B4-BE49-F238E27FC236}">
+                <a16:creationId xmlns:a16="http://schemas.microsoft.com/office/drawing/2014/main" id="{05B6981E-74AC-46F4-9F25-BD43AD793F8C}"/>
+              </a:ext>
+            </a:extLst>
+          </p:cNvPr>
+          <p:cNvSpPr/>
+          <p:nvPr/>
+        </p:nvSpPr>
+        <p:spPr>
+          <a:xfrm>
+            <a:off x="5632341" y="5162695"/>
+            <a:ext cx="199489" cy="218469"/>
+          </a:xfrm>
+          <a:prstGeom prst="ellipse">
+            <a:avLst/>
+          </a:prstGeom>
+          <a:solidFill>
+            <a:srgbClr val="FFFF00"/>
+          </a:solidFill>
+          <a:ln>
+            <a:solidFill>
+              <a:srgbClr val="FFFF00"/>
+            </a:solidFill>
+          </a:ln>
+        </p:spPr>
+        <p:style>
+          <a:lnRef idx="2">
+            <a:schemeClr val="accent1">
+              <a:shade val="50000"/>
+            </a:schemeClr>
+          </a:lnRef>
+          <a:fillRef idx="1">
+            <a:schemeClr val="accent1"/>
+          </a:fillRef>
+          <a:effectRef idx="0">
+            <a:schemeClr val="accent1"/>
+          </a:effectRef>
+          <a:fontRef idx="minor">
+            <a:schemeClr val="lt1"/>
+          </a:fontRef>
+        </p:style>
+        <p:txBody>
+          <a:bodyPr rtlCol="0" anchor="ctr"/>
+          <a:lstStyle/>
+          <a:p>
+            <a:pPr algn="ctr"/>
+            <a:endParaRPr lang="en-GB"/>
+          </a:p>
+        </p:txBody>
+      </p:sp>
+      <p:sp>
+        <p:nvSpPr>
+          <p:cNvPr id="46" name="Oval 45">
+            <a:extLst>
+              <a:ext uri="{FF2B5EF4-FFF2-40B4-BE49-F238E27FC236}">
+                <a16:creationId xmlns:a16="http://schemas.microsoft.com/office/drawing/2014/main" id="{51D8EA36-64F6-4207-ADF2-FFB2D759682D}"/>
+              </a:ext>
+            </a:extLst>
+          </p:cNvPr>
+          <p:cNvSpPr/>
+          <p:nvPr/>
+        </p:nvSpPr>
+        <p:spPr>
+          <a:xfrm>
+            <a:off x="5662382" y="1807749"/>
+            <a:ext cx="199489" cy="218469"/>
+          </a:xfrm>
+          <a:prstGeom prst="ellipse">
+            <a:avLst/>
+          </a:prstGeom>
+          <a:solidFill>
+            <a:srgbClr val="FFFF00"/>
+          </a:solidFill>
+          <a:ln>
+            <a:solidFill>
+              <a:srgbClr val="FFFF00"/>
+            </a:solidFill>
+          </a:ln>
+        </p:spPr>
+        <p:style>
+          <a:lnRef idx="2">
+            <a:schemeClr val="accent1">
+              <a:shade val="50000"/>
+            </a:schemeClr>
+          </a:lnRef>
+          <a:fillRef idx="1">
+            <a:schemeClr val="accent1"/>
+          </a:fillRef>
+          <a:effectRef idx="0">
+            <a:schemeClr val="accent1"/>
+          </a:effectRef>
+          <a:fontRef idx="minor">
+            <a:schemeClr val="lt1"/>
+          </a:fontRef>
+        </p:style>
+        <p:txBody>
+          <a:bodyPr rtlCol="0" anchor="ctr"/>
+          <a:lstStyle/>
+          <a:p>
+            <a:pPr algn="ctr"/>
+            <a:endParaRPr lang="en-GB"/>
+          </a:p>
+        </p:txBody>
+      </p:sp>
+      <p:sp>
+        <p:nvSpPr>
+          <p:cNvPr id="47" name="Oval 46">
+            <a:extLst>
+              <a:ext uri="{FF2B5EF4-FFF2-40B4-BE49-F238E27FC236}">
+                <a16:creationId xmlns:a16="http://schemas.microsoft.com/office/drawing/2014/main" id="{DAFEE0E5-C9FA-4B82-BE9D-16FBFE5D5B1B}"/>
+              </a:ext>
+            </a:extLst>
+          </p:cNvPr>
+          <p:cNvSpPr/>
+          <p:nvPr/>
+        </p:nvSpPr>
+        <p:spPr>
+          <a:xfrm>
+            <a:off x="2820719" y="2381151"/>
+            <a:ext cx="199489" cy="218469"/>
+          </a:xfrm>
+          <a:prstGeom prst="ellipse">
+            <a:avLst/>
+          </a:prstGeom>
+          <a:solidFill>
+            <a:srgbClr val="FF00FF"/>
+          </a:solidFill>
+          <a:ln>
+            <a:noFill/>
+          </a:ln>
+        </p:spPr>
+        <p:style>
+          <a:lnRef idx="2">
+            <a:schemeClr val="accent1">
+              <a:shade val="50000"/>
+            </a:schemeClr>
+          </a:lnRef>
+          <a:fillRef idx="1">
+            <a:schemeClr val="accent1"/>
+          </a:fillRef>
+          <a:effectRef idx="0">
+            <a:schemeClr val="accent1"/>
+          </a:effectRef>
+          <a:fontRef idx="minor">
+            <a:schemeClr val="lt1"/>
+          </a:fontRef>
+        </p:style>
+        <p:txBody>
+          <a:bodyPr rtlCol="0" anchor="ctr"/>
+          <a:lstStyle/>
+          <a:p>
+            <a:pPr algn="ctr"/>
+            <a:endParaRPr lang="en-GB"/>
+          </a:p>
+        </p:txBody>
+      </p:sp>
+      <p:sp>
+        <p:nvSpPr>
+          <p:cNvPr id="48" name="Oval 47">
+            <a:extLst>
+              <a:ext uri="{FF2B5EF4-FFF2-40B4-BE49-F238E27FC236}">
+                <a16:creationId xmlns:a16="http://schemas.microsoft.com/office/drawing/2014/main" id="{9297ED62-F9D5-46B2-9322-32864358E40A}"/>
+              </a:ext>
+            </a:extLst>
+          </p:cNvPr>
+          <p:cNvSpPr/>
+          <p:nvPr/>
+        </p:nvSpPr>
+        <p:spPr>
+          <a:xfrm>
+            <a:off x="2817704" y="4615090"/>
+            <a:ext cx="199489" cy="218469"/>
+          </a:xfrm>
+          <a:prstGeom prst="ellipse">
+            <a:avLst/>
+          </a:prstGeom>
+          <a:solidFill>
+            <a:srgbClr val="FF00FF"/>
+          </a:solidFill>
+          <a:ln>
+            <a:noFill/>
+          </a:ln>
+        </p:spPr>
+        <p:style>
+          <a:lnRef idx="2">
+            <a:schemeClr val="accent1">
+              <a:shade val="50000"/>
+            </a:schemeClr>
+          </a:lnRef>
+          <a:fillRef idx="1">
+            <a:schemeClr val="accent1"/>
+          </a:fillRef>
+          <a:effectRef idx="0">
+            <a:schemeClr val="accent1"/>
+          </a:effectRef>
+          <a:fontRef idx="minor">
+            <a:schemeClr val="lt1"/>
+          </a:fontRef>
+        </p:style>
+        <p:txBody>
+          <a:bodyPr rtlCol="0" anchor="ctr"/>
+          <a:lstStyle/>
+          <a:p>
+            <a:pPr algn="ctr"/>
+            <a:endParaRPr lang="en-GB"/>
+          </a:p>
+        </p:txBody>
+      </p:sp>
+      <p:sp>
+        <p:nvSpPr>
+          <p:cNvPr id="49" name="Oval 48">
+            <a:extLst>
+              <a:ext uri="{FF2B5EF4-FFF2-40B4-BE49-F238E27FC236}">
+                <a16:creationId xmlns:a16="http://schemas.microsoft.com/office/drawing/2014/main" id="{34CE9B1D-21EA-4640-9ACC-20A79A2CD6B2}"/>
+              </a:ext>
+            </a:extLst>
+          </p:cNvPr>
+          <p:cNvSpPr/>
+          <p:nvPr/>
+        </p:nvSpPr>
+        <p:spPr>
+          <a:xfrm>
+            <a:off x="5069522" y="4672179"/>
+            <a:ext cx="199489" cy="218469"/>
+          </a:xfrm>
+          <a:prstGeom prst="ellipse">
+            <a:avLst/>
+          </a:prstGeom>
+          <a:solidFill>
+            <a:srgbClr val="FF00FF"/>
+          </a:solidFill>
+          <a:ln>
+            <a:noFill/>
+          </a:ln>
+        </p:spPr>
+        <p:style>
+          <a:lnRef idx="2">
+            <a:schemeClr val="accent1">
+              <a:shade val="50000"/>
+            </a:schemeClr>
+          </a:lnRef>
+          <a:fillRef idx="1">
+            <a:schemeClr val="accent1"/>
+          </a:fillRef>
+          <a:effectRef idx="0">
+            <a:schemeClr val="accent1"/>
+          </a:effectRef>
+          <a:fontRef idx="minor">
+            <a:schemeClr val="lt1"/>
+          </a:fontRef>
+        </p:style>
+        <p:txBody>
+          <a:bodyPr rtlCol="0" anchor="ctr"/>
+          <a:lstStyle/>
+          <a:p>
+            <a:pPr algn="ctr"/>
+            <a:endParaRPr lang="en-GB"/>
+          </a:p>
+        </p:txBody>
+      </p:sp>
+      <p:sp>
+        <p:nvSpPr>
+          <p:cNvPr id="50" name="Oval 49">
+            <a:extLst>
+              <a:ext uri="{FF2B5EF4-FFF2-40B4-BE49-F238E27FC236}">
+                <a16:creationId xmlns:a16="http://schemas.microsoft.com/office/drawing/2014/main" id="{322091F7-000F-46D8-9D88-43B0F89D15C3}"/>
+              </a:ext>
+            </a:extLst>
+          </p:cNvPr>
+          <p:cNvSpPr/>
+          <p:nvPr/>
+        </p:nvSpPr>
+        <p:spPr>
+          <a:xfrm>
+            <a:off x="5062542" y="2394399"/>
+            <a:ext cx="199489" cy="218469"/>
+          </a:xfrm>
+          <a:prstGeom prst="ellipse">
+            <a:avLst/>
+          </a:prstGeom>
+          <a:solidFill>
+            <a:srgbClr val="FF00FF"/>
+          </a:solidFill>
+          <a:ln>
+            <a:noFill/>
+          </a:ln>
+        </p:spPr>
+        <p:style>
+          <a:lnRef idx="2">
+            <a:schemeClr val="accent1">
+              <a:shade val="50000"/>
+            </a:schemeClr>
+          </a:lnRef>
+          <a:fillRef idx="1">
+            <a:schemeClr val="accent1"/>
+          </a:fillRef>
+          <a:effectRef idx="0">
+            <a:schemeClr val="accent1"/>
+          </a:effectRef>
+          <a:fontRef idx="minor">
+            <a:schemeClr val="lt1"/>
+          </a:fontRef>
+        </p:style>
+        <p:txBody>
+          <a:bodyPr rtlCol="0" anchor="ctr"/>
+          <a:lstStyle/>
+          <a:p>
+            <a:pPr algn="ctr"/>
+            <a:endParaRPr lang="en-GB"/>
+          </a:p>
+        </p:txBody>
+      </p:sp>
+      <p:sp>
+        <p:nvSpPr>
+          <p:cNvPr id="51" name="TextBox 50">
+            <a:extLst>
+              <a:ext uri="{FF2B5EF4-FFF2-40B4-BE49-F238E27FC236}">
+                <a16:creationId xmlns:a16="http://schemas.microsoft.com/office/drawing/2014/main" id="{8E33A5DC-82C6-4735-90B0-6DB57BEE2904}"/>
+              </a:ext>
+            </a:extLst>
+          </p:cNvPr>
+          <p:cNvSpPr txBox="1"/>
+          <p:nvPr/>
+        </p:nvSpPr>
+        <p:spPr>
+          <a:xfrm>
+            <a:off x="10040050" y="446906"/>
+            <a:ext cx="1837626" cy="923330"/>
+          </a:xfrm>
+          <a:prstGeom prst="rect">
+            <a:avLst/>
+          </a:prstGeom>
+          <a:noFill/>
+        </p:spPr>
+        <p:txBody>
+          <a:bodyPr wrap="square" rtlCol="0">
+            <a:spAutoFit/>
+          </a:bodyPr>
+          <a:lstStyle/>
+          <a:p>
+            <a:r>
+              <a:rPr lang="en-GB" b="1" dirty="0"/>
+              <a:t>9 RIGIDIZADORES/DIAGONAL</a:t>
+            </a:r>
+          </a:p>
+        </p:txBody>
+      </p:sp>
+      <p:sp>
+        <p:nvSpPr>
+          <p:cNvPr id="52" name="Oval 51">
+            <a:extLst>
+              <a:ext uri="{FF2B5EF4-FFF2-40B4-BE49-F238E27FC236}">
+                <a16:creationId xmlns:a16="http://schemas.microsoft.com/office/drawing/2014/main" id="{5AA40694-3297-4AA4-9E86-A14B46128570}"/>
+              </a:ext>
+            </a:extLst>
+          </p:cNvPr>
+          <p:cNvSpPr/>
+          <p:nvPr/>
+        </p:nvSpPr>
+        <p:spPr>
+          <a:xfrm>
+            <a:off x="10127917" y="1385957"/>
+            <a:ext cx="199489" cy="218469"/>
+          </a:xfrm>
+          <a:prstGeom prst="ellipse">
+            <a:avLst/>
+          </a:prstGeom>
+          <a:solidFill>
+            <a:srgbClr val="FFFF00"/>
+          </a:solidFill>
+          <a:ln>
+            <a:solidFill>
+              <a:srgbClr val="FFFF00"/>
+            </a:solidFill>
+          </a:ln>
+        </p:spPr>
+        <p:style>
+          <a:lnRef idx="2">
+            <a:schemeClr val="accent1">
+              <a:shade val="50000"/>
+            </a:schemeClr>
+          </a:lnRef>
+          <a:fillRef idx="1">
+            <a:schemeClr val="accent1"/>
+          </a:fillRef>
+          <a:effectRef idx="0">
+            <a:schemeClr val="accent1"/>
+          </a:effectRef>
+          <a:fontRef idx="minor">
+            <a:schemeClr val="lt1"/>
+          </a:fontRef>
+        </p:style>
+        <p:txBody>
+          <a:bodyPr rtlCol="0" anchor="ctr"/>
+          <a:lstStyle/>
+          <a:p>
+            <a:pPr algn="ctr"/>
+            <a:endParaRPr lang="en-GB"/>
+          </a:p>
+        </p:txBody>
+      </p:sp>
+      <p:sp>
+        <p:nvSpPr>
+          <p:cNvPr id="53" name="Oval 52">
+            <a:extLst>
+              <a:ext uri="{FF2B5EF4-FFF2-40B4-BE49-F238E27FC236}">
+                <a16:creationId xmlns:a16="http://schemas.microsoft.com/office/drawing/2014/main" id="{B5378228-C65C-42D2-9D84-32CFD05D6503}"/>
+              </a:ext>
+            </a:extLst>
+          </p:cNvPr>
+          <p:cNvSpPr/>
+          <p:nvPr/>
+        </p:nvSpPr>
+        <p:spPr>
+          <a:xfrm>
+            <a:off x="10127916" y="1830375"/>
+            <a:ext cx="199489" cy="218469"/>
+          </a:xfrm>
+          <a:prstGeom prst="ellipse">
+            <a:avLst/>
+          </a:prstGeom>
+          <a:solidFill>
+            <a:srgbClr val="FF00FF"/>
+          </a:solidFill>
+          <a:ln>
+            <a:noFill/>
+          </a:ln>
+        </p:spPr>
+        <p:style>
+          <a:lnRef idx="2">
+            <a:schemeClr val="accent1">
+              <a:shade val="50000"/>
+            </a:schemeClr>
+          </a:lnRef>
+          <a:fillRef idx="1">
+            <a:schemeClr val="accent1"/>
+          </a:fillRef>
+          <a:effectRef idx="0">
+            <a:schemeClr val="accent1"/>
+          </a:effectRef>
+          <a:fontRef idx="minor">
+            <a:schemeClr val="lt1"/>
+          </a:fontRef>
+        </p:style>
+        <p:txBody>
+          <a:bodyPr rtlCol="0" anchor="ctr"/>
+          <a:lstStyle/>
+          <a:p>
+            <a:pPr algn="ctr"/>
+            <a:endParaRPr lang="en-GB"/>
+          </a:p>
+        </p:txBody>
+      </p:sp>
+      <p:sp>
+        <p:nvSpPr>
+          <p:cNvPr id="54" name="TextBox 53">
+            <a:extLst>
+              <a:ext uri="{FF2B5EF4-FFF2-40B4-BE49-F238E27FC236}">
+                <a16:creationId xmlns:a16="http://schemas.microsoft.com/office/drawing/2014/main" id="{F31A6FD1-F80A-42CF-82DB-DE7BB742696B}"/>
+              </a:ext>
+            </a:extLst>
+          </p:cNvPr>
+          <p:cNvSpPr txBox="1"/>
+          <p:nvPr/>
+        </p:nvSpPr>
+        <p:spPr>
+          <a:xfrm>
+            <a:off x="10398449" y="1350078"/>
+            <a:ext cx="1000595" cy="369332"/>
+          </a:xfrm>
+          <a:prstGeom prst="rect">
+            <a:avLst/>
+          </a:prstGeom>
+          <a:noFill/>
+        </p:spPr>
+        <p:txBody>
+          <a:bodyPr wrap="none" rtlCol="0">
+            <a:spAutoFit/>
+          </a:bodyPr>
+          <a:lstStyle/>
+          <a:p>
+            <a:r>
+              <a:rPr lang="en-GB" dirty="0"/>
+              <a:t>8 CBUSH</a:t>
+            </a:r>
+          </a:p>
+        </p:txBody>
+      </p:sp>
+      <p:sp>
+        <p:nvSpPr>
+          <p:cNvPr id="55" name="TextBox 54">
+            <a:extLst>
+              <a:ext uri="{FF2B5EF4-FFF2-40B4-BE49-F238E27FC236}">
+                <a16:creationId xmlns:a16="http://schemas.microsoft.com/office/drawing/2014/main" id="{1139CF58-73FC-4745-B311-4617C605A1A1}"/>
+              </a:ext>
+            </a:extLst>
+          </p:cNvPr>
+          <p:cNvSpPr txBox="1"/>
+          <p:nvPr/>
+        </p:nvSpPr>
+        <p:spPr>
+          <a:xfrm>
+            <a:off x="10398448" y="1740370"/>
+            <a:ext cx="833883" cy="369332"/>
+          </a:xfrm>
+          <a:prstGeom prst="rect">
+            <a:avLst/>
+          </a:prstGeom>
+          <a:noFill/>
+        </p:spPr>
+        <p:txBody>
+          <a:bodyPr wrap="none" rtlCol="0">
+            <a:spAutoFit/>
+          </a:bodyPr>
+          <a:lstStyle/>
+          <a:p>
+            <a:r>
+              <a:rPr lang="en-GB" dirty="0"/>
+              <a:t>4 RBE2</a:t>
+            </a:r>
+          </a:p>
+        </p:txBody>
+      </p:sp>
+      <p:sp>
+        <p:nvSpPr>
+          <p:cNvPr id="56" name="Oval 55">
+            <a:extLst>
+              <a:ext uri="{FF2B5EF4-FFF2-40B4-BE49-F238E27FC236}">
+                <a16:creationId xmlns:a16="http://schemas.microsoft.com/office/drawing/2014/main" id="{E16D6865-D146-4700-87C0-F3E8636ABADD}"/>
+              </a:ext>
+            </a:extLst>
+          </p:cNvPr>
+          <p:cNvSpPr/>
+          <p:nvPr/>
+        </p:nvSpPr>
+        <p:spPr>
+          <a:xfrm>
+            <a:off x="1701636" y="4653073"/>
+            <a:ext cx="199489" cy="218469"/>
+          </a:xfrm>
+          <a:prstGeom prst="ellipse">
+            <a:avLst/>
+          </a:prstGeom>
+          <a:solidFill>
+            <a:srgbClr val="FFFF00"/>
+          </a:solidFill>
+          <a:ln>
+            <a:solidFill>
+              <a:srgbClr val="FFFF00"/>
+            </a:solidFill>
+          </a:ln>
+        </p:spPr>
+        <p:style>
+          <a:lnRef idx="2">
+            <a:schemeClr val="accent1">
+              <a:shade val="50000"/>
+            </a:schemeClr>
+          </a:lnRef>
+          <a:fillRef idx="1">
+            <a:schemeClr val="accent1"/>
+          </a:fillRef>
+          <a:effectRef idx="0">
+            <a:schemeClr val="accent1"/>
+          </a:effectRef>
+          <a:fontRef idx="minor">
+            <a:schemeClr val="lt1"/>
+          </a:fontRef>
+        </p:style>
+        <p:txBody>
+          <a:bodyPr rtlCol="0" anchor="ctr"/>
+          <a:lstStyle/>
+          <a:p>
+            <a:pPr algn="ctr"/>
+            <a:endParaRPr lang="en-GB"/>
+          </a:p>
+        </p:txBody>
+      </p:sp>
+      <p:sp>
+        <p:nvSpPr>
+          <p:cNvPr id="57" name="Oval 56">
+            <a:extLst>
+              <a:ext uri="{FF2B5EF4-FFF2-40B4-BE49-F238E27FC236}">
+                <a16:creationId xmlns:a16="http://schemas.microsoft.com/office/drawing/2014/main" id="{489C5677-8FD6-4FAB-9B93-BD9E01C028F5}"/>
+              </a:ext>
+            </a:extLst>
+          </p:cNvPr>
+          <p:cNvSpPr/>
+          <p:nvPr/>
+        </p:nvSpPr>
+        <p:spPr>
+          <a:xfrm>
+            <a:off x="1673198" y="2405139"/>
+            <a:ext cx="199489" cy="218469"/>
+          </a:xfrm>
+          <a:prstGeom prst="ellipse">
+            <a:avLst/>
+          </a:prstGeom>
+          <a:solidFill>
+            <a:srgbClr val="FFFF00"/>
+          </a:solidFill>
+          <a:ln>
+            <a:solidFill>
+              <a:srgbClr val="FFFF00"/>
+            </a:solidFill>
+          </a:ln>
+        </p:spPr>
+        <p:style>
+          <a:lnRef idx="2">
+            <a:schemeClr val="accent1">
+              <a:shade val="50000"/>
+            </a:schemeClr>
+          </a:lnRef>
+          <a:fillRef idx="1">
+            <a:schemeClr val="accent1"/>
+          </a:fillRef>
+          <a:effectRef idx="0">
+            <a:schemeClr val="accent1"/>
+          </a:effectRef>
+          <a:fontRef idx="minor">
+            <a:schemeClr val="lt1"/>
+          </a:fontRef>
+        </p:style>
+        <p:txBody>
+          <a:bodyPr rtlCol="0" anchor="ctr"/>
+          <a:lstStyle/>
+          <a:p>
+            <a:pPr algn="ctr"/>
+            <a:endParaRPr lang="en-GB"/>
+          </a:p>
+        </p:txBody>
+      </p:sp>
+      <p:sp>
+        <p:nvSpPr>
+          <p:cNvPr id="58" name="Oval 57">
+            <a:extLst>
+              <a:ext uri="{FF2B5EF4-FFF2-40B4-BE49-F238E27FC236}">
+                <a16:creationId xmlns:a16="http://schemas.microsoft.com/office/drawing/2014/main" id="{677FF8ED-F51C-4B8A-AEFC-717A62E3C399}"/>
+              </a:ext>
+            </a:extLst>
+          </p:cNvPr>
+          <p:cNvSpPr/>
+          <p:nvPr/>
+        </p:nvSpPr>
+        <p:spPr>
+          <a:xfrm>
+            <a:off x="6204045" y="2363552"/>
+            <a:ext cx="199489" cy="218469"/>
+          </a:xfrm>
+          <a:prstGeom prst="ellipse">
+            <a:avLst/>
+          </a:prstGeom>
+          <a:solidFill>
+            <a:srgbClr val="FFFF00"/>
+          </a:solidFill>
+          <a:ln>
+            <a:solidFill>
+              <a:srgbClr val="FFFF00"/>
+            </a:solidFill>
+          </a:ln>
+        </p:spPr>
+        <p:style>
+          <a:lnRef idx="2">
+            <a:schemeClr val="accent1">
+              <a:shade val="50000"/>
+            </a:schemeClr>
+          </a:lnRef>
+          <a:fillRef idx="1">
+            <a:schemeClr val="accent1"/>
+          </a:fillRef>
+          <a:effectRef idx="0">
+            <a:schemeClr val="accent1"/>
+          </a:effectRef>
+          <a:fontRef idx="minor">
+            <a:schemeClr val="lt1"/>
+          </a:fontRef>
+        </p:style>
+        <p:txBody>
+          <a:bodyPr rtlCol="0" anchor="ctr"/>
+          <a:lstStyle/>
+          <a:p>
+            <a:pPr algn="ctr"/>
+            <a:endParaRPr lang="en-GB"/>
+          </a:p>
+        </p:txBody>
+      </p:sp>
+      <p:sp>
+        <p:nvSpPr>
+          <p:cNvPr id="59" name="Oval 58">
+            <a:extLst>
+              <a:ext uri="{FF2B5EF4-FFF2-40B4-BE49-F238E27FC236}">
+                <a16:creationId xmlns:a16="http://schemas.microsoft.com/office/drawing/2014/main" id="{6976389E-8172-4406-BCE0-8564CE19D8D3}"/>
+              </a:ext>
+            </a:extLst>
+          </p:cNvPr>
+          <p:cNvSpPr/>
+          <p:nvPr/>
+        </p:nvSpPr>
+        <p:spPr>
+          <a:xfrm>
+            <a:off x="6195168" y="4669218"/>
+            <a:ext cx="199489" cy="218469"/>
+          </a:xfrm>
+          <a:prstGeom prst="ellipse">
+            <a:avLst/>
+          </a:prstGeom>
+          <a:solidFill>
+            <a:srgbClr val="FFFF00"/>
+          </a:solidFill>
+          <a:ln>
+            <a:solidFill>
+              <a:srgbClr val="FFFF00"/>
+            </a:solidFill>
+          </a:ln>
+        </p:spPr>
+        <p:style>
+          <a:lnRef idx="2">
+            <a:schemeClr val="accent1">
+              <a:shade val="50000"/>
+            </a:schemeClr>
+          </a:lnRef>
+          <a:fillRef idx="1">
+            <a:schemeClr val="accent1"/>
+          </a:fillRef>
+          <a:effectRef idx="0">
+            <a:schemeClr val="accent1"/>
+          </a:effectRef>
+          <a:fontRef idx="minor">
+            <a:schemeClr val="lt1"/>
+          </a:fontRef>
+        </p:style>
+        <p:txBody>
+          <a:bodyPr rtlCol="0" anchor="ctr"/>
+          <a:lstStyle/>
+          <a:p>
+            <a:pPr algn="ctr"/>
+            <a:endParaRPr lang="en-GB"/>
+          </a:p>
+        </p:txBody>
+      </p:sp>
+    </p:spTree>
+    <p:extLst>
+      <p:ext uri="{BB962C8B-B14F-4D97-AF65-F5344CB8AC3E}">
+        <p14:creationId xmlns:p14="http://schemas.microsoft.com/office/powerpoint/2010/main" val="4269705683"/>
+      </p:ext>
+    </p:extLst>
+  </p:cSld>
+  <p:clrMapOvr>
+    <a:masterClrMapping/>
+  </p:clrMapOvr>
+</p:sld>
+</file>
+
+<file path=ppt/slides/slide6.xml><?xml version="1.0" encoding="utf-8"?>
 <p:sld xmlns:a="http://schemas.openxmlformats.org/drawingml/2006/main" xmlns:r="http://schemas.openxmlformats.org/officeDocument/2006/relationships" xmlns:p="http://schemas.openxmlformats.org/presentationml/2006/main">
   <p:cSld>
     <p:spTree>
@@ -8652,7 +14335,7 @@
 </p:sld>
 </file>
 
-<file path=ppt/slides/slide4.xml><?xml version="1.0" encoding="utf-8"?>
+<file path=ppt/slides/slide7.xml><?xml version="1.0" encoding="utf-8"?>
 <p:sld xmlns:a="http://schemas.openxmlformats.org/drawingml/2006/main" xmlns:r="http://schemas.openxmlformats.org/officeDocument/2006/relationships" xmlns:p="http://schemas.openxmlformats.org/presentationml/2006/main">
   <p:cSld>
     <p:spTree>
@@ -10960,7 +16643,7 @@
 </p:sld>
 </file>
 
-<file path=ppt/slides/slide5.xml><?xml version="1.0" encoding="utf-8"?>
+<file path=ppt/slides/slide8.xml><?xml version="1.0" encoding="utf-8"?>
 <p:sld xmlns:a="http://schemas.openxmlformats.org/drawingml/2006/main" xmlns:r="http://schemas.openxmlformats.org/officeDocument/2006/relationships" xmlns:p="http://schemas.openxmlformats.org/presentationml/2006/main">
   <p:cSld>
     <p:spTree>
